--- a/Poster/Capstone_Poster.pptx
+++ b/Poster/Capstone_Poster.pptx
@@ -6,6 +6,7 @@
   </p:sldMasterIdLst>
   <p:sldIdLst>
     <p:sldId id="265" r:id="rId2"/>
+    <p:sldId id="266" r:id="rId3"/>
   </p:sldIdLst>
   <p:sldSz cx="36576000" cy="27432000"/>
   <p:notesSz cx="6934200" cy="9220200"/>
@@ -300,7 +301,7 @@
             <a:fld id="{84F3580F-AF95-4FF6-946D-98F6794E95B3}" type="datetimeFigureOut">
               <a:rPr lang="en-US" smtClean="0"/>
               <a:pPr/>
-              <a:t>2/18/2025</a:t>
+              <a:t>2/19/2025</a:t>
             </a:fld>
             <a:endParaRPr lang="en-US" dirty="0"/>
           </a:p>
@@ -465,7 +466,7 @@
             <a:fld id="{84F3580F-AF95-4FF6-946D-98F6794E95B3}" type="datetimeFigureOut">
               <a:rPr lang="en-US" smtClean="0"/>
               <a:pPr/>
-              <a:t>2/18/2025</a:t>
+              <a:t>2/19/2025</a:t>
             </a:fld>
             <a:endParaRPr lang="en-US" dirty="0"/>
           </a:p>
@@ -640,7 +641,7 @@
             <a:fld id="{84F3580F-AF95-4FF6-946D-98F6794E95B3}" type="datetimeFigureOut">
               <a:rPr lang="en-US" smtClean="0"/>
               <a:pPr/>
-              <a:t>2/18/2025</a:t>
+              <a:t>2/19/2025</a:t>
             </a:fld>
             <a:endParaRPr lang="en-US" dirty="0"/>
           </a:p>
@@ -805,7 +806,7 @@
             <a:fld id="{84F3580F-AF95-4FF6-946D-98F6794E95B3}" type="datetimeFigureOut">
               <a:rPr lang="en-US" smtClean="0"/>
               <a:pPr/>
-              <a:t>2/18/2025</a:t>
+              <a:t>2/19/2025</a:t>
             </a:fld>
             <a:endParaRPr lang="en-US" dirty="0"/>
           </a:p>
@@ -1047,7 +1048,7 @@
             <a:fld id="{84F3580F-AF95-4FF6-946D-98F6794E95B3}" type="datetimeFigureOut">
               <a:rPr lang="en-US" smtClean="0"/>
               <a:pPr/>
-              <a:t>2/18/2025</a:t>
+              <a:t>2/19/2025</a:t>
             </a:fld>
             <a:endParaRPr lang="en-US" dirty="0"/>
           </a:p>
@@ -1329,7 +1330,7 @@
             <a:fld id="{84F3580F-AF95-4FF6-946D-98F6794E95B3}" type="datetimeFigureOut">
               <a:rPr lang="en-US" smtClean="0"/>
               <a:pPr/>
-              <a:t>2/18/2025</a:t>
+              <a:t>2/19/2025</a:t>
             </a:fld>
             <a:endParaRPr lang="en-US" dirty="0"/>
           </a:p>
@@ -1745,7 +1746,7 @@
             <a:fld id="{84F3580F-AF95-4FF6-946D-98F6794E95B3}" type="datetimeFigureOut">
               <a:rPr lang="en-US" smtClean="0"/>
               <a:pPr/>
-              <a:t>2/18/2025</a:t>
+              <a:t>2/19/2025</a:t>
             </a:fld>
             <a:endParaRPr lang="en-US" dirty="0"/>
           </a:p>
@@ -1859,7 +1860,7 @@
             <a:fld id="{84F3580F-AF95-4FF6-946D-98F6794E95B3}" type="datetimeFigureOut">
               <a:rPr lang="en-US" smtClean="0"/>
               <a:pPr/>
-              <a:t>2/18/2025</a:t>
+              <a:t>2/19/2025</a:t>
             </a:fld>
             <a:endParaRPr lang="en-US" dirty="0"/>
           </a:p>
@@ -1951,7 +1952,7 @@
             <a:fld id="{84F3580F-AF95-4FF6-946D-98F6794E95B3}" type="datetimeFigureOut">
               <a:rPr lang="en-US" smtClean="0"/>
               <a:pPr/>
-              <a:t>2/18/2025</a:t>
+              <a:t>2/19/2025</a:t>
             </a:fld>
             <a:endParaRPr lang="en-US" dirty="0"/>
           </a:p>
@@ -2223,7 +2224,7 @@
             <a:fld id="{84F3580F-AF95-4FF6-946D-98F6794E95B3}" type="datetimeFigureOut">
               <a:rPr lang="en-US" smtClean="0"/>
               <a:pPr/>
-              <a:t>2/18/2025</a:t>
+              <a:t>2/19/2025</a:t>
             </a:fld>
             <a:endParaRPr lang="en-US" dirty="0"/>
           </a:p>
@@ -2472,7 +2473,7 @@
             <a:fld id="{84F3580F-AF95-4FF6-946D-98F6794E95B3}" type="datetimeFigureOut">
               <a:rPr lang="en-US" smtClean="0"/>
               <a:pPr/>
-              <a:t>2/18/2025</a:t>
+              <a:t>2/19/2025</a:t>
             </a:fld>
             <a:endParaRPr lang="en-US" dirty="0"/>
           </a:p>
@@ -2680,7 +2681,7 @@
             <a:fld id="{84F3580F-AF95-4FF6-946D-98F6794E95B3}" type="datetimeFigureOut">
               <a:rPr lang="en-US" smtClean="0"/>
               <a:pPr/>
-              <a:t>2/18/2025</a:t>
+              <a:t>2/19/2025</a:t>
             </a:fld>
             <a:endParaRPr lang="en-US" dirty="0"/>
           </a:p>
@@ -11073,6 +11074,8250 @@
 </p:sld>
 </file>
 
+<file path=ppt/slides/slide2.xml><?xml version="1.0" encoding="utf-8"?>
+<p:sld xmlns:a="http://schemas.openxmlformats.org/drawingml/2006/main" xmlns:r="http://schemas.openxmlformats.org/officeDocument/2006/relationships" xmlns:p="http://schemas.openxmlformats.org/presentationml/2006/main">
+  <p:cSld>
+    <p:spTree>
+      <p:nvGrpSpPr>
+        <p:cNvPr id="1" name="">
+          <a:extLst>
+            <a:ext uri="{FF2B5EF4-FFF2-40B4-BE49-F238E27FC236}">
+              <a16:creationId xmlns:a16="http://schemas.microsoft.com/office/drawing/2014/main" id="{36C97E36-49D3-5FAC-D865-BF19CCD33B66}"/>
+            </a:ext>
+          </a:extLst>
+        </p:cNvPr>
+        <p:cNvGrpSpPr/>
+        <p:nvPr/>
+      </p:nvGrpSpPr>
+      <p:grpSpPr>
+        <a:xfrm>
+          <a:off x="0" y="0"/>
+          <a:ext cx="0" cy="0"/>
+          <a:chOff x="0" y="0"/>
+          <a:chExt cx="0" cy="0"/>
+        </a:xfrm>
+      </p:grpSpPr>
+      <p:sp>
+        <p:nvSpPr>
+          <p:cNvPr id="20" name="Rectangle 19">
+            <a:extLst>
+              <a:ext uri="{FF2B5EF4-FFF2-40B4-BE49-F238E27FC236}">
+                <a16:creationId xmlns:a16="http://schemas.microsoft.com/office/drawing/2014/main" id="{3A9A993A-CBC6-1C53-275F-8D35CCE360F6}"/>
+              </a:ext>
+            </a:extLst>
+          </p:cNvPr>
+          <p:cNvSpPr/>
+          <p:nvPr/>
+        </p:nvSpPr>
+        <p:spPr>
+          <a:xfrm>
+            <a:off x="457200" y="14554200"/>
+            <a:ext cx="21425272" cy="6755993"/>
+          </a:xfrm>
+          <a:prstGeom prst="rect">
+            <a:avLst/>
+          </a:prstGeom>
+          <a:solidFill>
+            <a:schemeClr val="bg1"/>
+          </a:solidFill>
+          <a:ln w="146050">
+            <a:solidFill>
+              <a:srgbClr val="002454"/>
+            </a:solidFill>
+          </a:ln>
+        </p:spPr>
+        <p:style>
+          <a:lnRef idx="2">
+            <a:schemeClr val="accent1"/>
+          </a:lnRef>
+          <a:fillRef idx="1">
+            <a:schemeClr val="lt1"/>
+          </a:fillRef>
+          <a:effectRef idx="0">
+            <a:schemeClr val="accent1"/>
+          </a:effectRef>
+          <a:fontRef idx="minor">
+            <a:schemeClr val="dk1"/>
+          </a:fontRef>
+        </p:style>
+        <p:txBody>
+          <a:bodyPr rtlCol="0" anchor="ctr"/>
+          <a:lstStyle/>
+          <a:p>
+            <a:pPr algn="ctr"/>
+            <a:endParaRPr lang="en-US" dirty="0"/>
+          </a:p>
+        </p:txBody>
+      </p:sp>
+      <p:sp>
+        <p:nvSpPr>
+          <p:cNvPr id="19" name="Rectangle 18">
+            <a:extLst>
+              <a:ext uri="{FF2B5EF4-FFF2-40B4-BE49-F238E27FC236}">
+                <a16:creationId xmlns:a16="http://schemas.microsoft.com/office/drawing/2014/main" id="{B7525D99-80A3-AC3F-02A7-77529ABD2563}"/>
+              </a:ext>
+            </a:extLst>
+          </p:cNvPr>
+          <p:cNvSpPr/>
+          <p:nvPr/>
+        </p:nvSpPr>
+        <p:spPr>
+          <a:xfrm>
+            <a:off x="444128" y="9982200"/>
+            <a:ext cx="21425272" cy="4049818"/>
+          </a:xfrm>
+          <a:prstGeom prst="rect">
+            <a:avLst/>
+          </a:prstGeom>
+          <a:solidFill>
+            <a:schemeClr val="bg1"/>
+          </a:solidFill>
+          <a:ln w="146050">
+            <a:solidFill>
+              <a:srgbClr val="002454"/>
+            </a:solidFill>
+          </a:ln>
+        </p:spPr>
+        <p:style>
+          <a:lnRef idx="2">
+            <a:schemeClr val="accent1"/>
+          </a:lnRef>
+          <a:fillRef idx="1">
+            <a:schemeClr val="lt1"/>
+          </a:fillRef>
+          <a:effectRef idx="0">
+            <a:schemeClr val="accent1"/>
+          </a:effectRef>
+          <a:fontRef idx="minor">
+            <a:schemeClr val="dk1"/>
+          </a:fontRef>
+        </p:style>
+        <p:txBody>
+          <a:bodyPr rtlCol="0" anchor="ctr"/>
+          <a:lstStyle/>
+          <a:p>
+            <a:pPr algn="ctr"/>
+            <a:endParaRPr lang="en-US" dirty="0"/>
+          </a:p>
+        </p:txBody>
+      </p:sp>
+      <p:sp>
+        <p:nvSpPr>
+          <p:cNvPr id="16" name="Rectangle 15">
+            <a:extLst>
+              <a:ext uri="{FF2B5EF4-FFF2-40B4-BE49-F238E27FC236}">
+                <a16:creationId xmlns:a16="http://schemas.microsoft.com/office/drawing/2014/main" id="{D76795FA-6C35-4227-9F77-F919558F57AF}"/>
+              </a:ext>
+            </a:extLst>
+          </p:cNvPr>
+          <p:cNvSpPr/>
+          <p:nvPr/>
+        </p:nvSpPr>
+        <p:spPr>
+          <a:xfrm>
+            <a:off x="444128" y="5036562"/>
+            <a:ext cx="21425272" cy="4404579"/>
+          </a:xfrm>
+          <a:prstGeom prst="rect">
+            <a:avLst/>
+          </a:prstGeom>
+          <a:solidFill>
+            <a:schemeClr val="bg1"/>
+          </a:solidFill>
+          <a:ln w="146050">
+            <a:solidFill>
+              <a:srgbClr val="002454"/>
+            </a:solidFill>
+          </a:ln>
+        </p:spPr>
+        <p:style>
+          <a:lnRef idx="2">
+            <a:schemeClr val="accent1"/>
+          </a:lnRef>
+          <a:fillRef idx="1">
+            <a:schemeClr val="lt1"/>
+          </a:fillRef>
+          <a:effectRef idx="0">
+            <a:schemeClr val="accent1"/>
+          </a:effectRef>
+          <a:fontRef idx="minor">
+            <a:schemeClr val="dk1"/>
+          </a:fontRef>
+        </p:style>
+        <p:txBody>
+          <a:bodyPr rtlCol="0" anchor="ctr"/>
+          <a:lstStyle/>
+          <a:p>
+            <a:pPr algn="ctr"/>
+            <a:endParaRPr lang="en-US" dirty="0"/>
+          </a:p>
+        </p:txBody>
+      </p:sp>
+      <p:sp>
+        <p:nvSpPr>
+          <p:cNvPr id="15" name="Rectangle 14">
+            <a:extLst>
+              <a:ext uri="{FF2B5EF4-FFF2-40B4-BE49-F238E27FC236}">
+                <a16:creationId xmlns:a16="http://schemas.microsoft.com/office/drawing/2014/main" id="{27D388D4-498E-838A-3168-01F73831CE6D}"/>
+              </a:ext>
+            </a:extLst>
+          </p:cNvPr>
+          <p:cNvSpPr/>
+          <p:nvPr/>
+        </p:nvSpPr>
+        <p:spPr>
+          <a:xfrm>
+            <a:off x="22185629" y="5041000"/>
+            <a:ext cx="13990320" cy="9464878"/>
+          </a:xfrm>
+          <a:prstGeom prst="rect">
+            <a:avLst/>
+          </a:prstGeom>
+          <a:solidFill>
+            <a:schemeClr val="bg1"/>
+          </a:solidFill>
+          <a:ln w="146050">
+            <a:solidFill>
+              <a:srgbClr val="002454"/>
+            </a:solidFill>
+          </a:ln>
+        </p:spPr>
+        <p:style>
+          <a:lnRef idx="2">
+            <a:schemeClr val="accent1"/>
+          </a:lnRef>
+          <a:fillRef idx="1">
+            <a:schemeClr val="lt1"/>
+          </a:fillRef>
+          <a:effectRef idx="0">
+            <a:schemeClr val="accent1"/>
+          </a:effectRef>
+          <a:fontRef idx="minor">
+            <a:schemeClr val="dk1"/>
+          </a:fontRef>
+        </p:style>
+        <p:txBody>
+          <a:bodyPr rtlCol="0" anchor="ctr"/>
+          <a:lstStyle/>
+          <a:p>
+            <a:pPr algn="ctr"/>
+            <a:r>
+              <a:rPr lang="en-US" b="0" dirty="0">
+                <a:effectLst/>
+              </a:rPr>
+              <a:t> </a:t>
+            </a:r>
+            <a:endParaRPr lang="en-US" dirty="0"/>
+          </a:p>
+        </p:txBody>
+      </p:sp>
+      <p:sp>
+        <p:nvSpPr>
+          <p:cNvPr id="14" name="Rectangle 13">
+            <a:extLst>
+              <a:ext uri="{FF2B5EF4-FFF2-40B4-BE49-F238E27FC236}">
+                <a16:creationId xmlns:a16="http://schemas.microsoft.com/office/drawing/2014/main" id="{10CF45F2-4C9A-9CFD-95C2-61F3D3276E1C}"/>
+              </a:ext>
+            </a:extLst>
+          </p:cNvPr>
+          <p:cNvSpPr/>
+          <p:nvPr/>
+        </p:nvSpPr>
+        <p:spPr>
+          <a:xfrm>
+            <a:off x="28426182" y="23902750"/>
+            <a:ext cx="2892018" cy="3237214"/>
+          </a:xfrm>
+          <a:prstGeom prst="rect">
+            <a:avLst/>
+          </a:prstGeom>
+          <a:solidFill>
+            <a:schemeClr val="bg1"/>
+          </a:solidFill>
+          <a:ln w="146050">
+            <a:solidFill>
+              <a:srgbClr val="002454"/>
+            </a:solidFill>
+          </a:ln>
+        </p:spPr>
+        <p:style>
+          <a:lnRef idx="2">
+            <a:schemeClr val="accent1"/>
+          </a:lnRef>
+          <a:fillRef idx="1">
+            <a:schemeClr val="lt1"/>
+          </a:fillRef>
+          <a:effectRef idx="0">
+            <a:schemeClr val="accent1"/>
+          </a:effectRef>
+          <a:fontRef idx="minor">
+            <a:schemeClr val="dk1"/>
+          </a:fontRef>
+        </p:style>
+        <p:txBody>
+          <a:bodyPr rtlCol="0" anchor="ctr"/>
+          <a:lstStyle/>
+          <a:p>
+            <a:pPr algn="ctr"/>
+            <a:endParaRPr lang="en-US" dirty="0"/>
+          </a:p>
+        </p:txBody>
+      </p:sp>
+      <p:sp>
+        <p:nvSpPr>
+          <p:cNvPr id="13" name="Rectangle 12">
+            <a:extLst>
+              <a:ext uri="{FF2B5EF4-FFF2-40B4-BE49-F238E27FC236}">
+                <a16:creationId xmlns:a16="http://schemas.microsoft.com/office/drawing/2014/main" id="{29169B01-2DE2-1B45-85F2-31711E53395D}"/>
+              </a:ext>
+            </a:extLst>
+          </p:cNvPr>
+          <p:cNvSpPr/>
+          <p:nvPr/>
+        </p:nvSpPr>
+        <p:spPr>
+          <a:xfrm>
+            <a:off x="31699200" y="23926799"/>
+            <a:ext cx="4343400" cy="3213163"/>
+          </a:xfrm>
+          <a:prstGeom prst="rect">
+            <a:avLst/>
+          </a:prstGeom>
+          <a:solidFill>
+            <a:schemeClr val="bg1"/>
+          </a:solidFill>
+          <a:ln w="146050">
+            <a:solidFill>
+              <a:srgbClr val="002454"/>
+            </a:solidFill>
+          </a:ln>
+        </p:spPr>
+        <p:style>
+          <a:lnRef idx="2">
+            <a:schemeClr val="accent1"/>
+          </a:lnRef>
+          <a:fillRef idx="1">
+            <a:schemeClr val="lt1"/>
+          </a:fillRef>
+          <a:effectRef idx="0">
+            <a:schemeClr val="accent1"/>
+          </a:effectRef>
+          <a:fontRef idx="minor">
+            <a:schemeClr val="dk1"/>
+          </a:fontRef>
+        </p:style>
+        <p:txBody>
+          <a:bodyPr rtlCol="0" anchor="ctr"/>
+          <a:lstStyle/>
+          <a:p>
+            <a:pPr algn="ctr"/>
+            <a:endParaRPr lang="en-US"/>
+          </a:p>
+        </p:txBody>
+      </p:sp>
+      <p:sp>
+        <p:nvSpPr>
+          <p:cNvPr id="92" name="Rectangle 49">
+            <a:extLst>
+              <a:ext uri="{FF2B5EF4-FFF2-40B4-BE49-F238E27FC236}">
+                <a16:creationId xmlns:a16="http://schemas.microsoft.com/office/drawing/2014/main" id="{A75553C7-CB4A-EFE4-BBA3-710BA7C0058D}"/>
+              </a:ext>
+            </a:extLst>
+          </p:cNvPr>
+          <p:cNvSpPr>
+            <a:spLocks noChangeArrowheads="1"/>
+          </p:cNvSpPr>
+          <p:nvPr/>
+        </p:nvSpPr>
+        <p:spPr bwMode="auto">
+          <a:xfrm>
+            <a:off x="-30806" y="-90667"/>
+            <a:ext cx="36637614" cy="4860580"/>
+          </a:xfrm>
+          <a:prstGeom prst="rect">
+            <a:avLst/>
+          </a:prstGeom>
+          <a:solidFill>
+            <a:srgbClr val="002554"/>
+          </a:solidFill>
+          <a:ln>
+            <a:noFill/>
+          </a:ln>
+        </p:spPr>
+        <p:txBody>
+          <a:bodyPr lIns="352655" tIns="176326" rIns="352655" bIns="176326" anchor="ctr"/>
+          <a:lstStyle/>
+          <a:p>
+            <a:pPr algn="ctr"/>
+            <a:endParaRPr lang="en-US" sz="6938" dirty="0">
+              <a:solidFill>
+                <a:srgbClr val="FFFFFF"/>
+              </a:solidFill>
+              <a:latin typeface="Calibri" pitchFamily="34" charset="0"/>
+            </a:endParaRPr>
+          </a:p>
+        </p:txBody>
+      </p:sp>
+      <p:pic>
+        <p:nvPicPr>
+          <p:cNvPr id="94" name="Graphic 93">
+            <a:extLst>
+              <a:ext uri="{FF2B5EF4-FFF2-40B4-BE49-F238E27FC236}">
+                <a16:creationId xmlns:a16="http://schemas.microsoft.com/office/drawing/2014/main" id="{EA493F8B-66CD-85F2-24E1-D47E0BD0BF32}"/>
+              </a:ext>
+            </a:extLst>
+          </p:cNvPr>
+          <p:cNvPicPr>
+            <a:picLocks noChangeAspect="1"/>
+          </p:cNvPicPr>
+          <p:nvPr/>
+        </p:nvPicPr>
+        <p:blipFill>
+          <a:blip r:embed="rId2">
+            <a:extLst>
+              <a:ext uri="{28A0092B-C50C-407E-A947-70E740481C1C}">
+                <a14:useLocalDpi xmlns:a14="http://schemas.microsoft.com/office/drawing/2010/main" val="0"/>
+              </a:ext>
+              <a:ext uri="{96DAC541-7B7A-43D3-8B79-37D633B846F1}">
+                <asvg:svgBlip xmlns:asvg="http://schemas.microsoft.com/office/drawing/2016/SVG/main" r:embed="rId3"/>
+              </a:ext>
+            </a:extLst>
+          </a:blip>
+          <a:stretch>
+            <a:fillRect/>
+          </a:stretch>
+        </p:blipFill>
+        <p:spPr>
+          <a:xfrm>
+            <a:off x="1167305" y="90906"/>
+            <a:ext cx="3190676" cy="4931044"/>
+          </a:xfrm>
+          <a:prstGeom prst="rect">
+            <a:avLst/>
+          </a:prstGeom>
+        </p:spPr>
+      </p:pic>
+      <p:sp>
+        <p:nvSpPr>
+          <p:cNvPr id="4118" name="TextBox 6">
+            <a:extLst>
+              <a:ext uri="{FF2B5EF4-FFF2-40B4-BE49-F238E27FC236}">
+                <a16:creationId xmlns:a16="http://schemas.microsoft.com/office/drawing/2014/main" id="{7EB764C3-47B8-EFE5-0470-9DFAF51E9B0D}"/>
+              </a:ext>
+            </a:extLst>
+          </p:cNvPr>
+          <p:cNvSpPr txBox="1">
+            <a:spLocks noChangeArrowheads="1"/>
+          </p:cNvSpPr>
+          <p:nvPr/>
+        </p:nvSpPr>
+        <p:spPr bwMode="auto">
+          <a:xfrm>
+            <a:off x="3581623" y="624086"/>
+            <a:ext cx="29182219" cy="1510258"/>
+          </a:xfrm>
+          <a:prstGeom prst="rect">
+            <a:avLst/>
+          </a:prstGeom>
+          <a:noFill/>
+          <a:ln>
+            <a:noFill/>
+          </a:ln>
+          <a:extLst>
+            <a:ext uri="{909E8E84-426E-40DD-AFC4-6F175D3DCCD1}">
+              <a14:hiddenFill xmlns:a14="http://schemas.microsoft.com/office/drawing/2010/main">
+                <a:solidFill>
+                  <a:srgbClr val="FFFFFF"/>
+                </a:solidFill>
+              </a14:hiddenFill>
+            </a:ext>
+            <a:ext uri="{91240B29-F687-4F45-9708-019B960494DF}">
+              <a14:hiddenLine xmlns:a14="http://schemas.microsoft.com/office/drawing/2010/main" w="9525">
+                <a:solidFill>
+                  <a:srgbClr val="000000"/>
+                </a:solidFill>
+                <a:miter lim="800000"/>
+                <a:headEnd/>
+                <a:tailEnd/>
+              </a14:hiddenLine>
+            </a:ext>
+          </a:extLst>
+        </p:spPr>
+        <p:txBody>
+          <a:bodyPr lIns="352655" tIns="176326" rIns="352655" bIns="176326">
+            <a:spAutoFit/>
+          </a:bodyPr>
+          <a:lstStyle>
+            <a:lvl1pPr eaLnBrk="0" hangingPunct="0">
+              <a:defRPr>
+                <a:solidFill>
+                  <a:schemeClr val="tx1"/>
+                </a:solidFill>
+                <a:latin typeface="Arial" charset="0"/>
+              </a:defRPr>
+            </a:lvl1pPr>
+            <a:lvl2pPr marL="742950" indent="-285750" eaLnBrk="0" hangingPunct="0">
+              <a:defRPr>
+                <a:solidFill>
+                  <a:schemeClr val="tx1"/>
+                </a:solidFill>
+                <a:latin typeface="Arial" charset="0"/>
+              </a:defRPr>
+            </a:lvl2pPr>
+            <a:lvl3pPr marL="1143000" indent="-228600" eaLnBrk="0" hangingPunct="0">
+              <a:defRPr>
+                <a:solidFill>
+                  <a:schemeClr val="tx1"/>
+                </a:solidFill>
+                <a:latin typeface="Arial" charset="0"/>
+              </a:defRPr>
+            </a:lvl3pPr>
+            <a:lvl4pPr marL="1600200" indent="-228600" eaLnBrk="0" hangingPunct="0">
+              <a:defRPr>
+                <a:solidFill>
+                  <a:schemeClr val="tx1"/>
+                </a:solidFill>
+                <a:latin typeface="Arial" charset="0"/>
+              </a:defRPr>
+            </a:lvl4pPr>
+            <a:lvl5pPr marL="2057400" indent="-228600" eaLnBrk="0" hangingPunct="0">
+              <a:defRPr>
+                <a:solidFill>
+                  <a:schemeClr val="tx1"/>
+                </a:solidFill>
+                <a:latin typeface="Arial" charset="0"/>
+              </a:defRPr>
+            </a:lvl5pPr>
+            <a:lvl6pPr marL="2514600" indent="-228600" eaLnBrk="0" fontAlgn="base" hangingPunct="0">
+              <a:spcBef>
+                <a:spcPct val="0"/>
+              </a:spcBef>
+              <a:spcAft>
+                <a:spcPct val="0"/>
+              </a:spcAft>
+              <a:defRPr>
+                <a:solidFill>
+                  <a:schemeClr val="tx1"/>
+                </a:solidFill>
+                <a:latin typeface="Arial" charset="0"/>
+              </a:defRPr>
+            </a:lvl6pPr>
+            <a:lvl7pPr marL="2971800" indent="-228600" eaLnBrk="0" fontAlgn="base" hangingPunct="0">
+              <a:spcBef>
+                <a:spcPct val="0"/>
+              </a:spcBef>
+              <a:spcAft>
+                <a:spcPct val="0"/>
+              </a:spcAft>
+              <a:defRPr>
+                <a:solidFill>
+                  <a:schemeClr val="tx1"/>
+                </a:solidFill>
+                <a:latin typeface="Arial" charset="0"/>
+              </a:defRPr>
+            </a:lvl7pPr>
+            <a:lvl8pPr marL="3429000" indent="-228600" eaLnBrk="0" fontAlgn="base" hangingPunct="0">
+              <a:spcBef>
+                <a:spcPct val="0"/>
+              </a:spcBef>
+              <a:spcAft>
+                <a:spcPct val="0"/>
+              </a:spcAft>
+              <a:defRPr>
+                <a:solidFill>
+                  <a:schemeClr val="tx1"/>
+                </a:solidFill>
+                <a:latin typeface="Arial" charset="0"/>
+              </a:defRPr>
+            </a:lvl8pPr>
+            <a:lvl9pPr marL="3886200" indent="-228600" eaLnBrk="0" fontAlgn="base" hangingPunct="0">
+              <a:spcBef>
+                <a:spcPct val="0"/>
+              </a:spcBef>
+              <a:spcAft>
+                <a:spcPct val="0"/>
+              </a:spcAft>
+              <a:defRPr>
+                <a:solidFill>
+                  <a:schemeClr val="tx1"/>
+                </a:solidFill>
+                <a:latin typeface="Arial" charset="0"/>
+              </a:defRPr>
+            </a:lvl9pPr>
+          </a:lstStyle>
+          <a:p>
+            <a:pPr algn="ctr" eaLnBrk="1" hangingPunct="1"/>
+            <a:r>
+              <a:rPr lang="en-US" sz="7500" b="1" dirty="0">
+                <a:solidFill>
+                  <a:schemeClr val="bg1"/>
+                </a:solidFill>
+                <a:latin typeface="Gill Sans SemiBold" panose="020B0502020104020203" pitchFamily="34" charset="-79"/>
+                <a:cs typeface="Gill Sans SemiBold" panose="020B0502020104020203" pitchFamily="34" charset="-79"/>
+              </a:rPr>
+              <a:t>USMC Marathon Medical Communications System</a:t>
+            </a:r>
+          </a:p>
+        </p:txBody>
+      </p:sp>
+      <p:sp>
+        <p:nvSpPr>
+          <p:cNvPr id="4119" name="TextBox 7">
+            <a:extLst>
+              <a:ext uri="{FF2B5EF4-FFF2-40B4-BE49-F238E27FC236}">
+                <a16:creationId xmlns:a16="http://schemas.microsoft.com/office/drawing/2014/main" id="{5B35734F-6CEF-3135-EBCF-42A8F5479D5D}"/>
+              </a:ext>
+            </a:extLst>
+          </p:cNvPr>
+          <p:cNvSpPr txBox="1">
+            <a:spLocks noChangeArrowheads="1"/>
+          </p:cNvSpPr>
+          <p:nvPr/>
+        </p:nvSpPr>
+        <p:spPr bwMode="auto">
+          <a:xfrm>
+            <a:off x="4357981" y="2057400"/>
+            <a:ext cx="28356354" cy="2664420"/>
+          </a:xfrm>
+          <a:prstGeom prst="rect">
+            <a:avLst/>
+          </a:prstGeom>
+          <a:noFill/>
+          <a:ln>
+            <a:noFill/>
+          </a:ln>
+          <a:extLst>
+            <a:ext uri="{909E8E84-426E-40DD-AFC4-6F175D3DCCD1}">
+              <a14:hiddenFill xmlns:a14="http://schemas.microsoft.com/office/drawing/2010/main">
+                <a:solidFill>
+                  <a:srgbClr val="FFFFFF"/>
+                </a:solidFill>
+              </a14:hiddenFill>
+            </a:ext>
+            <a:ext uri="{91240B29-F687-4F45-9708-019B960494DF}">
+              <a14:hiddenLine xmlns:a14="http://schemas.microsoft.com/office/drawing/2010/main" w="9525">
+                <a:solidFill>
+                  <a:srgbClr val="000000"/>
+                </a:solidFill>
+                <a:miter lim="800000"/>
+                <a:headEnd/>
+                <a:tailEnd/>
+              </a14:hiddenLine>
+            </a:ext>
+          </a:extLst>
+        </p:spPr>
+        <p:txBody>
+          <a:bodyPr wrap="square" lIns="352655" tIns="176326" rIns="352655" bIns="176326">
+            <a:spAutoFit/>
+          </a:bodyPr>
+          <a:lstStyle>
+            <a:lvl1pPr eaLnBrk="0" hangingPunct="0">
+              <a:defRPr>
+                <a:solidFill>
+                  <a:schemeClr val="tx1"/>
+                </a:solidFill>
+                <a:latin typeface="Arial" charset="0"/>
+              </a:defRPr>
+            </a:lvl1pPr>
+            <a:lvl2pPr marL="742950" indent="-285750" eaLnBrk="0" hangingPunct="0">
+              <a:defRPr>
+                <a:solidFill>
+                  <a:schemeClr val="tx1"/>
+                </a:solidFill>
+                <a:latin typeface="Arial" charset="0"/>
+              </a:defRPr>
+            </a:lvl2pPr>
+            <a:lvl3pPr marL="1143000" indent="-228600" eaLnBrk="0" hangingPunct="0">
+              <a:defRPr>
+                <a:solidFill>
+                  <a:schemeClr val="tx1"/>
+                </a:solidFill>
+                <a:latin typeface="Arial" charset="0"/>
+              </a:defRPr>
+            </a:lvl3pPr>
+            <a:lvl4pPr marL="1600200" indent="-228600" eaLnBrk="0" hangingPunct="0">
+              <a:defRPr>
+                <a:solidFill>
+                  <a:schemeClr val="tx1"/>
+                </a:solidFill>
+                <a:latin typeface="Arial" charset="0"/>
+              </a:defRPr>
+            </a:lvl4pPr>
+            <a:lvl5pPr marL="2057400" indent="-228600" eaLnBrk="0" hangingPunct="0">
+              <a:defRPr>
+                <a:solidFill>
+                  <a:schemeClr val="tx1"/>
+                </a:solidFill>
+                <a:latin typeface="Arial" charset="0"/>
+              </a:defRPr>
+            </a:lvl5pPr>
+            <a:lvl6pPr marL="2514600" indent="-228600" eaLnBrk="0" fontAlgn="base" hangingPunct="0">
+              <a:spcBef>
+                <a:spcPct val="0"/>
+              </a:spcBef>
+              <a:spcAft>
+                <a:spcPct val="0"/>
+              </a:spcAft>
+              <a:defRPr>
+                <a:solidFill>
+                  <a:schemeClr val="tx1"/>
+                </a:solidFill>
+                <a:latin typeface="Arial" charset="0"/>
+              </a:defRPr>
+            </a:lvl6pPr>
+            <a:lvl7pPr marL="2971800" indent="-228600" eaLnBrk="0" fontAlgn="base" hangingPunct="0">
+              <a:spcBef>
+                <a:spcPct val="0"/>
+              </a:spcBef>
+              <a:spcAft>
+                <a:spcPct val="0"/>
+              </a:spcAft>
+              <a:defRPr>
+                <a:solidFill>
+                  <a:schemeClr val="tx1"/>
+                </a:solidFill>
+                <a:latin typeface="Arial" charset="0"/>
+              </a:defRPr>
+            </a:lvl7pPr>
+            <a:lvl8pPr marL="3429000" indent="-228600" eaLnBrk="0" fontAlgn="base" hangingPunct="0">
+              <a:spcBef>
+                <a:spcPct val="0"/>
+              </a:spcBef>
+              <a:spcAft>
+                <a:spcPct val="0"/>
+              </a:spcAft>
+              <a:defRPr>
+                <a:solidFill>
+                  <a:schemeClr val="tx1"/>
+                </a:solidFill>
+                <a:latin typeface="Arial" charset="0"/>
+              </a:defRPr>
+            </a:lvl8pPr>
+            <a:lvl9pPr marL="3886200" indent="-228600" eaLnBrk="0" fontAlgn="base" hangingPunct="0">
+              <a:spcBef>
+                <a:spcPct val="0"/>
+              </a:spcBef>
+              <a:spcAft>
+                <a:spcPct val="0"/>
+              </a:spcAft>
+              <a:defRPr>
+                <a:solidFill>
+                  <a:schemeClr val="tx1"/>
+                </a:solidFill>
+                <a:latin typeface="Arial" charset="0"/>
+              </a:defRPr>
+            </a:lvl9pPr>
+          </a:lstStyle>
+          <a:p>
+            <a:pPr algn="ctr" eaLnBrk="1" hangingPunct="1"/>
+            <a:r>
+              <a:rPr lang="en-US" sz="5000" b="1" dirty="0">
+                <a:solidFill>
+                  <a:schemeClr val="bg1"/>
+                </a:solidFill>
+                <a:latin typeface="Gill Sans SemiBold" panose="020B0502020104020203" pitchFamily="34" charset="-79"/>
+                <a:cs typeface="Gill Sans SemiBold" panose="020B0502020104020203" pitchFamily="34" charset="-79"/>
+              </a:rPr>
+              <a:t>MIDN 1/C </a:t>
+            </a:r>
+            <a:r>
+              <a:rPr lang="en-US" sz="5000" b="1" dirty="0" err="1">
+                <a:solidFill>
+                  <a:schemeClr val="bg1"/>
+                </a:solidFill>
+                <a:latin typeface="Gill Sans SemiBold" panose="020B0502020104020203" pitchFamily="34" charset="-79"/>
+                <a:cs typeface="Gill Sans SemiBold" panose="020B0502020104020203" pitchFamily="34" charset="-79"/>
+              </a:rPr>
+              <a:t>Zeyad</a:t>
+            </a:r>
+            <a:r>
+              <a:rPr lang="en-US" sz="5000" b="1" dirty="0">
+                <a:solidFill>
+                  <a:schemeClr val="bg1"/>
+                </a:solidFill>
+                <a:latin typeface="Gill Sans SemiBold" panose="020B0502020104020203" pitchFamily="34" charset="-79"/>
+                <a:cs typeface="Gill Sans SemiBold" panose="020B0502020104020203" pitchFamily="34" charset="-79"/>
+              </a:rPr>
+              <a:t> </a:t>
+            </a:r>
+            <a:r>
+              <a:rPr lang="en-US" sz="5000" b="1" dirty="0" err="1">
+                <a:solidFill>
+                  <a:schemeClr val="bg1"/>
+                </a:solidFill>
+                <a:latin typeface="Gill Sans SemiBold" panose="020B0502020104020203" pitchFamily="34" charset="-79"/>
+                <a:cs typeface="Gill Sans SemiBold" panose="020B0502020104020203" pitchFamily="34" charset="-79"/>
+              </a:rPr>
+              <a:t>Elgendy</a:t>
+            </a:r>
+            <a:r>
+              <a:rPr lang="en-US" sz="5000" b="1" dirty="0">
+                <a:solidFill>
+                  <a:schemeClr val="bg1"/>
+                </a:solidFill>
+                <a:latin typeface="Gill Sans SemiBold" panose="020B0502020104020203" pitchFamily="34" charset="-79"/>
+                <a:cs typeface="Gill Sans SemiBold" panose="020B0502020104020203" pitchFamily="34" charset="-79"/>
+              </a:rPr>
+              <a:t>, Nicholas Zayfman</a:t>
+            </a:r>
+          </a:p>
+          <a:p>
+            <a:pPr algn="ctr" eaLnBrk="1" hangingPunct="1"/>
+            <a:r>
+              <a:rPr lang="en-US" sz="5000" b="1" dirty="0">
+                <a:solidFill>
+                  <a:schemeClr val="bg1"/>
+                </a:solidFill>
+                <a:latin typeface="Gill Sans SemiBold" panose="020B0502020104020203" pitchFamily="34" charset="-79"/>
+                <a:cs typeface="Gill Sans SemiBold" panose="020B0502020104020203" pitchFamily="34" charset="-79"/>
+              </a:rPr>
+              <a:t>Professor Dias, Cyber Operations </a:t>
+            </a:r>
+          </a:p>
+          <a:p>
+            <a:pPr algn="ctr" eaLnBrk="1" hangingPunct="1"/>
+            <a:r>
+              <a:rPr lang="en-US" sz="5000" b="1" dirty="0">
+                <a:solidFill>
+                  <a:schemeClr val="bg1"/>
+                </a:solidFill>
+                <a:latin typeface="Gill Sans SemiBold" panose="020B0502020104020203" pitchFamily="34" charset="-79"/>
+                <a:cs typeface="Gill Sans SemiBold" panose="020B0502020104020203" pitchFamily="34" charset="-79"/>
+              </a:rPr>
+              <a:t>LCDR Downs, Computer Science</a:t>
+            </a:r>
+          </a:p>
+        </p:txBody>
+      </p:sp>
+      <p:sp>
+        <p:nvSpPr>
+          <p:cNvPr id="44" name="TextBox 26">
+            <a:extLst>
+              <a:ext uri="{FF2B5EF4-FFF2-40B4-BE49-F238E27FC236}">
+                <a16:creationId xmlns:a16="http://schemas.microsoft.com/office/drawing/2014/main" id="{7D193207-9B94-8F32-8AAE-332D453FCAEC}"/>
+              </a:ext>
+            </a:extLst>
+          </p:cNvPr>
+          <p:cNvSpPr txBox="1">
+            <a:spLocks noChangeArrowheads="1"/>
+          </p:cNvSpPr>
+          <p:nvPr/>
+        </p:nvSpPr>
+        <p:spPr bwMode="auto">
+          <a:xfrm>
+            <a:off x="27213071" y="23940753"/>
+            <a:ext cx="5204503" cy="1402536"/>
+          </a:xfrm>
+          <a:prstGeom prst="rect">
+            <a:avLst/>
+          </a:prstGeom>
+          <a:noFill/>
+          <a:ln>
+            <a:noFill/>
+          </a:ln>
+          <a:extLst>
+            <a:ext uri="{909E8E84-426E-40DD-AFC4-6F175D3DCCD1}">
+              <a14:hiddenFill xmlns:a14="http://schemas.microsoft.com/office/drawing/2010/main">
+                <a:solidFill>
+                  <a:srgbClr val="FFFFFF"/>
+                </a:solidFill>
+              </a14:hiddenFill>
+            </a:ext>
+            <a:ext uri="{91240B29-F687-4F45-9708-019B960494DF}">
+              <a14:hiddenLine xmlns:a14="http://schemas.microsoft.com/office/drawing/2010/main" w="9525">
+                <a:solidFill>
+                  <a:srgbClr val="000000"/>
+                </a:solidFill>
+                <a:miter lim="800000"/>
+                <a:headEnd/>
+                <a:tailEnd/>
+              </a14:hiddenLine>
+            </a:ext>
+          </a:extLst>
+        </p:spPr>
+        <p:txBody>
+          <a:bodyPr wrap="square" lIns="352655" tIns="176326" rIns="352655" bIns="176326">
+            <a:spAutoFit/>
+          </a:bodyPr>
+          <a:lstStyle>
+            <a:lvl1pPr eaLnBrk="0" hangingPunct="0">
+              <a:defRPr>
+                <a:solidFill>
+                  <a:schemeClr val="tx1"/>
+                </a:solidFill>
+                <a:latin typeface="Arial" charset="0"/>
+              </a:defRPr>
+            </a:lvl1pPr>
+            <a:lvl2pPr marL="742950" indent="-285750" eaLnBrk="0" hangingPunct="0">
+              <a:defRPr>
+                <a:solidFill>
+                  <a:schemeClr val="tx1"/>
+                </a:solidFill>
+                <a:latin typeface="Arial" charset="0"/>
+              </a:defRPr>
+            </a:lvl2pPr>
+            <a:lvl3pPr marL="1143000" indent="-228600" eaLnBrk="0" hangingPunct="0">
+              <a:defRPr>
+                <a:solidFill>
+                  <a:schemeClr val="tx1"/>
+                </a:solidFill>
+                <a:latin typeface="Arial" charset="0"/>
+              </a:defRPr>
+            </a:lvl3pPr>
+            <a:lvl4pPr marL="1600200" indent="-228600" eaLnBrk="0" hangingPunct="0">
+              <a:defRPr>
+                <a:solidFill>
+                  <a:schemeClr val="tx1"/>
+                </a:solidFill>
+                <a:latin typeface="Arial" charset="0"/>
+              </a:defRPr>
+            </a:lvl4pPr>
+            <a:lvl5pPr marL="2057400" indent="-228600" eaLnBrk="0" hangingPunct="0">
+              <a:defRPr>
+                <a:solidFill>
+                  <a:schemeClr val="tx1"/>
+                </a:solidFill>
+                <a:latin typeface="Arial" charset="0"/>
+              </a:defRPr>
+            </a:lvl5pPr>
+            <a:lvl6pPr marL="2514600" indent="-228600" eaLnBrk="0" fontAlgn="base" hangingPunct="0">
+              <a:spcBef>
+                <a:spcPct val="0"/>
+              </a:spcBef>
+              <a:spcAft>
+                <a:spcPct val="0"/>
+              </a:spcAft>
+              <a:defRPr>
+                <a:solidFill>
+                  <a:schemeClr val="tx1"/>
+                </a:solidFill>
+                <a:latin typeface="Arial" charset="0"/>
+              </a:defRPr>
+            </a:lvl6pPr>
+            <a:lvl7pPr marL="2971800" indent="-228600" eaLnBrk="0" fontAlgn="base" hangingPunct="0">
+              <a:spcBef>
+                <a:spcPct val="0"/>
+              </a:spcBef>
+              <a:spcAft>
+                <a:spcPct val="0"/>
+              </a:spcAft>
+              <a:defRPr>
+                <a:solidFill>
+                  <a:schemeClr val="tx1"/>
+                </a:solidFill>
+                <a:latin typeface="Arial" charset="0"/>
+              </a:defRPr>
+            </a:lvl7pPr>
+            <a:lvl8pPr marL="3429000" indent="-228600" eaLnBrk="0" fontAlgn="base" hangingPunct="0">
+              <a:spcBef>
+                <a:spcPct val="0"/>
+              </a:spcBef>
+              <a:spcAft>
+                <a:spcPct val="0"/>
+              </a:spcAft>
+              <a:defRPr>
+                <a:solidFill>
+                  <a:schemeClr val="tx1"/>
+                </a:solidFill>
+                <a:latin typeface="Arial" charset="0"/>
+              </a:defRPr>
+            </a:lvl8pPr>
+            <a:lvl9pPr marL="3886200" indent="-228600" eaLnBrk="0" fontAlgn="base" hangingPunct="0">
+              <a:spcBef>
+                <a:spcPct val="0"/>
+              </a:spcBef>
+              <a:spcAft>
+                <a:spcPct val="0"/>
+              </a:spcAft>
+              <a:defRPr>
+                <a:solidFill>
+                  <a:schemeClr val="tx1"/>
+                </a:solidFill>
+                <a:latin typeface="Arial" charset="0"/>
+              </a:defRPr>
+            </a:lvl9pPr>
+          </a:lstStyle>
+          <a:p>
+            <a:pPr algn="ctr" eaLnBrk="1" hangingPunct="1"/>
+            <a:r>
+              <a:rPr lang="en-US" sz="3400" b="1" dirty="0">
+                <a:latin typeface="Gill Sans" panose="020B0502020104020203" pitchFamily="34" charset="-79"/>
+                <a:cs typeface="Gill Sans" panose="020B0502020104020203" pitchFamily="34" charset="-79"/>
+              </a:rPr>
+              <a:t>GitHub </a:t>
+            </a:r>
+          </a:p>
+          <a:p>
+            <a:pPr algn="ctr" eaLnBrk="1" hangingPunct="1"/>
+            <a:r>
+              <a:rPr lang="en-US" sz="3400" b="1" dirty="0">
+                <a:latin typeface="Gill Sans" panose="020B0502020104020203" pitchFamily="34" charset="-79"/>
+                <a:cs typeface="Gill Sans" panose="020B0502020104020203" pitchFamily="34" charset="-79"/>
+              </a:rPr>
+              <a:t>Repository</a:t>
+            </a:r>
+          </a:p>
+        </p:txBody>
+      </p:sp>
+      <p:sp>
+        <p:nvSpPr>
+          <p:cNvPr id="45" name="TextBox 23">
+            <a:extLst>
+              <a:ext uri="{FF2B5EF4-FFF2-40B4-BE49-F238E27FC236}">
+                <a16:creationId xmlns:a16="http://schemas.microsoft.com/office/drawing/2014/main" id="{2FD40F13-80A0-414A-2CB7-F65D89C01043}"/>
+              </a:ext>
+            </a:extLst>
+          </p:cNvPr>
+          <p:cNvSpPr txBox="1">
+            <a:spLocks noChangeArrowheads="1"/>
+          </p:cNvSpPr>
+          <p:nvPr/>
+        </p:nvSpPr>
+        <p:spPr bwMode="auto">
+          <a:xfrm>
+            <a:off x="457200" y="14630400"/>
+            <a:ext cx="21411313" cy="1279426"/>
+          </a:xfrm>
+          <a:prstGeom prst="rect">
+            <a:avLst/>
+          </a:prstGeom>
+          <a:noFill/>
+          <a:ln>
+            <a:noFill/>
+          </a:ln>
+          <a:extLst>
+            <a:ext uri="{909E8E84-426E-40DD-AFC4-6F175D3DCCD1}">
+              <a14:hiddenFill xmlns:a14="http://schemas.microsoft.com/office/drawing/2010/main">
+                <a:solidFill>
+                  <a:srgbClr val="FFFFFF"/>
+                </a:solidFill>
+              </a14:hiddenFill>
+            </a:ext>
+            <a:ext uri="{91240B29-F687-4F45-9708-019B960494DF}">
+              <a14:hiddenLine xmlns:a14="http://schemas.microsoft.com/office/drawing/2010/main" w="9525">
+                <a:solidFill>
+                  <a:srgbClr val="000000"/>
+                </a:solidFill>
+                <a:miter lim="800000"/>
+                <a:headEnd/>
+                <a:tailEnd/>
+              </a14:hiddenLine>
+            </a:ext>
+          </a:extLst>
+        </p:spPr>
+        <p:txBody>
+          <a:bodyPr wrap="square" lIns="352655" tIns="176326" rIns="352655" bIns="176326">
+            <a:spAutoFit/>
+          </a:bodyPr>
+          <a:lstStyle>
+            <a:lvl1pPr eaLnBrk="0" hangingPunct="0">
+              <a:defRPr>
+                <a:solidFill>
+                  <a:schemeClr val="tx1"/>
+                </a:solidFill>
+                <a:latin typeface="Arial" charset="0"/>
+              </a:defRPr>
+            </a:lvl1pPr>
+            <a:lvl2pPr marL="742950" indent="-285750" eaLnBrk="0" hangingPunct="0">
+              <a:defRPr>
+                <a:solidFill>
+                  <a:schemeClr val="tx1"/>
+                </a:solidFill>
+                <a:latin typeface="Arial" charset="0"/>
+              </a:defRPr>
+            </a:lvl2pPr>
+            <a:lvl3pPr marL="1143000" indent="-228600" eaLnBrk="0" hangingPunct="0">
+              <a:defRPr>
+                <a:solidFill>
+                  <a:schemeClr val="tx1"/>
+                </a:solidFill>
+                <a:latin typeface="Arial" charset="0"/>
+              </a:defRPr>
+            </a:lvl3pPr>
+            <a:lvl4pPr marL="1600200" indent="-228600" eaLnBrk="0" hangingPunct="0">
+              <a:defRPr>
+                <a:solidFill>
+                  <a:schemeClr val="tx1"/>
+                </a:solidFill>
+                <a:latin typeface="Arial" charset="0"/>
+              </a:defRPr>
+            </a:lvl4pPr>
+            <a:lvl5pPr marL="2057400" indent="-228600" eaLnBrk="0" hangingPunct="0">
+              <a:defRPr>
+                <a:solidFill>
+                  <a:schemeClr val="tx1"/>
+                </a:solidFill>
+                <a:latin typeface="Arial" charset="0"/>
+              </a:defRPr>
+            </a:lvl5pPr>
+            <a:lvl6pPr marL="2514600" indent="-228600" eaLnBrk="0" fontAlgn="base" hangingPunct="0">
+              <a:spcBef>
+                <a:spcPct val="0"/>
+              </a:spcBef>
+              <a:spcAft>
+                <a:spcPct val="0"/>
+              </a:spcAft>
+              <a:defRPr>
+                <a:solidFill>
+                  <a:schemeClr val="tx1"/>
+                </a:solidFill>
+                <a:latin typeface="Arial" charset="0"/>
+              </a:defRPr>
+            </a:lvl6pPr>
+            <a:lvl7pPr marL="2971800" indent="-228600" eaLnBrk="0" fontAlgn="base" hangingPunct="0">
+              <a:spcBef>
+                <a:spcPct val="0"/>
+              </a:spcBef>
+              <a:spcAft>
+                <a:spcPct val="0"/>
+              </a:spcAft>
+              <a:defRPr>
+                <a:solidFill>
+                  <a:schemeClr val="tx1"/>
+                </a:solidFill>
+                <a:latin typeface="Arial" charset="0"/>
+              </a:defRPr>
+            </a:lvl7pPr>
+            <a:lvl8pPr marL="3429000" indent="-228600" eaLnBrk="0" fontAlgn="base" hangingPunct="0">
+              <a:spcBef>
+                <a:spcPct val="0"/>
+              </a:spcBef>
+              <a:spcAft>
+                <a:spcPct val="0"/>
+              </a:spcAft>
+              <a:defRPr>
+                <a:solidFill>
+                  <a:schemeClr val="tx1"/>
+                </a:solidFill>
+                <a:latin typeface="Arial" charset="0"/>
+              </a:defRPr>
+            </a:lvl8pPr>
+            <a:lvl9pPr marL="3886200" indent="-228600" eaLnBrk="0" fontAlgn="base" hangingPunct="0">
+              <a:spcBef>
+                <a:spcPct val="0"/>
+              </a:spcBef>
+              <a:spcAft>
+                <a:spcPct val="0"/>
+              </a:spcAft>
+              <a:defRPr>
+                <a:solidFill>
+                  <a:schemeClr val="tx1"/>
+                </a:solidFill>
+                <a:latin typeface="Arial" charset="0"/>
+              </a:defRPr>
+            </a:lvl9pPr>
+          </a:lstStyle>
+          <a:p>
+            <a:pPr algn="ctr" eaLnBrk="1" hangingPunct="1"/>
+            <a:r>
+              <a:rPr lang="en-US" sz="6000" b="1" dirty="0">
+                <a:latin typeface="Gill Sans" panose="020B0502020104020203" pitchFamily="34" charset="-79"/>
+                <a:cs typeface="Gill Sans" panose="020B0502020104020203" pitchFamily="34" charset="-79"/>
+              </a:rPr>
+              <a:t>Challenges</a:t>
+            </a:r>
+          </a:p>
+        </p:txBody>
+      </p:sp>
+      <p:sp>
+        <p:nvSpPr>
+          <p:cNvPr id="46" name="TextBox 20">
+            <a:extLst>
+              <a:ext uri="{FF2B5EF4-FFF2-40B4-BE49-F238E27FC236}">
+                <a16:creationId xmlns:a16="http://schemas.microsoft.com/office/drawing/2014/main" id="{32DA83F7-7E7D-4A47-BC7A-0C597D0249BD}"/>
+              </a:ext>
+            </a:extLst>
+          </p:cNvPr>
+          <p:cNvSpPr txBox="1">
+            <a:spLocks noChangeArrowheads="1"/>
+          </p:cNvSpPr>
+          <p:nvPr/>
+        </p:nvSpPr>
+        <p:spPr bwMode="auto">
+          <a:xfrm>
+            <a:off x="457200" y="5121374"/>
+            <a:ext cx="21411314" cy="1202481"/>
+          </a:xfrm>
+          <a:prstGeom prst="rect">
+            <a:avLst/>
+          </a:prstGeom>
+          <a:noFill/>
+          <a:ln>
+            <a:noFill/>
+          </a:ln>
+          <a:extLst>
+            <a:ext uri="{909E8E84-426E-40DD-AFC4-6F175D3DCCD1}">
+              <a14:hiddenFill xmlns:a14="http://schemas.microsoft.com/office/drawing/2010/main">
+                <a:solidFill>
+                  <a:srgbClr val="FFFFFF"/>
+                </a:solidFill>
+              </a14:hiddenFill>
+            </a:ext>
+            <a:ext uri="{91240B29-F687-4F45-9708-019B960494DF}">
+              <a14:hiddenLine xmlns:a14="http://schemas.microsoft.com/office/drawing/2010/main" w="9525">
+                <a:solidFill>
+                  <a:srgbClr val="000000"/>
+                </a:solidFill>
+                <a:miter lim="800000"/>
+                <a:headEnd/>
+                <a:tailEnd/>
+              </a14:hiddenLine>
+            </a:ext>
+          </a:extLst>
+        </p:spPr>
+        <p:txBody>
+          <a:bodyPr wrap="square" lIns="352655" tIns="176326" rIns="352655" bIns="176326">
+            <a:spAutoFit/>
+          </a:bodyPr>
+          <a:lstStyle>
+            <a:lvl1pPr eaLnBrk="0" hangingPunct="0">
+              <a:defRPr>
+                <a:solidFill>
+                  <a:schemeClr val="tx1"/>
+                </a:solidFill>
+                <a:latin typeface="Arial" charset="0"/>
+              </a:defRPr>
+            </a:lvl1pPr>
+            <a:lvl2pPr marL="742950" indent="-285750" eaLnBrk="0" hangingPunct="0">
+              <a:defRPr>
+                <a:solidFill>
+                  <a:schemeClr val="tx1"/>
+                </a:solidFill>
+                <a:latin typeface="Arial" charset="0"/>
+              </a:defRPr>
+            </a:lvl2pPr>
+            <a:lvl3pPr marL="1143000" indent="-228600" eaLnBrk="0" hangingPunct="0">
+              <a:defRPr>
+                <a:solidFill>
+                  <a:schemeClr val="tx1"/>
+                </a:solidFill>
+                <a:latin typeface="Arial" charset="0"/>
+              </a:defRPr>
+            </a:lvl3pPr>
+            <a:lvl4pPr marL="1600200" indent="-228600" eaLnBrk="0" hangingPunct="0">
+              <a:defRPr>
+                <a:solidFill>
+                  <a:schemeClr val="tx1"/>
+                </a:solidFill>
+                <a:latin typeface="Arial" charset="0"/>
+              </a:defRPr>
+            </a:lvl4pPr>
+            <a:lvl5pPr marL="2057400" indent="-228600" eaLnBrk="0" hangingPunct="0">
+              <a:defRPr>
+                <a:solidFill>
+                  <a:schemeClr val="tx1"/>
+                </a:solidFill>
+                <a:latin typeface="Arial" charset="0"/>
+              </a:defRPr>
+            </a:lvl5pPr>
+            <a:lvl6pPr marL="2514600" indent="-228600" eaLnBrk="0" fontAlgn="base" hangingPunct="0">
+              <a:spcBef>
+                <a:spcPct val="0"/>
+              </a:spcBef>
+              <a:spcAft>
+                <a:spcPct val="0"/>
+              </a:spcAft>
+              <a:defRPr>
+                <a:solidFill>
+                  <a:schemeClr val="tx1"/>
+                </a:solidFill>
+                <a:latin typeface="Arial" charset="0"/>
+              </a:defRPr>
+            </a:lvl6pPr>
+            <a:lvl7pPr marL="2971800" indent="-228600" eaLnBrk="0" fontAlgn="base" hangingPunct="0">
+              <a:spcBef>
+                <a:spcPct val="0"/>
+              </a:spcBef>
+              <a:spcAft>
+                <a:spcPct val="0"/>
+              </a:spcAft>
+              <a:defRPr>
+                <a:solidFill>
+                  <a:schemeClr val="tx1"/>
+                </a:solidFill>
+                <a:latin typeface="Arial" charset="0"/>
+              </a:defRPr>
+            </a:lvl7pPr>
+            <a:lvl8pPr marL="3429000" indent="-228600" eaLnBrk="0" fontAlgn="base" hangingPunct="0">
+              <a:spcBef>
+                <a:spcPct val="0"/>
+              </a:spcBef>
+              <a:spcAft>
+                <a:spcPct val="0"/>
+              </a:spcAft>
+              <a:defRPr>
+                <a:solidFill>
+                  <a:schemeClr val="tx1"/>
+                </a:solidFill>
+                <a:latin typeface="Arial" charset="0"/>
+              </a:defRPr>
+            </a:lvl8pPr>
+            <a:lvl9pPr marL="3886200" indent="-228600" eaLnBrk="0" fontAlgn="base" hangingPunct="0">
+              <a:spcBef>
+                <a:spcPct val="0"/>
+              </a:spcBef>
+              <a:spcAft>
+                <a:spcPct val="0"/>
+              </a:spcAft>
+              <a:defRPr>
+                <a:solidFill>
+                  <a:schemeClr val="tx1"/>
+                </a:solidFill>
+                <a:latin typeface="Arial" charset="0"/>
+              </a:defRPr>
+            </a:lvl9pPr>
+          </a:lstStyle>
+          <a:p>
+            <a:pPr algn="ctr" eaLnBrk="1" hangingPunct="1"/>
+            <a:r>
+              <a:rPr lang="en-US" sz="5500" b="1" dirty="0">
+                <a:latin typeface="Gill Sans" panose="020B0502020104020203" pitchFamily="34" charset="-79"/>
+                <a:cs typeface="Gill Sans" panose="020B0502020104020203" pitchFamily="34" charset="-79"/>
+              </a:rPr>
+              <a:t>Importance</a:t>
+            </a:r>
+          </a:p>
+        </p:txBody>
+      </p:sp>
+      <p:sp>
+        <p:nvSpPr>
+          <p:cNvPr id="47" name="TextBox 28">
+            <a:extLst>
+              <a:ext uri="{FF2B5EF4-FFF2-40B4-BE49-F238E27FC236}">
+                <a16:creationId xmlns:a16="http://schemas.microsoft.com/office/drawing/2014/main" id="{E38907C2-1321-A0F8-B40D-8FD3D5D73D32}"/>
+              </a:ext>
+            </a:extLst>
+          </p:cNvPr>
+          <p:cNvSpPr txBox="1">
+            <a:spLocks noChangeArrowheads="1"/>
+          </p:cNvSpPr>
+          <p:nvPr/>
+        </p:nvSpPr>
+        <p:spPr bwMode="auto">
+          <a:xfrm>
+            <a:off x="457200" y="10058400"/>
+            <a:ext cx="21411314" cy="1202481"/>
+          </a:xfrm>
+          <a:prstGeom prst="rect">
+            <a:avLst/>
+          </a:prstGeom>
+          <a:noFill/>
+          <a:ln>
+            <a:noFill/>
+          </a:ln>
+          <a:extLst>
+            <a:ext uri="{909E8E84-426E-40DD-AFC4-6F175D3DCCD1}">
+              <a14:hiddenFill xmlns:a14="http://schemas.microsoft.com/office/drawing/2010/main">
+                <a:solidFill>
+                  <a:srgbClr val="FFFFFF"/>
+                </a:solidFill>
+              </a14:hiddenFill>
+            </a:ext>
+            <a:ext uri="{91240B29-F687-4F45-9708-019B960494DF}">
+              <a14:hiddenLine xmlns:a14="http://schemas.microsoft.com/office/drawing/2010/main" w="9525">
+                <a:solidFill>
+                  <a:srgbClr val="000000"/>
+                </a:solidFill>
+                <a:miter lim="800000"/>
+                <a:headEnd/>
+                <a:tailEnd/>
+              </a14:hiddenLine>
+            </a:ext>
+          </a:extLst>
+        </p:spPr>
+        <p:txBody>
+          <a:bodyPr wrap="square" lIns="352655" tIns="176326" rIns="352655" bIns="176326">
+            <a:spAutoFit/>
+          </a:bodyPr>
+          <a:lstStyle>
+            <a:lvl1pPr eaLnBrk="0" hangingPunct="0">
+              <a:defRPr>
+                <a:solidFill>
+                  <a:schemeClr val="tx1"/>
+                </a:solidFill>
+                <a:latin typeface="Arial" charset="0"/>
+              </a:defRPr>
+            </a:lvl1pPr>
+            <a:lvl2pPr marL="742950" indent="-285750" eaLnBrk="0" hangingPunct="0">
+              <a:defRPr>
+                <a:solidFill>
+                  <a:schemeClr val="tx1"/>
+                </a:solidFill>
+                <a:latin typeface="Arial" charset="0"/>
+              </a:defRPr>
+            </a:lvl2pPr>
+            <a:lvl3pPr marL="1143000" indent="-228600" eaLnBrk="0" hangingPunct="0">
+              <a:defRPr>
+                <a:solidFill>
+                  <a:schemeClr val="tx1"/>
+                </a:solidFill>
+                <a:latin typeface="Arial" charset="0"/>
+              </a:defRPr>
+            </a:lvl3pPr>
+            <a:lvl4pPr marL="1600200" indent="-228600" eaLnBrk="0" hangingPunct="0">
+              <a:defRPr>
+                <a:solidFill>
+                  <a:schemeClr val="tx1"/>
+                </a:solidFill>
+                <a:latin typeface="Arial" charset="0"/>
+              </a:defRPr>
+            </a:lvl4pPr>
+            <a:lvl5pPr marL="2057400" indent="-228600" eaLnBrk="0" hangingPunct="0">
+              <a:defRPr>
+                <a:solidFill>
+                  <a:schemeClr val="tx1"/>
+                </a:solidFill>
+                <a:latin typeface="Arial" charset="0"/>
+              </a:defRPr>
+            </a:lvl5pPr>
+            <a:lvl6pPr marL="2514600" indent="-228600" eaLnBrk="0" fontAlgn="base" hangingPunct="0">
+              <a:spcBef>
+                <a:spcPct val="0"/>
+              </a:spcBef>
+              <a:spcAft>
+                <a:spcPct val="0"/>
+              </a:spcAft>
+              <a:defRPr>
+                <a:solidFill>
+                  <a:schemeClr val="tx1"/>
+                </a:solidFill>
+                <a:latin typeface="Arial" charset="0"/>
+              </a:defRPr>
+            </a:lvl6pPr>
+            <a:lvl7pPr marL="2971800" indent="-228600" eaLnBrk="0" fontAlgn="base" hangingPunct="0">
+              <a:spcBef>
+                <a:spcPct val="0"/>
+              </a:spcBef>
+              <a:spcAft>
+                <a:spcPct val="0"/>
+              </a:spcAft>
+              <a:defRPr>
+                <a:solidFill>
+                  <a:schemeClr val="tx1"/>
+                </a:solidFill>
+                <a:latin typeface="Arial" charset="0"/>
+              </a:defRPr>
+            </a:lvl7pPr>
+            <a:lvl8pPr marL="3429000" indent="-228600" eaLnBrk="0" fontAlgn="base" hangingPunct="0">
+              <a:spcBef>
+                <a:spcPct val="0"/>
+              </a:spcBef>
+              <a:spcAft>
+                <a:spcPct val="0"/>
+              </a:spcAft>
+              <a:defRPr>
+                <a:solidFill>
+                  <a:schemeClr val="tx1"/>
+                </a:solidFill>
+                <a:latin typeface="Arial" charset="0"/>
+              </a:defRPr>
+            </a:lvl8pPr>
+            <a:lvl9pPr marL="3886200" indent="-228600" eaLnBrk="0" fontAlgn="base" hangingPunct="0">
+              <a:spcBef>
+                <a:spcPct val="0"/>
+              </a:spcBef>
+              <a:spcAft>
+                <a:spcPct val="0"/>
+              </a:spcAft>
+              <a:defRPr>
+                <a:solidFill>
+                  <a:schemeClr val="tx1"/>
+                </a:solidFill>
+                <a:latin typeface="Arial" charset="0"/>
+              </a:defRPr>
+            </a:lvl9pPr>
+          </a:lstStyle>
+          <a:p>
+            <a:pPr algn="ctr" eaLnBrk="1" hangingPunct="1"/>
+            <a:r>
+              <a:rPr lang="en-US" sz="5500" b="1" dirty="0">
+                <a:latin typeface="Gill Sans" panose="020B0502020104020203" pitchFamily="34" charset="-79"/>
+                <a:cs typeface="Gill Sans" panose="020B0502020104020203" pitchFamily="34" charset="-79"/>
+              </a:rPr>
+              <a:t>Current System</a:t>
+            </a:r>
+          </a:p>
+        </p:txBody>
+      </p:sp>
+      <p:sp>
+        <p:nvSpPr>
+          <p:cNvPr id="51" name="Text Box 24">
+            <a:extLst>
+              <a:ext uri="{FF2B5EF4-FFF2-40B4-BE49-F238E27FC236}">
+                <a16:creationId xmlns:a16="http://schemas.microsoft.com/office/drawing/2014/main" id="{436A1EAD-87F5-27AD-2753-8C691D0380A0}"/>
+              </a:ext>
+            </a:extLst>
+          </p:cNvPr>
+          <p:cNvSpPr txBox="1">
+            <a:spLocks noChangeArrowheads="1"/>
+          </p:cNvSpPr>
+          <p:nvPr/>
+        </p:nvSpPr>
+        <p:spPr bwMode="auto">
+          <a:xfrm>
+            <a:off x="830513" y="6019800"/>
+            <a:ext cx="20612167" cy="5603725"/>
+          </a:xfrm>
+          <a:prstGeom prst="rect">
+            <a:avLst/>
+          </a:prstGeom>
+          <a:noFill/>
+          <a:ln>
+            <a:noFill/>
+          </a:ln>
+          <a:effectLst/>
+          <a:extLst>
+            <a:ext uri="{909E8E84-426E-40DD-AFC4-6F175D3DCCD1}">
+              <a14:hiddenFill xmlns:a14="http://schemas.microsoft.com/office/drawing/2010/main">
+                <a:solidFill>
+                  <a:schemeClr val="accent1"/>
+                </a:solidFill>
+              </a14:hiddenFill>
+            </a:ext>
+            <a:ext uri="{91240B29-F687-4F45-9708-019B960494DF}">
+              <a14:hiddenLine xmlns:a14="http://schemas.microsoft.com/office/drawing/2010/main" w="9525">
+                <a:solidFill>
+                  <a:schemeClr val="tx1"/>
+                </a:solidFill>
+                <a:miter lim="800000"/>
+                <a:headEnd/>
+                <a:tailEnd/>
+              </a14:hiddenLine>
+            </a:ext>
+            <a:ext uri="{AF507438-7753-43E0-B8FC-AC1667EBCBE1}">
+              <a14:hiddenEffects xmlns:a14="http://schemas.microsoft.com/office/drawing/2010/main">
+                <a:effectLst>
+                  <a:outerShdw dist="35921" dir="2700000" algn="ctr" rotWithShape="0">
+                    <a:schemeClr val="bg2"/>
+                  </a:outerShdw>
+                </a:effectLst>
+              </a14:hiddenEffects>
+            </a:ext>
+          </a:extLst>
+        </p:spPr>
+        <p:txBody>
+          <a:bodyPr wrap="square" lIns="352689" tIns="176345" rIns="352689" bIns="176345">
+            <a:spAutoFit/>
+          </a:bodyPr>
+          <a:lstStyle>
+            <a:lvl1pPr eaLnBrk="0" hangingPunct="0">
+              <a:defRPr>
+                <a:solidFill>
+                  <a:schemeClr val="tx1"/>
+                </a:solidFill>
+                <a:latin typeface="Arial" charset="0"/>
+              </a:defRPr>
+            </a:lvl1pPr>
+            <a:lvl2pPr marL="742950" indent="-285750" eaLnBrk="0" hangingPunct="0">
+              <a:defRPr>
+                <a:solidFill>
+                  <a:schemeClr val="tx1"/>
+                </a:solidFill>
+                <a:latin typeface="Arial" charset="0"/>
+              </a:defRPr>
+            </a:lvl2pPr>
+            <a:lvl3pPr marL="1143000" indent="-228600" eaLnBrk="0" hangingPunct="0">
+              <a:defRPr>
+                <a:solidFill>
+                  <a:schemeClr val="tx1"/>
+                </a:solidFill>
+                <a:latin typeface="Arial" charset="0"/>
+              </a:defRPr>
+            </a:lvl3pPr>
+            <a:lvl4pPr marL="1600200" indent="-228600" eaLnBrk="0" hangingPunct="0">
+              <a:defRPr>
+                <a:solidFill>
+                  <a:schemeClr val="tx1"/>
+                </a:solidFill>
+                <a:latin typeface="Arial" charset="0"/>
+              </a:defRPr>
+            </a:lvl4pPr>
+            <a:lvl5pPr marL="2057400" indent="-228600" eaLnBrk="0" hangingPunct="0">
+              <a:defRPr>
+                <a:solidFill>
+                  <a:schemeClr val="tx1"/>
+                </a:solidFill>
+                <a:latin typeface="Arial" charset="0"/>
+              </a:defRPr>
+            </a:lvl5pPr>
+            <a:lvl6pPr marL="2514600" indent="-228600" eaLnBrk="0" fontAlgn="base" hangingPunct="0">
+              <a:spcBef>
+                <a:spcPct val="0"/>
+              </a:spcBef>
+              <a:spcAft>
+                <a:spcPct val="0"/>
+              </a:spcAft>
+              <a:defRPr>
+                <a:solidFill>
+                  <a:schemeClr val="tx1"/>
+                </a:solidFill>
+                <a:latin typeface="Arial" charset="0"/>
+              </a:defRPr>
+            </a:lvl6pPr>
+            <a:lvl7pPr marL="2971800" indent="-228600" eaLnBrk="0" fontAlgn="base" hangingPunct="0">
+              <a:spcBef>
+                <a:spcPct val="0"/>
+              </a:spcBef>
+              <a:spcAft>
+                <a:spcPct val="0"/>
+              </a:spcAft>
+              <a:defRPr>
+                <a:solidFill>
+                  <a:schemeClr val="tx1"/>
+                </a:solidFill>
+                <a:latin typeface="Arial" charset="0"/>
+              </a:defRPr>
+            </a:lvl7pPr>
+            <a:lvl8pPr marL="3429000" indent="-228600" eaLnBrk="0" fontAlgn="base" hangingPunct="0">
+              <a:spcBef>
+                <a:spcPct val="0"/>
+              </a:spcBef>
+              <a:spcAft>
+                <a:spcPct val="0"/>
+              </a:spcAft>
+              <a:defRPr>
+                <a:solidFill>
+                  <a:schemeClr val="tx1"/>
+                </a:solidFill>
+                <a:latin typeface="Arial" charset="0"/>
+              </a:defRPr>
+            </a:lvl8pPr>
+            <a:lvl9pPr marL="3886200" indent="-228600" eaLnBrk="0" fontAlgn="base" hangingPunct="0">
+              <a:spcBef>
+                <a:spcPct val="0"/>
+              </a:spcBef>
+              <a:spcAft>
+                <a:spcPct val="0"/>
+              </a:spcAft>
+              <a:defRPr>
+                <a:solidFill>
+                  <a:schemeClr val="tx1"/>
+                </a:solidFill>
+                <a:latin typeface="Arial" charset="0"/>
+              </a:defRPr>
+            </a:lvl9pPr>
+          </a:lstStyle>
+          <a:p>
+            <a:pPr eaLnBrk="1" hangingPunct="1">
+              <a:spcBef>
+                <a:spcPct val="50000"/>
+              </a:spcBef>
+            </a:pPr>
+            <a:r>
+              <a:rPr lang="en-US" sz="3400" dirty="0">
+                <a:solidFill>
+                  <a:srgbClr val="000000"/>
+                </a:solidFill>
+                <a:latin typeface="Garamond" panose="02020404030301010803" pitchFamily="18" charset="0"/>
+                <a:cs typeface="Gill Sans" panose="020B0502020104020203" pitchFamily="34" charset="-79"/>
+              </a:rPr>
+              <a:t>The Marine Corps Marathon is one of the most popular marathons in the U.S., attracting thousands of runners from around the world ear year. Known for its unique military atmosphere, scenic course, and strong community spirit, it has become a prestigious event for both elite athletes and everyday runners. The USMC Marathon Medical Communications System is essential for ensuring the safety and well-being of participants, providing real-time medical communication that helps respond swiftly to emergencies and enhances the overall race experience.</a:t>
+            </a:r>
+          </a:p>
+          <a:p>
+            <a:pPr eaLnBrk="1" hangingPunct="1">
+              <a:spcBef>
+                <a:spcPct val="50000"/>
+              </a:spcBef>
+            </a:pPr>
+            <a:endParaRPr lang="en-US" sz="3800" dirty="0">
+              <a:solidFill>
+                <a:srgbClr val="000000"/>
+              </a:solidFill>
+              <a:latin typeface="Garamond" panose="02020404030301010803" pitchFamily="18" charset="0"/>
+              <a:cs typeface="Gill Sans" panose="020B0502020104020203" pitchFamily="34" charset="-79"/>
+            </a:endParaRPr>
+          </a:p>
+          <a:p>
+            <a:pPr eaLnBrk="1" hangingPunct="1">
+              <a:spcBef>
+                <a:spcPct val="50000"/>
+              </a:spcBef>
+            </a:pPr>
+            <a:endParaRPr lang="en-US" sz="3800" dirty="0">
+              <a:solidFill>
+                <a:srgbClr val="000000"/>
+              </a:solidFill>
+              <a:latin typeface="Garamond" panose="02020404030301010803" pitchFamily="18" charset="0"/>
+              <a:cs typeface="Gill Sans" panose="020B0502020104020203" pitchFamily="34" charset="-79"/>
+            </a:endParaRPr>
+          </a:p>
+          <a:p>
+            <a:pPr eaLnBrk="1" hangingPunct="1">
+              <a:spcBef>
+                <a:spcPct val="50000"/>
+              </a:spcBef>
+            </a:pPr>
+            <a:endParaRPr lang="en-US" sz="3800" dirty="0">
+              <a:latin typeface="Garamond" panose="02020404030301010803" pitchFamily="18" charset="0"/>
+              <a:cs typeface="Gill Sans" panose="020B0502020104020203" pitchFamily="34" charset="-79"/>
+            </a:endParaRPr>
+          </a:p>
+        </p:txBody>
+      </p:sp>
+      <p:sp>
+        <p:nvSpPr>
+          <p:cNvPr id="60" name="Text Box 28">
+            <a:extLst>
+              <a:ext uri="{FF2B5EF4-FFF2-40B4-BE49-F238E27FC236}">
+                <a16:creationId xmlns:a16="http://schemas.microsoft.com/office/drawing/2014/main" id="{5FF429C3-F565-9177-6C98-792EB3BD2976}"/>
+              </a:ext>
+            </a:extLst>
+          </p:cNvPr>
+          <p:cNvSpPr txBox="1">
+            <a:spLocks noChangeArrowheads="1"/>
+          </p:cNvSpPr>
+          <p:nvPr/>
+        </p:nvSpPr>
+        <p:spPr bwMode="auto">
+          <a:xfrm>
+            <a:off x="465436" y="15140168"/>
+            <a:ext cx="21411314" cy="9096989"/>
+          </a:xfrm>
+          <a:prstGeom prst="rect">
+            <a:avLst/>
+          </a:prstGeom>
+          <a:noFill/>
+          <a:ln w="9525">
+            <a:noFill/>
+            <a:miter lim="800000"/>
+            <a:headEnd/>
+            <a:tailEnd/>
+          </a:ln>
+          <a:effectLst/>
+        </p:spPr>
+        <p:txBody>
+          <a:bodyPr wrap="square" lIns="352689" tIns="176345" rIns="352689" bIns="176345">
+            <a:spAutoFit/>
+          </a:bodyPr>
+          <a:lstStyle>
+            <a:lvl1pPr marL="114300" indent="-114300" eaLnBrk="0" hangingPunct="0">
+              <a:defRPr>
+                <a:solidFill>
+                  <a:schemeClr val="tx1"/>
+                </a:solidFill>
+                <a:latin typeface="Arial" charset="0"/>
+              </a:defRPr>
+            </a:lvl1pPr>
+            <a:lvl2pPr marL="742950" indent="-285750" eaLnBrk="0" hangingPunct="0">
+              <a:defRPr>
+                <a:solidFill>
+                  <a:schemeClr val="tx1"/>
+                </a:solidFill>
+                <a:latin typeface="Arial" charset="0"/>
+              </a:defRPr>
+            </a:lvl2pPr>
+            <a:lvl3pPr marL="1143000" indent="-228600" eaLnBrk="0" hangingPunct="0">
+              <a:defRPr>
+                <a:solidFill>
+                  <a:schemeClr val="tx1"/>
+                </a:solidFill>
+                <a:latin typeface="Arial" charset="0"/>
+              </a:defRPr>
+            </a:lvl3pPr>
+            <a:lvl4pPr marL="1600200" indent="-228600" eaLnBrk="0" hangingPunct="0">
+              <a:defRPr>
+                <a:solidFill>
+                  <a:schemeClr val="tx1"/>
+                </a:solidFill>
+                <a:latin typeface="Arial" charset="0"/>
+              </a:defRPr>
+            </a:lvl4pPr>
+            <a:lvl5pPr marL="2057400" indent="-228600" eaLnBrk="0" hangingPunct="0">
+              <a:defRPr>
+                <a:solidFill>
+                  <a:schemeClr val="tx1"/>
+                </a:solidFill>
+                <a:latin typeface="Arial" charset="0"/>
+              </a:defRPr>
+            </a:lvl5pPr>
+            <a:lvl6pPr marL="2514600" indent="-228600" eaLnBrk="0" fontAlgn="base" hangingPunct="0">
+              <a:spcBef>
+                <a:spcPct val="0"/>
+              </a:spcBef>
+              <a:spcAft>
+                <a:spcPct val="0"/>
+              </a:spcAft>
+              <a:defRPr>
+                <a:solidFill>
+                  <a:schemeClr val="tx1"/>
+                </a:solidFill>
+                <a:latin typeface="Arial" charset="0"/>
+              </a:defRPr>
+            </a:lvl6pPr>
+            <a:lvl7pPr marL="2971800" indent="-228600" eaLnBrk="0" fontAlgn="base" hangingPunct="0">
+              <a:spcBef>
+                <a:spcPct val="0"/>
+              </a:spcBef>
+              <a:spcAft>
+                <a:spcPct val="0"/>
+              </a:spcAft>
+              <a:defRPr>
+                <a:solidFill>
+                  <a:schemeClr val="tx1"/>
+                </a:solidFill>
+                <a:latin typeface="Arial" charset="0"/>
+              </a:defRPr>
+            </a:lvl7pPr>
+            <a:lvl8pPr marL="3429000" indent="-228600" eaLnBrk="0" fontAlgn="base" hangingPunct="0">
+              <a:spcBef>
+                <a:spcPct val="0"/>
+              </a:spcBef>
+              <a:spcAft>
+                <a:spcPct val="0"/>
+              </a:spcAft>
+              <a:defRPr>
+                <a:solidFill>
+                  <a:schemeClr val="tx1"/>
+                </a:solidFill>
+                <a:latin typeface="Arial" charset="0"/>
+              </a:defRPr>
+            </a:lvl8pPr>
+            <a:lvl9pPr marL="3886200" indent="-228600" eaLnBrk="0" fontAlgn="base" hangingPunct="0">
+              <a:spcBef>
+                <a:spcPct val="0"/>
+              </a:spcBef>
+              <a:spcAft>
+                <a:spcPct val="0"/>
+              </a:spcAft>
+              <a:defRPr>
+                <a:solidFill>
+                  <a:schemeClr val="tx1"/>
+                </a:solidFill>
+                <a:latin typeface="Arial" charset="0"/>
+              </a:defRPr>
+            </a:lvl9pPr>
+          </a:lstStyle>
+          <a:p>
+            <a:endParaRPr lang="en-US" sz="3400" dirty="0">
+              <a:latin typeface="Garamond" panose="02020404030301010803" pitchFamily="18" charset="0"/>
+            </a:endParaRPr>
+          </a:p>
+          <a:p>
+            <a:pPr marL="571500" indent="-317500">
+              <a:lnSpc>
+                <a:spcPts val="4020"/>
+              </a:lnSpc>
+              <a:buFont typeface="Arial" panose="020B0604020202020204" pitchFamily="34" charset="0"/>
+              <a:buChar char="•"/>
+            </a:pPr>
+            <a:r>
+              <a:rPr lang="en-US" sz="3400" b="1" dirty="0">
+                <a:latin typeface="Garamond" panose="02020404030301010803" pitchFamily="18" charset="0"/>
+              </a:rPr>
+              <a:t>Restricted and Urban Environment: </a:t>
+            </a:r>
+            <a:r>
+              <a:rPr lang="en-US" sz="3400" dirty="0">
+                <a:latin typeface="Garamond" panose="02020404030301010803" pitchFamily="18" charset="0"/>
+              </a:rPr>
+              <a:t>The racecourse is characterized by a mix of natural and man-made obstacles including water features, hills, buildings, and bridges. These environmental factors present significant challenges in establishing a reliable network throughout the course.</a:t>
+            </a:r>
+          </a:p>
+          <a:p>
+            <a:pPr marL="571500" indent="-317500">
+              <a:lnSpc>
+                <a:spcPts val="4020"/>
+              </a:lnSpc>
+              <a:buFont typeface="Arial" panose="020B0604020202020204" pitchFamily="34" charset="0"/>
+              <a:buChar char="•"/>
+            </a:pPr>
+            <a:r>
+              <a:rPr lang="en-US" sz="3400" b="1" dirty="0">
+                <a:latin typeface="Garamond" panose="02020404030301010803" pitchFamily="18" charset="0"/>
+              </a:rPr>
+              <a:t>Legal Issues: </a:t>
+            </a:r>
+            <a:r>
+              <a:rPr lang="en-US" sz="3400" dirty="0">
+                <a:latin typeface="Garamond" panose="02020404030301010803" pitchFamily="18" charset="0"/>
+              </a:rPr>
+              <a:t>The project must comply with regulations surrounding the protection of personally identifiable information and medical data, requiring stringent measures to ensure privacy and security.</a:t>
+            </a:r>
+          </a:p>
+          <a:p>
+            <a:pPr marL="571500" indent="-317500">
+              <a:lnSpc>
+                <a:spcPts val="4020"/>
+              </a:lnSpc>
+              <a:buFont typeface="Arial" panose="020B0604020202020204" pitchFamily="34" charset="0"/>
+              <a:buChar char="•"/>
+            </a:pPr>
+            <a:r>
+              <a:rPr lang="en-US" sz="3400" b="1" dirty="0">
+                <a:latin typeface="Garamond" panose="02020404030301010803" pitchFamily="18" charset="0"/>
+              </a:rPr>
+              <a:t>Encryption Restrictions: </a:t>
+            </a:r>
+            <a:r>
+              <a:rPr lang="en-US" sz="3400" dirty="0">
+                <a:latin typeface="Garamond" panose="02020404030301010803" pitchFamily="18" charset="0"/>
+              </a:rPr>
+              <a:t>Current regulation prohibits amateur radio operators from transmitting encrypted data which restricts their capacity to safely relay sensitive medical information over the air wave.</a:t>
+            </a:r>
+          </a:p>
+          <a:p>
+            <a:pPr marL="571500" indent="-317500">
+              <a:lnSpc>
+                <a:spcPts val="4020"/>
+              </a:lnSpc>
+              <a:buFont typeface="Arial" panose="020B0604020202020204" pitchFamily="34" charset="0"/>
+              <a:buChar char="•"/>
+            </a:pPr>
+            <a:r>
+              <a:rPr lang="en-US" sz="3400" b="1" dirty="0">
+                <a:latin typeface="Garamond" panose="02020404030301010803" pitchFamily="18" charset="0"/>
+              </a:rPr>
+              <a:t>Ease of Use: </a:t>
+            </a:r>
+            <a:r>
+              <a:rPr lang="en-US" sz="3400" dirty="0">
+                <a:latin typeface="Garamond" panose="02020404030301010803" pitchFamily="18" charset="0"/>
+              </a:rPr>
+              <a:t>We assume that volunteers have limited technical expertise, particularly in setting up networks or utilizing complicated user interfaces. This requires a user-friendly design and straightforward system to facilitate smooth operation for non-technical personnel.</a:t>
+            </a:r>
+            <a:br>
+              <a:rPr lang="en-US" sz="3400" b="1" dirty="0">
+                <a:latin typeface="Garamond" panose="02020404030301010803" pitchFamily="18" charset="0"/>
+              </a:rPr>
+            </a:br>
+            <a:endParaRPr lang="en-US" sz="3400" b="1" dirty="0">
+              <a:latin typeface="Garamond" panose="02020404030301010803" pitchFamily="18" charset="0"/>
+            </a:endParaRPr>
+          </a:p>
+          <a:p>
+            <a:pPr marL="571500" indent="-317500">
+              <a:lnSpc>
+                <a:spcPts val="4020"/>
+              </a:lnSpc>
+              <a:buFont typeface="Arial" panose="020B0604020202020204" pitchFamily="34" charset="0"/>
+              <a:buChar char="•"/>
+            </a:pPr>
+            <a:endParaRPr lang="en-US" sz="3400" b="1" dirty="0">
+              <a:latin typeface="Garamond" panose="02020404030301010803" pitchFamily="18" charset="0"/>
+            </a:endParaRPr>
+          </a:p>
+          <a:p>
+            <a:pPr marL="571500" indent="-317500">
+              <a:lnSpc>
+                <a:spcPts val="4020"/>
+              </a:lnSpc>
+              <a:buFont typeface="Arial" panose="020B0604020202020204" pitchFamily="34" charset="0"/>
+              <a:buChar char="•"/>
+            </a:pPr>
+            <a:endParaRPr lang="en-US" sz="3400" b="1" dirty="0">
+              <a:latin typeface="Garamond" panose="02020404030301010803" pitchFamily="18" charset="0"/>
+            </a:endParaRPr>
+          </a:p>
+          <a:p>
+            <a:pPr marL="571500" indent="-317500">
+              <a:lnSpc>
+                <a:spcPts val="4020"/>
+              </a:lnSpc>
+              <a:buFont typeface="Arial" panose="020B0604020202020204" pitchFamily="34" charset="0"/>
+              <a:buChar char="•"/>
+            </a:pPr>
+            <a:endParaRPr lang="en-US" sz="3400" b="1" dirty="0">
+              <a:latin typeface="Garamond" panose="02020404030301010803" pitchFamily="18" charset="0"/>
+            </a:endParaRPr>
+          </a:p>
+          <a:p>
+            <a:pPr marL="571500" indent="-317500">
+              <a:lnSpc>
+                <a:spcPts val="4020"/>
+              </a:lnSpc>
+              <a:buFont typeface="Arial" panose="020B0604020202020204" pitchFamily="34" charset="0"/>
+              <a:buChar char="•"/>
+            </a:pPr>
+            <a:endParaRPr lang="en-US" sz="3400" b="1" dirty="0">
+              <a:latin typeface="Garamond" panose="02020404030301010803" pitchFamily="18" charset="0"/>
+            </a:endParaRPr>
+          </a:p>
+          <a:p>
+            <a:endParaRPr lang="en-US" sz="3400" dirty="0">
+              <a:latin typeface="Garamond" panose="02020404030301010803" pitchFamily="18" charset="0"/>
+            </a:endParaRPr>
+          </a:p>
+        </p:txBody>
+      </p:sp>
+      <p:pic>
+        <p:nvPicPr>
+          <p:cNvPr id="2" name="Graphic 1">
+            <a:extLst>
+              <a:ext uri="{FF2B5EF4-FFF2-40B4-BE49-F238E27FC236}">
+                <a16:creationId xmlns:a16="http://schemas.microsoft.com/office/drawing/2014/main" id="{3673BB85-5476-7DC8-FB96-D1842D7935E9}"/>
+              </a:ext>
+            </a:extLst>
+          </p:cNvPr>
+          <p:cNvPicPr>
+            <a:picLocks noChangeAspect="1"/>
+          </p:cNvPicPr>
+          <p:nvPr/>
+        </p:nvPicPr>
+        <p:blipFill>
+          <a:blip r:embed="rId4">
+            <a:extLst>
+              <a:ext uri="{28A0092B-C50C-407E-A947-70E740481C1C}">
+                <a14:useLocalDpi xmlns:a14="http://schemas.microsoft.com/office/drawing/2010/main" val="0"/>
+              </a:ext>
+              <a:ext uri="{96DAC541-7B7A-43D3-8B79-37D633B846F1}">
+                <asvg:svgBlip xmlns:asvg="http://schemas.microsoft.com/office/drawing/2016/SVG/main" r:embed="rId5"/>
+              </a:ext>
+            </a:extLst>
+          </a:blip>
+          <a:stretch>
+            <a:fillRect/>
+          </a:stretch>
+        </p:blipFill>
+        <p:spPr>
+          <a:xfrm>
+            <a:off x="29489400" y="884444"/>
+            <a:ext cx="3566160" cy="3566160"/>
+          </a:xfrm>
+          <a:prstGeom prst="rect">
+            <a:avLst/>
+          </a:prstGeom>
+        </p:spPr>
+      </p:pic>
+      <p:pic>
+        <p:nvPicPr>
+          <p:cNvPr id="5" name="Graphic 4">
+            <a:extLst>
+              <a:ext uri="{FF2B5EF4-FFF2-40B4-BE49-F238E27FC236}">
+                <a16:creationId xmlns:a16="http://schemas.microsoft.com/office/drawing/2014/main" id="{40B29E96-6373-A672-47B1-83DE6BBFB280}"/>
+              </a:ext>
+            </a:extLst>
+          </p:cNvPr>
+          <p:cNvPicPr>
+            <a:picLocks noChangeAspect="1"/>
+          </p:cNvPicPr>
+          <p:nvPr/>
+        </p:nvPicPr>
+        <p:blipFill>
+          <a:blip r:embed="rId6">
+            <a:extLst>
+              <a:ext uri="{28A0092B-C50C-407E-A947-70E740481C1C}">
+                <a14:useLocalDpi xmlns:a14="http://schemas.microsoft.com/office/drawing/2010/main" val="0"/>
+              </a:ext>
+              <a:ext uri="{96DAC541-7B7A-43D3-8B79-37D633B846F1}">
+                <asvg:svgBlip xmlns:asvg="http://schemas.microsoft.com/office/drawing/2016/SVG/main" r:embed="rId7"/>
+              </a:ext>
+            </a:extLst>
+          </a:blip>
+          <a:stretch>
+            <a:fillRect/>
+          </a:stretch>
+        </p:blipFill>
+        <p:spPr>
+          <a:xfrm>
+            <a:off x="32842200" y="838200"/>
+            <a:ext cx="3738838" cy="3738838"/>
+          </a:xfrm>
+          <a:prstGeom prst="rect">
+            <a:avLst/>
+          </a:prstGeom>
+        </p:spPr>
+      </p:pic>
+      <p:sp>
+        <p:nvSpPr>
+          <p:cNvPr id="12" name="TextBox 26">
+            <a:extLst>
+              <a:ext uri="{FF2B5EF4-FFF2-40B4-BE49-F238E27FC236}">
+                <a16:creationId xmlns:a16="http://schemas.microsoft.com/office/drawing/2014/main" id="{454D41F8-AB08-9422-DCD2-3982654E6CB6}"/>
+              </a:ext>
+            </a:extLst>
+          </p:cNvPr>
+          <p:cNvSpPr txBox="1">
+            <a:spLocks noChangeArrowheads="1"/>
+          </p:cNvSpPr>
+          <p:nvPr/>
+        </p:nvSpPr>
+        <p:spPr bwMode="auto">
+          <a:xfrm>
+            <a:off x="31590598" y="23961884"/>
+            <a:ext cx="4833002" cy="879316"/>
+          </a:xfrm>
+          <a:prstGeom prst="rect">
+            <a:avLst/>
+          </a:prstGeom>
+          <a:noFill/>
+          <a:ln>
+            <a:noFill/>
+          </a:ln>
+          <a:extLst>
+            <a:ext uri="{909E8E84-426E-40DD-AFC4-6F175D3DCCD1}">
+              <a14:hiddenFill xmlns:a14="http://schemas.microsoft.com/office/drawing/2010/main">
+                <a:solidFill>
+                  <a:srgbClr val="FFFFFF"/>
+                </a:solidFill>
+              </a14:hiddenFill>
+            </a:ext>
+            <a:ext uri="{91240B29-F687-4F45-9708-019B960494DF}">
+              <a14:hiddenLine xmlns:a14="http://schemas.microsoft.com/office/drawing/2010/main" w="9525">
+                <a:solidFill>
+                  <a:srgbClr val="000000"/>
+                </a:solidFill>
+                <a:miter lim="800000"/>
+                <a:headEnd/>
+                <a:tailEnd/>
+              </a14:hiddenLine>
+            </a:ext>
+          </a:extLst>
+        </p:spPr>
+        <p:txBody>
+          <a:bodyPr wrap="square" lIns="352655" tIns="176326" rIns="352655" bIns="176326">
+            <a:spAutoFit/>
+          </a:bodyPr>
+          <a:lstStyle>
+            <a:lvl1pPr eaLnBrk="0" hangingPunct="0">
+              <a:defRPr>
+                <a:solidFill>
+                  <a:schemeClr val="tx1"/>
+                </a:solidFill>
+                <a:latin typeface="Arial" charset="0"/>
+              </a:defRPr>
+            </a:lvl1pPr>
+            <a:lvl2pPr marL="742950" indent="-285750" eaLnBrk="0" hangingPunct="0">
+              <a:defRPr>
+                <a:solidFill>
+                  <a:schemeClr val="tx1"/>
+                </a:solidFill>
+                <a:latin typeface="Arial" charset="0"/>
+              </a:defRPr>
+            </a:lvl2pPr>
+            <a:lvl3pPr marL="1143000" indent="-228600" eaLnBrk="0" hangingPunct="0">
+              <a:defRPr>
+                <a:solidFill>
+                  <a:schemeClr val="tx1"/>
+                </a:solidFill>
+                <a:latin typeface="Arial" charset="0"/>
+              </a:defRPr>
+            </a:lvl3pPr>
+            <a:lvl4pPr marL="1600200" indent="-228600" eaLnBrk="0" hangingPunct="0">
+              <a:defRPr>
+                <a:solidFill>
+                  <a:schemeClr val="tx1"/>
+                </a:solidFill>
+                <a:latin typeface="Arial" charset="0"/>
+              </a:defRPr>
+            </a:lvl4pPr>
+            <a:lvl5pPr marL="2057400" indent="-228600" eaLnBrk="0" hangingPunct="0">
+              <a:defRPr>
+                <a:solidFill>
+                  <a:schemeClr val="tx1"/>
+                </a:solidFill>
+                <a:latin typeface="Arial" charset="0"/>
+              </a:defRPr>
+            </a:lvl5pPr>
+            <a:lvl6pPr marL="2514600" indent="-228600" eaLnBrk="0" fontAlgn="base" hangingPunct="0">
+              <a:spcBef>
+                <a:spcPct val="0"/>
+              </a:spcBef>
+              <a:spcAft>
+                <a:spcPct val="0"/>
+              </a:spcAft>
+              <a:defRPr>
+                <a:solidFill>
+                  <a:schemeClr val="tx1"/>
+                </a:solidFill>
+                <a:latin typeface="Arial" charset="0"/>
+              </a:defRPr>
+            </a:lvl6pPr>
+            <a:lvl7pPr marL="2971800" indent="-228600" eaLnBrk="0" fontAlgn="base" hangingPunct="0">
+              <a:spcBef>
+                <a:spcPct val="0"/>
+              </a:spcBef>
+              <a:spcAft>
+                <a:spcPct val="0"/>
+              </a:spcAft>
+              <a:defRPr>
+                <a:solidFill>
+                  <a:schemeClr val="tx1"/>
+                </a:solidFill>
+                <a:latin typeface="Arial" charset="0"/>
+              </a:defRPr>
+            </a:lvl7pPr>
+            <a:lvl8pPr marL="3429000" indent="-228600" eaLnBrk="0" fontAlgn="base" hangingPunct="0">
+              <a:spcBef>
+                <a:spcPct val="0"/>
+              </a:spcBef>
+              <a:spcAft>
+                <a:spcPct val="0"/>
+              </a:spcAft>
+              <a:defRPr>
+                <a:solidFill>
+                  <a:schemeClr val="tx1"/>
+                </a:solidFill>
+                <a:latin typeface="Arial" charset="0"/>
+              </a:defRPr>
+            </a:lvl8pPr>
+            <a:lvl9pPr marL="3886200" indent="-228600" eaLnBrk="0" fontAlgn="base" hangingPunct="0">
+              <a:spcBef>
+                <a:spcPct val="0"/>
+              </a:spcBef>
+              <a:spcAft>
+                <a:spcPct val="0"/>
+              </a:spcAft>
+              <a:defRPr>
+                <a:solidFill>
+                  <a:schemeClr val="tx1"/>
+                </a:solidFill>
+                <a:latin typeface="Arial" charset="0"/>
+              </a:defRPr>
+            </a:lvl9pPr>
+          </a:lstStyle>
+          <a:p>
+            <a:pPr algn="ctr" eaLnBrk="1" hangingPunct="1"/>
+            <a:r>
+              <a:rPr lang="en-US" sz="3400" b="1" dirty="0">
+                <a:latin typeface="Gill Sans" panose="020B0502020104020203" pitchFamily="34" charset="-79"/>
+                <a:cs typeface="Gill Sans" panose="020B0502020104020203" pitchFamily="34" charset="-79"/>
+              </a:rPr>
+              <a:t>Our Team</a:t>
+            </a:r>
+          </a:p>
+        </p:txBody>
+      </p:sp>
+      <p:pic>
+        <p:nvPicPr>
+          <p:cNvPr id="1026" name="Picture 2">
+            <a:extLst>
+              <a:ext uri="{FF2B5EF4-FFF2-40B4-BE49-F238E27FC236}">
+                <a16:creationId xmlns:a16="http://schemas.microsoft.com/office/drawing/2014/main" id="{9BA5CA50-E10A-7786-DB8A-6A54AC68D11A}"/>
+              </a:ext>
+            </a:extLst>
+          </p:cNvPr>
+          <p:cNvPicPr>
+            <a:picLocks noChangeAspect="1" noChangeArrowheads="1"/>
+          </p:cNvPicPr>
+          <p:nvPr/>
+        </p:nvPicPr>
+        <p:blipFill>
+          <a:blip r:embed="rId8">
+            <a:extLst>
+              <a:ext uri="{28A0092B-C50C-407E-A947-70E740481C1C}">
+                <a14:useLocalDpi xmlns:a14="http://schemas.microsoft.com/office/drawing/2010/main" val="0"/>
+              </a:ext>
+            </a:extLst>
+          </a:blip>
+          <a:srcRect/>
+          <a:stretch>
+            <a:fillRect/>
+          </a:stretch>
+        </p:blipFill>
+        <p:spPr bwMode="auto">
+          <a:xfrm>
+            <a:off x="32232600" y="24946821"/>
+            <a:ext cx="1500463" cy="1875579"/>
+          </a:xfrm>
+          <a:prstGeom prst="rect">
+            <a:avLst/>
+          </a:prstGeom>
+          <a:noFill/>
+          <a:extLst>
+            <a:ext uri="{909E8E84-426E-40DD-AFC4-6F175D3DCCD1}">
+              <a14:hiddenFill xmlns:a14="http://schemas.microsoft.com/office/drawing/2010/main">
+                <a:solidFill>
+                  <a:srgbClr val="FFFFFF"/>
+                </a:solidFill>
+              </a14:hiddenFill>
+            </a:ext>
+          </a:extLst>
+        </p:spPr>
+      </p:pic>
+      <p:pic>
+        <p:nvPicPr>
+          <p:cNvPr id="1028" name="Picture 4">
+            <a:extLst>
+              <a:ext uri="{FF2B5EF4-FFF2-40B4-BE49-F238E27FC236}">
+                <a16:creationId xmlns:a16="http://schemas.microsoft.com/office/drawing/2014/main" id="{3A38DE57-2A66-13C5-BB72-B85C9FBFBB54}"/>
+              </a:ext>
+            </a:extLst>
+          </p:cNvPr>
+          <p:cNvPicPr>
+            <a:picLocks noChangeAspect="1" noChangeArrowheads="1"/>
+          </p:cNvPicPr>
+          <p:nvPr/>
+        </p:nvPicPr>
+        <p:blipFill>
+          <a:blip r:embed="rId9">
+            <a:extLst>
+              <a:ext uri="{28A0092B-C50C-407E-A947-70E740481C1C}">
+                <a14:useLocalDpi xmlns:a14="http://schemas.microsoft.com/office/drawing/2010/main" val="0"/>
+              </a:ext>
+            </a:extLst>
+          </a:blip>
+          <a:srcRect/>
+          <a:stretch>
+            <a:fillRect/>
+          </a:stretch>
+        </p:blipFill>
+        <p:spPr bwMode="auto">
+          <a:xfrm>
+            <a:off x="34084936" y="24946820"/>
+            <a:ext cx="1500464" cy="1875580"/>
+          </a:xfrm>
+          <a:prstGeom prst="rect">
+            <a:avLst/>
+          </a:prstGeom>
+          <a:noFill/>
+          <a:extLst>
+            <a:ext uri="{909E8E84-426E-40DD-AFC4-6F175D3DCCD1}">
+              <a14:hiddenFill xmlns:a14="http://schemas.microsoft.com/office/drawing/2010/main">
+                <a:solidFill>
+                  <a:srgbClr val="FFFFFF"/>
+                </a:solidFill>
+              </a14:hiddenFill>
+            </a:ext>
+          </a:extLst>
+        </p:spPr>
+      </p:pic>
+      <p:pic>
+        <p:nvPicPr>
+          <p:cNvPr id="1030" name="Picture 6">
+            <a:extLst>
+              <a:ext uri="{FF2B5EF4-FFF2-40B4-BE49-F238E27FC236}">
+                <a16:creationId xmlns:a16="http://schemas.microsoft.com/office/drawing/2014/main" id="{D0ACA99F-6F47-B417-103C-A43154CF0490}"/>
+              </a:ext>
+            </a:extLst>
+          </p:cNvPr>
+          <p:cNvPicPr>
+            <a:picLocks noChangeAspect="1" noChangeArrowheads="1"/>
+          </p:cNvPicPr>
+          <p:nvPr/>
+        </p:nvPicPr>
+        <p:blipFill>
+          <a:blip r:embed="rId10" cstate="print">
+            <a:extLst>
+              <a:ext uri="{28A0092B-C50C-407E-A947-70E740481C1C}">
+                <a14:useLocalDpi xmlns:a14="http://schemas.microsoft.com/office/drawing/2010/main" val="0"/>
+              </a:ext>
+            </a:extLst>
+          </a:blip>
+          <a:srcRect/>
+          <a:stretch>
+            <a:fillRect/>
+          </a:stretch>
+        </p:blipFill>
+        <p:spPr bwMode="auto">
+          <a:xfrm>
+            <a:off x="29163595" y="25366544"/>
+            <a:ext cx="1303456" cy="1303456"/>
+          </a:xfrm>
+          <a:prstGeom prst="rect">
+            <a:avLst/>
+          </a:prstGeom>
+          <a:noFill/>
+          <a:extLst>
+            <a:ext uri="{909E8E84-426E-40DD-AFC4-6F175D3DCCD1}">
+              <a14:hiddenFill xmlns:a14="http://schemas.microsoft.com/office/drawing/2010/main">
+                <a:solidFill>
+                  <a:srgbClr val="FFFFFF"/>
+                </a:solidFill>
+              </a14:hiddenFill>
+            </a:ext>
+          </a:extLst>
+        </p:spPr>
+      </p:pic>
+      <p:grpSp>
+        <p:nvGrpSpPr>
+          <p:cNvPr id="22" name="Group 21">
+            <a:extLst>
+              <a:ext uri="{FF2B5EF4-FFF2-40B4-BE49-F238E27FC236}">
+                <a16:creationId xmlns:a16="http://schemas.microsoft.com/office/drawing/2014/main" id="{2D164242-A83F-8CA1-3EF6-27684CD9E8BD}"/>
+              </a:ext>
+            </a:extLst>
+          </p:cNvPr>
+          <p:cNvGrpSpPr/>
+          <p:nvPr/>
+        </p:nvGrpSpPr>
+        <p:grpSpPr>
+          <a:xfrm>
+            <a:off x="14325595" y="11653820"/>
+            <a:ext cx="2895600" cy="840060"/>
+            <a:chOff x="19441207" y="12470988"/>
+            <a:chExt cx="3080458" cy="882751"/>
+          </a:xfrm>
+        </p:grpSpPr>
+        <p:sp>
+          <p:nvSpPr>
+            <p:cNvPr id="23" name="Rounded Rectangle 110">
+              <a:extLst>
+                <a:ext uri="{FF2B5EF4-FFF2-40B4-BE49-F238E27FC236}">
+                  <a16:creationId xmlns:a16="http://schemas.microsoft.com/office/drawing/2014/main" id="{C0484831-757C-0AB8-7307-768EB699DA74}"/>
+                </a:ext>
+              </a:extLst>
+            </p:cNvPr>
+            <p:cNvSpPr/>
+            <p:nvPr/>
+          </p:nvSpPr>
+          <p:spPr>
+            <a:xfrm>
+              <a:off x="19441207" y="12470988"/>
+              <a:ext cx="3080458" cy="882751"/>
+            </a:xfrm>
+            <a:prstGeom prst="roundRect">
+              <a:avLst/>
+            </a:prstGeom>
+            <a:solidFill>
+              <a:srgbClr val="002554"/>
+            </a:solidFill>
+            <a:ln>
+              <a:noFill/>
+            </a:ln>
+          </p:spPr>
+          <p:style>
+            <a:lnRef idx="2">
+              <a:schemeClr val="accent1">
+                <a:shade val="50000"/>
+              </a:schemeClr>
+            </a:lnRef>
+            <a:fillRef idx="1">
+              <a:schemeClr val="accent1"/>
+            </a:fillRef>
+            <a:effectRef idx="0">
+              <a:schemeClr val="accent1"/>
+            </a:effectRef>
+            <a:fontRef idx="minor">
+              <a:schemeClr val="lt1"/>
+            </a:fontRef>
+          </p:style>
+          <p:txBody>
+            <a:bodyPr rtlCol="0" anchor="ctr"/>
+            <a:lstStyle/>
+            <a:p>
+              <a:pPr algn="ctr"/>
+              <a:endParaRPr lang="en-US" b="1" dirty="0"/>
+            </a:p>
+          </p:txBody>
+        </p:sp>
+        <p:sp>
+          <p:nvSpPr>
+            <p:cNvPr id="25" name="TextBox 28">
+              <a:extLst>
+                <a:ext uri="{FF2B5EF4-FFF2-40B4-BE49-F238E27FC236}">
+                  <a16:creationId xmlns:a16="http://schemas.microsoft.com/office/drawing/2014/main" id="{FFDD6FFA-A43F-79BD-C203-0D475D5A98F7}"/>
+                </a:ext>
+              </a:extLst>
+            </p:cNvPr>
+            <p:cNvSpPr txBox="1">
+              <a:spLocks noChangeArrowheads="1"/>
+            </p:cNvSpPr>
+            <p:nvPr/>
+          </p:nvSpPr>
+          <p:spPr bwMode="auto">
+            <a:xfrm>
+              <a:off x="19441765" y="12518866"/>
+              <a:ext cx="3079898" cy="680378"/>
+            </a:xfrm>
+            <a:prstGeom prst="rect">
+              <a:avLst/>
+            </a:prstGeom>
+            <a:noFill/>
+            <a:ln>
+              <a:noFill/>
+            </a:ln>
+          </p:spPr>
+          <p:txBody>
+            <a:bodyPr wrap="square" lIns="352655" tIns="176326" rIns="352655" bIns="176326">
+              <a:spAutoFit/>
+            </a:bodyPr>
+            <a:lstStyle>
+              <a:lvl1pPr eaLnBrk="0" hangingPunct="0">
+                <a:defRPr>
+                  <a:solidFill>
+                    <a:schemeClr val="tx1"/>
+                  </a:solidFill>
+                  <a:latin typeface="Arial" charset="0"/>
+                </a:defRPr>
+              </a:lvl1pPr>
+              <a:lvl2pPr marL="742950" indent="-285750" eaLnBrk="0" hangingPunct="0">
+                <a:defRPr>
+                  <a:solidFill>
+                    <a:schemeClr val="tx1"/>
+                  </a:solidFill>
+                  <a:latin typeface="Arial" charset="0"/>
+                </a:defRPr>
+              </a:lvl2pPr>
+              <a:lvl3pPr marL="1143000" indent="-228600" eaLnBrk="0" hangingPunct="0">
+                <a:defRPr>
+                  <a:solidFill>
+                    <a:schemeClr val="tx1"/>
+                  </a:solidFill>
+                  <a:latin typeface="Arial" charset="0"/>
+                </a:defRPr>
+              </a:lvl3pPr>
+              <a:lvl4pPr marL="1600200" indent="-228600" eaLnBrk="0" hangingPunct="0">
+                <a:defRPr>
+                  <a:solidFill>
+                    <a:schemeClr val="tx1"/>
+                  </a:solidFill>
+                  <a:latin typeface="Arial" charset="0"/>
+                </a:defRPr>
+              </a:lvl4pPr>
+              <a:lvl5pPr marL="2057400" indent="-228600" eaLnBrk="0" hangingPunct="0">
+                <a:defRPr>
+                  <a:solidFill>
+                    <a:schemeClr val="tx1"/>
+                  </a:solidFill>
+                  <a:latin typeface="Arial" charset="0"/>
+                </a:defRPr>
+              </a:lvl5pPr>
+              <a:lvl6pPr marL="2514600" indent="-228600" eaLnBrk="0" fontAlgn="base" hangingPunct="0">
+                <a:spcBef>
+                  <a:spcPct val="0"/>
+                </a:spcBef>
+                <a:spcAft>
+                  <a:spcPct val="0"/>
+                </a:spcAft>
+                <a:defRPr>
+                  <a:solidFill>
+                    <a:schemeClr val="tx1"/>
+                  </a:solidFill>
+                  <a:latin typeface="Arial" charset="0"/>
+                </a:defRPr>
+              </a:lvl6pPr>
+              <a:lvl7pPr marL="2971800" indent="-228600" eaLnBrk="0" fontAlgn="base" hangingPunct="0">
+                <a:spcBef>
+                  <a:spcPct val="0"/>
+                </a:spcBef>
+                <a:spcAft>
+                  <a:spcPct val="0"/>
+                </a:spcAft>
+                <a:defRPr>
+                  <a:solidFill>
+                    <a:schemeClr val="tx1"/>
+                  </a:solidFill>
+                  <a:latin typeface="Arial" charset="0"/>
+                </a:defRPr>
+              </a:lvl7pPr>
+              <a:lvl8pPr marL="3429000" indent="-228600" eaLnBrk="0" fontAlgn="base" hangingPunct="0">
+                <a:spcBef>
+                  <a:spcPct val="0"/>
+                </a:spcBef>
+                <a:spcAft>
+                  <a:spcPct val="0"/>
+                </a:spcAft>
+                <a:defRPr>
+                  <a:solidFill>
+                    <a:schemeClr val="tx1"/>
+                  </a:solidFill>
+                  <a:latin typeface="Arial" charset="0"/>
+                </a:defRPr>
+              </a:lvl8pPr>
+              <a:lvl9pPr marL="3886200" indent="-228600" eaLnBrk="0" fontAlgn="base" hangingPunct="0">
+                <a:spcBef>
+                  <a:spcPct val="0"/>
+                </a:spcBef>
+                <a:spcAft>
+                  <a:spcPct val="0"/>
+                </a:spcAft>
+                <a:defRPr>
+                  <a:solidFill>
+                    <a:schemeClr val="tx1"/>
+                  </a:solidFill>
+                  <a:latin typeface="Arial" charset="0"/>
+                </a:defRPr>
+              </a:lvl9pPr>
+            </a:lstStyle>
+            <a:p>
+              <a:pPr algn="ctr" eaLnBrk="1" hangingPunct="1"/>
+              <a:r>
+                <a:rPr lang="en-US" sz="2400" b="1" dirty="0">
+                  <a:solidFill>
+                    <a:schemeClr val="bg1"/>
+                  </a:solidFill>
+                  <a:latin typeface="Gill Sans SemiBold" panose="020B0502020104020203" pitchFamily="34" charset="-79"/>
+                  <a:cs typeface="Gill Sans SemiBold" panose="020B0502020104020203" pitchFamily="34" charset="-79"/>
+                </a:rPr>
+                <a:t>Paper Report</a:t>
+              </a:r>
+            </a:p>
+            <a:p>
+              <a:pPr algn="ctr" eaLnBrk="1" hangingPunct="1"/>
+              <a:endParaRPr lang="en-US" sz="2400" b="1" dirty="0">
+                <a:solidFill>
+                  <a:schemeClr val="bg1"/>
+                </a:solidFill>
+                <a:latin typeface="Gill Sans SemiBold" panose="020B0502020104020203" pitchFamily="34" charset="-79"/>
+                <a:cs typeface="Gill Sans SemiBold" panose="020B0502020104020203" pitchFamily="34" charset="-79"/>
+              </a:endParaRPr>
+            </a:p>
+          </p:txBody>
+        </p:sp>
+      </p:grpSp>
+      <p:sp>
+        <p:nvSpPr>
+          <p:cNvPr id="26" name="Right Arrow 154">
+            <a:extLst>
+              <a:ext uri="{FF2B5EF4-FFF2-40B4-BE49-F238E27FC236}">
+                <a16:creationId xmlns:a16="http://schemas.microsoft.com/office/drawing/2014/main" id="{8B1BBD60-04F8-1CE5-1510-9F103372F6A7}"/>
+              </a:ext>
+            </a:extLst>
+          </p:cNvPr>
+          <p:cNvSpPr/>
+          <p:nvPr/>
+        </p:nvSpPr>
+        <p:spPr>
+          <a:xfrm rot="5400000">
+            <a:off x="13031790" y="12079269"/>
+            <a:ext cx="680985" cy="620033"/>
+          </a:xfrm>
+          <a:prstGeom prst="rightArrow">
+            <a:avLst/>
+          </a:prstGeom>
+          <a:solidFill>
+            <a:srgbClr val="002554"/>
+          </a:solidFill>
+          <a:ln>
+            <a:noFill/>
+          </a:ln>
+        </p:spPr>
+        <p:style>
+          <a:lnRef idx="2">
+            <a:schemeClr val="accent1">
+              <a:shade val="50000"/>
+            </a:schemeClr>
+          </a:lnRef>
+          <a:fillRef idx="1">
+            <a:schemeClr val="accent1"/>
+          </a:fillRef>
+          <a:effectRef idx="0">
+            <a:schemeClr val="accent1"/>
+          </a:effectRef>
+          <a:fontRef idx="minor">
+            <a:schemeClr val="lt1"/>
+          </a:fontRef>
+        </p:style>
+        <p:txBody>
+          <a:bodyPr rtlCol="0" anchor="ctr"/>
+          <a:lstStyle/>
+          <a:p>
+            <a:pPr algn="ctr"/>
+            <a:endParaRPr lang="en-US" dirty="0"/>
+          </a:p>
+        </p:txBody>
+      </p:sp>
+      <p:grpSp>
+        <p:nvGrpSpPr>
+          <p:cNvPr id="29" name="Group 28">
+            <a:extLst>
+              <a:ext uri="{FF2B5EF4-FFF2-40B4-BE49-F238E27FC236}">
+                <a16:creationId xmlns:a16="http://schemas.microsoft.com/office/drawing/2014/main" id="{9CA534D9-70E0-E9C3-EAE0-F3A4A01B062F}"/>
+              </a:ext>
+            </a:extLst>
+          </p:cNvPr>
+          <p:cNvGrpSpPr/>
+          <p:nvPr/>
+        </p:nvGrpSpPr>
+        <p:grpSpPr>
+          <a:xfrm>
+            <a:off x="8839200" y="12007650"/>
+            <a:ext cx="3733807" cy="1509657"/>
+            <a:chOff x="19441207" y="12470988"/>
+            <a:chExt cx="3080465" cy="1586375"/>
+          </a:xfrm>
+        </p:grpSpPr>
+        <p:sp>
+          <p:nvSpPr>
+            <p:cNvPr id="30" name="Rounded Rectangle 110">
+              <a:extLst>
+                <a:ext uri="{FF2B5EF4-FFF2-40B4-BE49-F238E27FC236}">
+                  <a16:creationId xmlns:a16="http://schemas.microsoft.com/office/drawing/2014/main" id="{294CDF1C-E090-08F9-A8D7-12B41FDFCC3D}"/>
+                </a:ext>
+              </a:extLst>
+            </p:cNvPr>
+            <p:cNvSpPr/>
+            <p:nvPr/>
+          </p:nvSpPr>
+          <p:spPr>
+            <a:xfrm>
+              <a:off x="19441207" y="12470988"/>
+              <a:ext cx="3080458" cy="882751"/>
+            </a:xfrm>
+            <a:prstGeom prst="roundRect">
+              <a:avLst/>
+            </a:prstGeom>
+            <a:solidFill>
+              <a:srgbClr val="002554"/>
+            </a:solidFill>
+            <a:ln>
+              <a:noFill/>
+            </a:ln>
+          </p:spPr>
+          <p:style>
+            <a:lnRef idx="2">
+              <a:schemeClr val="accent1">
+                <a:shade val="50000"/>
+              </a:schemeClr>
+            </a:lnRef>
+            <a:fillRef idx="1">
+              <a:schemeClr val="accent1"/>
+            </a:fillRef>
+            <a:effectRef idx="0">
+              <a:schemeClr val="accent1"/>
+            </a:effectRef>
+            <a:fontRef idx="minor">
+              <a:schemeClr val="lt1"/>
+            </a:fontRef>
+          </p:style>
+          <p:txBody>
+            <a:bodyPr rtlCol="0" anchor="ctr"/>
+            <a:lstStyle/>
+            <a:p>
+              <a:pPr algn="ctr"/>
+              <a:endParaRPr lang="en-US" b="1" dirty="0"/>
+            </a:p>
+          </p:txBody>
+        </p:sp>
+        <p:sp>
+          <p:nvSpPr>
+            <p:cNvPr id="31" name="TextBox 28">
+              <a:extLst>
+                <a:ext uri="{FF2B5EF4-FFF2-40B4-BE49-F238E27FC236}">
+                  <a16:creationId xmlns:a16="http://schemas.microsoft.com/office/drawing/2014/main" id="{713653D2-1658-EAAC-71D3-F954FE4C19DD}"/>
+                </a:ext>
+              </a:extLst>
+            </p:cNvPr>
+            <p:cNvSpPr txBox="1">
+              <a:spLocks noChangeArrowheads="1"/>
+            </p:cNvSpPr>
+            <p:nvPr/>
+          </p:nvSpPr>
+          <p:spPr bwMode="auto">
+            <a:xfrm>
+              <a:off x="19441774" y="12518869"/>
+              <a:ext cx="3079898" cy="1538494"/>
+            </a:xfrm>
+            <a:prstGeom prst="rect">
+              <a:avLst/>
+            </a:prstGeom>
+            <a:noFill/>
+            <a:ln>
+              <a:noFill/>
+            </a:ln>
+          </p:spPr>
+          <p:txBody>
+            <a:bodyPr wrap="square" lIns="352655" tIns="176326" rIns="352655" bIns="176326">
+              <a:spAutoFit/>
+            </a:bodyPr>
+            <a:lstStyle>
+              <a:lvl1pPr eaLnBrk="0" hangingPunct="0">
+                <a:defRPr>
+                  <a:solidFill>
+                    <a:schemeClr val="tx1"/>
+                  </a:solidFill>
+                  <a:latin typeface="Arial" charset="0"/>
+                </a:defRPr>
+              </a:lvl1pPr>
+              <a:lvl2pPr marL="742950" indent="-285750" eaLnBrk="0" hangingPunct="0">
+                <a:defRPr>
+                  <a:solidFill>
+                    <a:schemeClr val="tx1"/>
+                  </a:solidFill>
+                  <a:latin typeface="Arial" charset="0"/>
+                </a:defRPr>
+              </a:lvl2pPr>
+              <a:lvl3pPr marL="1143000" indent="-228600" eaLnBrk="0" hangingPunct="0">
+                <a:defRPr>
+                  <a:solidFill>
+                    <a:schemeClr val="tx1"/>
+                  </a:solidFill>
+                  <a:latin typeface="Arial" charset="0"/>
+                </a:defRPr>
+              </a:lvl3pPr>
+              <a:lvl4pPr marL="1600200" indent="-228600" eaLnBrk="0" hangingPunct="0">
+                <a:defRPr>
+                  <a:solidFill>
+                    <a:schemeClr val="tx1"/>
+                  </a:solidFill>
+                  <a:latin typeface="Arial" charset="0"/>
+                </a:defRPr>
+              </a:lvl4pPr>
+              <a:lvl5pPr marL="2057400" indent="-228600" eaLnBrk="0" hangingPunct="0">
+                <a:defRPr>
+                  <a:solidFill>
+                    <a:schemeClr val="tx1"/>
+                  </a:solidFill>
+                  <a:latin typeface="Arial" charset="0"/>
+                </a:defRPr>
+              </a:lvl5pPr>
+              <a:lvl6pPr marL="2514600" indent="-228600" eaLnBrk="0" fontAlgn="base" hangingPunct="0">
+                <a:spcBef>
+                  <a:spcPct val="0"/>
+                </a:spcBef>
+                <a:spcAft>
+                  <a:spcPct val="0"/>
+                </a:spcAft>
+                <a:defRPr>
+                  <a:solidFill>
+                    <a:schemeClr val="tx1"/>
+                  </a:solidFill>
+                  <a:latin typeface="Arial" charset="0"/>
+                </a:defRPr>
+              </a:lvl6pPr>
+              <a:lvl7pPr marL="2971800" indent="-228600" eaLnBrk="0" fontAlgn="base" hangingPunct="0">
+                <a:spcBef>
+                  <a:spcPct val="0"/>
+                </a:spcBef>
+                <a:spcAft>
+                  <a:spcPct val="0"/>
+                </a:spcAft>
+                <a:defRPr>
+                  <a:solidFill>
+                    <a:schemeClr val="tx1"/>
+                  </a:solidFill>
+                  <a:latin typeface="Arial" charset="0"/>
+                </a:defRPr>
+              </a:lvl7pPr>
+              <a:lvl8pPr marL="3429000" indent="-228600" eaLnBrk="0" fontAlgn="base" hangingPunct="0">
+                <a:spcBef>
+                  <a:spcPct val="0"/>
+                </a:spcBef>
+                <a:spcAft>
+                  <a:spcPct val="0"/>
+                </a:spcAft>
+                <a:defRPr>
+                  <a:solidFill>
+                    <a:schemeClr val="tx1"/>
+                  </a:solidFill>
+                  <a:latin typeface="Arial" charset="0"/>
+                </a:defRPr>
+              </a:lvl8pPr>
+              <a:lvl9pPr marL="3886200" indent="-228600" eaLnBrk="0" fontAlgn="base" hangingPunct="0">
+                <a:spcBef>
+                  <a:spcPct val="0"/>
+                </a:spcBef>
+                <a:spcAft>
+                  <a:spcPct val="0"/>
+                </a:spcAft>
+                <a:defRPr>
+                  <a:solidFill>
+                    <a:schemeClr val="tx1"/>
+                  </a:solidFill>
+                  <a:latin typeface="Arial" charset="0"/>
+                </a:defRPr>
+              </a:lvl9pPr>
+            </a:lstStyle>
+            <a:p>
+              <a:pPr algn="ctr" eaLnBrk="1" hangingPunct="1"/>
+              <a:r>
+                <a:rPr lang="en-US" sz="2400" b="1" dirty="0">
+                  <a:solidFill>
+                    <a:schemeClr val="bg1"/>
+                  </a:solidFill>
+                  <a:latin typeface="Gill Sans SemiBold" panose="020B0502020104020203" pitchFamily="34" charset="-79"/>
+                  <a:cs typeface="Gill Sans SemiBold" panose="020B0502020104020203" pitchFamily="34" charset="-79"/>
+                </a:rPr>
+                <a:t>Radio Transmission</a:t>
+              </a:r>
+            </a:p>
+            <a:p>
+              <a:pPr algn="ctr" eaLnBrk="1" hangingPunct="1"/>
+              <a:endParaRPr lang="en-US" sz="2400" b="1" dirty="0">
+                <a:solidFill>
+                  <a:schemeClr val="bg1"/>
+                </a:solidFill>
+                <a:latin typeface="Gill Sans SemiBold" panose="020B0502020104020203" pitchFamily="34" charset="-79"/>
+                <a:cs typeface="Gill Sans SemiBold" panose="020B0502020104020203" pitchFamily="34" charset="-79"/>
+              </a:endParaRPr>
+            </a:p>
+          </p:txBody>
+        </p:sp>
+      </p:grpSp>
+      <p:sp>
+        <p:nvSpPr>
+          <p:cNvPr id="32" name="Right Arrow 154">
+            <a:extLst>
+              <a:ext uri="{FF2B5EF4-FFF2-40B4-BE49-F238E27FC236}">
+                <a16:creationId xmlns:a16="http://schemas.microsoft.com/office/drawing/2014/main" id="{8A578BB8-3B25-E3CC-1BBE-706A2929860D}"/>
+              </a:ext>
+            </a:extLst>
+          </p:cNvPr>
+          <p:cNvSpPr/>
+          <p:nvPr/>
+        </p:nvSpPr>
+        <p:spPr>
+          <a:xfrm rot="5400000">
+            <a:off x="6446515" y="11931462"/>
+            <a:ext cx="680985" cy="620033"/>
+          </a:xfrm>
+          <a:prstGeom prst="rightArrow">
+            <a:avLst/>
+          </a:prstGeom>
+          <a:solidFill>
+            <a:srgbClr val="002554"/>
+          </a:solidFill>
+          <a:ln>
+            <a:noFill/>
+          </a:ln>
+        </p:spPr>
+        <p:style>
+          <a:lnRef idx="2">
+            <a:schemeClr val="accent1">
+              <a:shade val="50000"/>
+            </a:schemeClr>
+          </a:lnRef>
+          <a:fillRef idx="1">
+            <a:schemeClr val="accent1"/>
+          </a:fillRef>
+          <a:effectRef idx="0">
+            <a:schemeClr val="accent1"/>
+          </a:effectRef>
+          <a:fontRef idx="minor">
+            <a:schemeClr val="lt1"/>
+          </a:fontRef>
+        </p:style>
+        <p:txBody>
+          <a:bodyPr rtlCol="0" anchor="ctr"/>
+          <a:lstStyle/>
+          <a:p>
+            <a:pPr algn="ctr"/>
+            <a:endParaRPr lang="en-US" dirty="0"/>
+          </a:p>
+        </p:txBody>
+      </p:sp>
+      <p:grpSp>
+        <p:nvGrpSpPr>
+          <p:cNvPr id="36" name="Group 35">
+            <a:extLst>
+              <a:ext uri="{FF2B5EF4-FFF2-40B4-BE49-F238E27FC236}">
+                <a16:creationId xmlns:a16="http://schemas.microsoft.com/office/drawing/2014/main" id="{CC692C06-25CC-CB18-A29E-53D40CDE22F1}"/>
+              </a:ext>
+            </a:extLst>
+          </p:cNvPr>
+          <p:cNvGrpSpPr/>
+          <p:nvPr/>
+        </p:nvGrpSpPr>
+        <p:grpSpPr>
+          <a:xfrm>
+            <a:off x="17050069" y="11671315"/>
+            <a:ext cx="3733798" cy="1140326"/>
+            <a:chOff x="19441207" y="12470988"/>
+            <a:chExt cx="3080458" cy="1198276"/>
+          </a:xfrm>
+        </p:grpSpPr>
+        <p:sp>
+          <p:nvSpPr>
+            <p:cNvPr id="38" name="Rounded Rectangle 110">
+              <a:extLst>
+                <a:ext uri="{FF2B5EF4-FFF2-40B4-BE49-F238E27FC236}">
+                  <a16:creationId xmlns:a16="http://schemas.microsoft.com/office/drawing/2014/main" id="{33ECEC50-691D-DE7D-FCB4-B5788B78850B}"/>
+                </a:ext>
+              </a:extLst>
+            </p:cNvPr>
+            <p:cNvSpPr/>
+            <p:nvPr/>
+          </p:nvSpPr>
+          <p:spPr>
+            <a:xfrm>
+              <a:off x="19441207" y="12470988"/>
+              <a:ext cx="3080458" cy="882751"/>
+            </a:xfrm>
+            <a:prstGeom prst="roundRect">
+              <a:avLst/>
+            </a:prstGeom>
+            <a:solidFill>
+              <a:srgbClr val="002554"/>
+            </a:solidFill>
+            <a:ln>
+              <a:noFill/>
+            </a:ln>
+          </p:spPr>
+          <p:style>
+            <a:lnRef idx="2">
+              <a:schemeClr val="accent1">
+                <a:shade val="50000"/>
+              </a:schemeClr>
+            </a:lnRef>
+            <a:fillRef idx="1">
+              <a:schemeClr val="accent1"/>
+            </a:fillRef>
+            <a:effectRef idx="0">
+              <a:schemeClr val="accent1"/>
+            </a:effectRef>
+            <a:fontRef idx="minor">
+              <a:schemeClr val="lt1"/>
+            </a:fontRef>
+          </p:style>
+          <p:txBody>
+            <a:bodyPr rtlCol="0" anchor="ctr"/>
+            <a:lstStyle/>
+            <a:p>
+              <a:pPr algn="ctr"/>
+              <a:endParaRPr lang="en-US" b="1" dirty="0"/>
+            </a:p>
+          </p:txBody>
+        </p:sp>
+        <p:sp>
+          <p:nvSpPr>
+            <p:cNvPr id="39" name="TextBox 28">
+              <a:extLst>
+                <a:ext uri="{FF2B5EF4-FFF2-40B4-BE49-F238E27FC236}">
+                  <a16:creationId xmlns:a16="http://schemas.microsoft.com/office/drawing/2014/main" id="{8ED381DC-2BFD-91AC-8B77-E7A961F3A22D}"/>
+                </a:ext>
+              </a:extLst>
+            </p:cNvPr>
+            <p:cNvSpPr txBox="1">
+              <a:spLocks noChangeArrowheads="1"/>
+            </p:cNvSpPr>
+            <p:nvPr/>
+          </p:nvSpPr>
+          <p:spPr bwMode="auto">
+            <a:xfrm>
+              <a:off x="19441214" y="12518870"/>
+              <a:ext cx="3079898" cy="1150394"/>
+            </a:xfrm>
+            <a:prstGeom prst="rect">
+              <a:avLst/>
+            </a:prstGeom>
+            <a:noFill/>
+            <a:ln>
+              <a:noFill/>
+            </a:ln>
+          </p:spPr>
+          <p:txBody>
+            <a:bodyPr wrap="square" lIns="352655" tIns="176326" rIns="352655" bIns="176326">
+              <a:spAutoFit/>
+            </a:bodyPr>
+            <a:lstStyle>
+              <a:lvl1pPr eaLnBrk="0" hangingPunct="0">
+                <a:defRPr>
+                  <a:solidFill>
+                    <a:schemeClr val="tx1"/>
+                  </a:solidFill>
+                  <a:latin typeface="Arial" charset="0"/>
+                </a:defRPr>
+              </a:lvl1pPr>
+              <a:lvl2pPr marL="742950" indent="-285750" eaLnBrk="0" hangingPunct="0">
+                <a:defRPr>
+                  <a:solidFill>
+                    <a:schemeClr val="tx1"/>
+                  </a:solidFill>
+                  <a:latin typeface="Arial" charset="0"/>
+                </a:defRPr>
+              </a:lvl2pPr>
+              <a:lvl3pPr marL="1143000" indent="-228600" eaLnBrk="0" hangingPunct="0">
+                <a:defRPr>
+                  <a:solidFill>
+                    <a:schemeClr val="tx1"/>
+                  </a:solidFill>
+                  <a:latin typeface="Arial" charset="0"/>
+                </a:defRPr>
+              </a:lvl3pPr>
+              <a:lvl4pPr marL="1600200" indent="-228600" eaLnBrk="0" hangingPunct="0">
+                <a:defRPr>
+                  <a:solidFill>
+                    <a:schemeClr val="tx1"/>
+                  </a:solidFill>
+                  <a:latin typeface="Arial" charset="0"/>
+                </a:defRPr>
+              </a:lvl4pPr>
+              <a:lvl5pPr marL="2057400" indent="-228600" eaLnBrk="0" hangingPunct="0">
+                <a:defRPr>
+                  <a:solidFill>
+                    <a:schemeClr val="tx1"/>
+                  </a:solidFill>
+                  <a:latin typeface="Arial" charset="0"/>
+                </a:defRPr>
+              </a:lvl5pPr>
+              <a:lvl6pPr marL="2514600" indent="-228600" eaLnBrk="0" fontAlgn="base" hangingPunct="0">
+                <a:spcBef>
+                  <a:spcPct val="0"/>
+                </a:spcBef>
+                <a:spcAft>
+                  <a:spcPct val="0"/>
+                </a:spcAft>
+                <a:defRPr>
+                  <a:solidFill>
+                    <a:schemeClr val="tx1"/>
+                  </a:solidFill>
+                  <a:latin typeface="Arial" charset="0"/>
+                </a:defRPr>
+              </a:lvl6pPr>
+              <a:lvl7pPr marL="2971800" indent="-228600" eaLnBrk="0" fontAlgn="base" hangingPunct="0">
+                <a:spcBef>
+                  <a:spcPct val="0"/>
+                </a:spcBef>
+                <a:spcAft>
+                  <a:spcPct val="0"/>
+                </a:spcAft>
+                <a:defRPr>
+                  <a:solidFill>
+                    <a:schemeClr val="tx1"/>
+                  </a:solidFill>
+                  <a:latin typeface="Arial" charset="0"/>
+                </a:defRPr>
+              </a:lvl7pPr>
+              <a:lvl8pPr marL="3429000" indent="-228600" eaLnBrk="0" fontAlgn="base" hangingPunct="0">
+                <a:spcBef>
+                  <a:spcPct val="0"/>
+                </a:spcBef>
+                <a:spcAft>
+                  <a:spcPct val="0"/>
+                </a:spcAft>
+                <a:defRPr>
+                  <a:solidFill>
+                    <a:schemeClr val="tx1"/>
+                  </a:solidFill>
+                  <a:latin typeface="Arial" charset="0"/>
+                </a:defRPr>
+              </a:lvl8pPr>
+              <a:lvl9pPr marL="3886200" indent="-228600" eaLnBrk="0" fontAlgn="base" hangingPunct="0">
+                <a:spcBef>
+                  <a:spcPct val="0"/>
+                </a:spcBef>
+                <a:spcAft>
+                  <a:spcPct val="0"/>
+                </a:spcAft>
+                <a:defRPr>
+                  <a:solidFill>
+                    <a:schemeClr val="tx1"/>
+                  </a:solidFill>
+                  <a:latin typeface="Arial" charset="0"/>
+                </a:defRPr>
+              </a:lvl9pPr>
+            </a:lstStyle>
+            <a:p>
+              <a:pPr algn="ctr" eaLnBrk="1" hangingPunct="1"/>
+              <a:r>
+                <a:rPr lang="en-US" sz="2400" b="1" dirty="0">
+                  <a:solidFill>
+                    <a:schemeClr val="bg1"/>
+                  </a:solidFill>
+                  <a:latin typeface="Gill Sans SemiBold" panose="020B0502020104020203" pitchFamily="34" charset="-79"/>
+                  <a:cs typeface="Gill Sans SemiBold" panose="020B0502020104020203" pitchFamily="34" charset="-79"/>
+                </a:rPr>
+                <a:t>Input to Interface</a:t>
+              </a:r>
+            </a:p>
+            <a:p>
+              <a:pPr algn="ctr" eaLnBrk="1" hangingPunct="1"/>
+              <a:endParaRPr lang="en-US" sz="2400" b="1" dirty="0">
+                <a:solidFill>
+                  <a:schemeClr val="bg1"/>
+                </a:solidFill>
+                <a:latin typeface="Gill Sans SemiBold" panose="020B0502020104020203" pitchFamily="34" charset="-79"/>
+                <a:cs typeface="Gill Sans SemiBold" panose="020B0502020104020203" pitchFamily="34" charset="-79"/>
+              </a:endParaRPr>
+            </a:p>
+          </p:txBody>
+        </p:sp>
+      </p:grpSp>
+      <p:pic>
+        <p:nvPicPr>
+          <p:cNvPr id="1038" name="Picture 14">
+            <a:extLst>
+              <a:ext uri="{FF2B5EF4-FFF2-40B4-BE49-F238E27FC236}">
+                <a16:creationId xmlns:a16="http://schemas.microsoft.com/office/drawing/2014/main" id="{2B918E07-8E35-B3B4-7ACC-11B15DE98CCF}"/>
+              </a:ext>
+            </a:extLst>
+          </p:cNvPr>
+          <p:cNvPicPr>
+            <a:picLocks noChangeAspect="1" noChangeArrowheads="1"/>
+          </p:cNvPicPr>
+          <p:nvPr/>
+        </p:nvPicPr>
+        <p:blipFill>
+          <a:blip r:embed="rId11">
+            <a:extLst>
+              <a:ext uri="{28A0092B-C50C-407E-A947-70E740481C1C}">
+                <a14:useLocalDpi xmlns:a14="http://schemas.microsoft.com/office/drawing/2010/main" val="0"/>
+              </a:ext>
+            </a:extLst>
+          </a:blip>
+          <a:srcRect/>
+          <a:stretch>
+            <a:fillRect/>
+          </a:stretch>
+        </p:blipFill>
+        <p:spPr bwMode="auto">
+          <a:xfrm>
+            <a:off x="23668901" y="6922988"/>
+            <a:ext cx="209550" cy="295275"/>
+          </a:xfrm>
+          <a:prstGeom prst="rect">
+            <a:avLst/>
+          </a:prstGeom>
+          <a:noFill/>
+          <a:extLst>
+            <a:ext uri="{909E8E84-426E-40DD-AFC4-6F175D3DCCD1}">
+              <a14:hiddenFill xmlns:a14="http://schemas.microsoft.com/office/drawing/2010/main">
+                <a:solidFill>
+                  <a:srgbClr val="FFFFFF"/>
+                </a:solidFill>
+              </a14:hiddenFill>
+            </a:ext>
+          </a:extLst>
+        </p:spPr>
+      </p:pic>
+      <p:sp>
+        <p:nvSpPr>
+          <p:cNvPr id="4122" name="Text Box 24">
+            <a:extLst>
+              <a:ext uri="{FF2B5EF4-FFF2-40B4-BE49-F238E27FC236}">
+                <a16:creationId xmlns:a16="http://schemas.microsoft.com/office/drawing/2014/main" id="{4724B896-7C68-2849-57E3-6A868506961D}"/>
+              </a:ext>
+            </a:extLst>
+          </p:cNvPr>
+          <p:cNvSpPr txBox="1">
+            <a:spLocks noChangeArrowheads="1"/>
+          </p:cNvSpPr>
+          <p:nvPr/>
+        </p:nvSpPr>
+        <p:spPr bwMode="auto">
+          <a:xfrm>
+            <a:off x="22332774" y="7240773"/>
+            <a:ext cx="13551249" cy="1741129"/>
+          </a:xfrm>
+          <a:prstGeom prst="rect">
+            <a:avLst/>
+          </a:prstGeom>
+          <a:noFill/>
+          <a:ln>
+            <a:noFill/>
+          </a:ln>
+          <a:effectLst/>
+          <a:extLst>
+            <a:ext uri="{909E8E84-426E-40DD-AFC4-6F175D3DCCD1}">
+              <a14:hiddenFill xmlns:a14="http://schemas.microsoft.com/office/drawing/2010/main">
+                <a:solidFill>
+                  <a:schemeClr val="accent1"/>
+                </a:solidFill>
+              </a14:hiddenFill>
+            </a:ext>
+            <a:ext uri="{91240B29-F687-4F45-9708-019B960494DF}">
+              <a14:hiddenLine xmlns:a14="http://schemas.microsoft.com/office/drawing/2010/main" w="9525">
+                <a:solidFill>
+                  <a:schemeClr val="tx1"/>
+                </a:solidFill>
+                <a:miter lim="800000"/>
+                <a:headEnd/>
+                <a:tailEnd/>
+              </a14:hiddenLine>
+            </a:ext>
+            <a:ext uri="{AF507438-7753-43E0-B8FC-AC1667EBCBE1}">
+              <a14:hiddenEffects xmlns:a14="http://schemas.microsoft.com/office/drawing/2010/main">
+                <a:effectLst>
+                  <a:outerShdw dist="35921" dir="2700000" algn="ctr" rotWithShape="0">
+                    <a:schemeClr val="bg2"/>
+                  </a:outerShdw>
+                </a:effectLst>
+              </a14:hiddenEffects>
+            </a:ext>
+          </a:extLst>
+        </p:spPr>
+        <p:txBody>
+          <a:bodyPr wrap="square" lIns="352689" tIns="176345" rIns="352689" bIns="176345">
+            <a:spAutoFit/>
+          </a:bodyPr>
+          <a:lstStyle>
+            <a:lvl1pPr eaLnBrk="0" hangingPunct="0">
+              <a:defRPr>
+                <a:solidFill>
+                  <a:schemeClr val="tx1"/>
+                </a:solidFill>
+                <a:latin typeface="Arial" charset="0"/>
+              </a:defRPr>
+            </a:lvl1pPr>
+            <a:lvl2pPr marL="742950" indent="-285750" eaLnBrk="0" hangingPunct="0">
+              <a:defRPr>
+                <a:solidFill>
+                  <a:schemeClr val="tx1"/>
+                </a:solidFill>
+                <a:latin typeface="Arial" charset="0"/>
+              </a:defRPr>
+            </a:lvl2pPr>
+            <a:lvl3pPr marL="1143000" indent="-228600" eaLnBrk="0" hangingPunct="0">
+              <a:defRPr>
+                <a:solidFill>
+                  <a:schemeClr val="tx1"/>
+                </a:solidFill>
+                <a:latin typeface="Arial" charset="0"/>
+              </a:defRPr>
+            </a:lvl3pPr>
+            <a:lvl4pPr marL="1600200" indent="-228600" eaLnBrk="0" hangingPunct="0">
+              <a:defRPr>
+                <a:solidFill>
+                  <a:schemeClr val="tx1"/>
+                </a:solidFill>
+                <a:latin typeface="Arial" charset="0"/>
+              </a:defRPr>
+            </a:lvl4pPr>
+            <a:lvl5pPr marL="2057400" indent="-228600" eaLnBrk="0" hangingPunct="0">
+              <a:defRPr>
+                <a:solidFill>
+                  <a:schemeClr val="tx1"/>
+                </a:solidFill>
+                <a:latin typeface="Arial" charset="0"/>
+              </a:defRPr>
+            </a:lvl5pPr>
+            <a:lvl6pPr marL="2514600" indent="-228600" eaLnBrk="0" fontAlgn="base" hangingPunct="0">
+              <a:spcBef>
+                <a:spcPct val="0"/>
+              </a:spcBef>
+              <a:spcAft>
+                <a:spcPct val="0"/>
+              </a:spcAft>
+              <a:defRPr>
+                <a:solidFill>
+                  <a:schemeClr val="tx1"/>
+                </a:solidFill>
+                <a:latin typeface="Arial" charset="0"/>
+              </a:defRPr>
+            </a:lvl6pPr>
+            <a:lvl7pPr marL="2971800" indent="-228600" eaLnBrk="0" fontAlgn="base" hangingPunct="0">
+              <a:spcBef>
+                <a:spcPct val="0"/>
+              </a:spcBef>
+              <a:spcAft>
+                <a:spcPct val="0"/>
+              </a:spcAft>
+              <a:defRPr>
+                <a:solidFill>
+                  <a:schemeClr val="tx1"/>
+                </a:solidFill>
+                <a:latin typeface="Arial" charset="0"/>
+              </a:defRPr>
+            </a:lvl7pPr>
+            <a:lvl8pPr marL="3429000" indent="-228600" eaLnBrk="0" fontAlgn="base" hangingPunct="0">
+              <a:spcBef>
+                <a:spcPct val="0"/>
+              </a:spcBef>
+              <a:spcAft>
+                <a:spcPct val="0"/>
+              </a:spcAft>
+              <a:defRPr>
+                <a:solidFill>
+                  <a:schemeClr val="tx1"/>
+                </a:solidFill>
+                <a:latin typeface="Arial" charset="0"/>
+              </a:defRPr>
+            </a:lvl8pPr>
+            <a:lvl9pPr marL="3886200" indent="-228600" eaLnBrk="0" fontAlgn="base" hangingPunct="0">
+              <a:spcBef>
+                <a:spcPct val="0"/>
+              </a:spcBef>
+              <a:spcAft>
+                <a:spcPct val="0"/>
+              </a:spcAft>
+              <a:defRPr>
+                <a:solidFill>
+                  <a:schemeClr val="tx1"/>
+                </a:solidFill>
+                <a:latin typeface="Arial" charset="0"/>
+              </a:defRPr>
+            </a:lvl9pPr>
+          </a:lstStyle>
+          <a:p>
+            <a:pPr eaLnBrk="1" hangingPunct="1">
+              <a:spcBef>
+                <a:spcPct val="50000"/>
+              </a:spcBef>
+            </a:pPr>
+            <a:r>
+              <a:rPr lang="en-US" sz="3000" dirty="0">
+                <a:solidFill>
+                  <a:srgbClr val="000000"/>
+                </a:solidFill>
+                <a:latin typeface="Garamond" panose="02020404030301010803" pitchFamily="18" charset="0"/>
+                <a:cs typeface="Gill Sans" panose="020B0502020104020203" pitchFamily="34" charset="-79"/>
+              </a:rPr>
+              <a:t>Each laptop is equipped with LoRa technology such that each laptop acts as router in the network and can send and receive data which enables communication across multiple nodes in a decentralized fashion. </a:t>
+            </a:r>
+          </a:p>
+        </p:txBody>
+      </p:sp>
+      <p:sp>
+        <p:nvSpPr>
+          <p:cNvPr id="3" name="Rectangle 2">
+            <a:extLst>
+              <a:ext uri="{FF2B5EF4-FFF2-40B4-BE49-F238E27FC236}">
+                <a16:creationId xmlns:a16="http://schemas.microsoft.com/office/drawing/2014/main" id="{EBD2AAF4-E678-1A5B-0459-1E4A545395BA}"/>
+              </a:ext>
+            </a:extLst>
+          </p:cNvPr>
+          <p:cNvSpPr/>
+          <p:nvPr/>
+        </p:nvSpPr>
+        <p:spPr>
+          <a:xfrm>
+            <a:off x="444128" y="21832375"/>
+            <a:ext cx="21443248" cy="5307589"/>
+          </a:xfrm>
+          <a:prstGeom prst="rect">
+            <a:avLst/>
+          </a:prstGeom>
+          <a:solidFill>
+            <a:schemeClr val="bg1"/>
+          </a:solidFill>
+          <a:ln w="146050">
+            <a:solidFill>
+              <a:srgbClr val="002454"/>
+            </a:solidFill>
+          </a:ln>
+        </p:spPr>
+        <p:style>
+          <a:lnRef idx="2">
+            <a:schemeClr val="accent1"/>
+          </a:lnRef>
+          <a:fillRef idx="1">
+            <a:schemeClr val="lt1"/>
+          </a:fillRef>
+          <a:effectRef idx="0">
+            <a:schemeClr val="accent1"/>
+          </a:effectRef>
+          <a:fontRef idx="minor">
+            <a:schemeClr val="dk1"/>
+          </a:fontRef>
+        </p:style>
+        <p:txBody>
+          <a:bodyPr rtlCol="0" anchor="ctr"/>
+          <a:lstStyle/>
+          <a:p>
+            <a:pPr algn="ctr"/>
+            <a:r>
+              <a:rPr lang="en-US" b="0" dirty="0">
+                <a:effectLst/>
+              </a:rPr>
+              <a:t> </a:t>
+            </a:r>
+            <a:endParaRPr lang="en-US" dirty="0"/>
+          </a:p>
+        </p:txBody>
+      </p:sp>
+      <p:sp>
+        <p:nvSpPr>
+          <p:cNvPr id="4" name="TextBox 20">
+            <a:extLst>
+              <a:ext uri="{FF2B5EF4-FFF2-40B4-BE49-F238E27FC236}">
+                <a16:creationId xmlns:a16="http://schemas.microsoft.com/office/drawing/2014/main" id="{7DE17BB2-DBCE-0A83-BAA8-7AA399359122}"/>
+              </a:ext>
+            </a:extLst>
+          </p:cNvPr>
+          <p:cNvSpPr txBox="1">
+            <a:spLocks noChangeArrowheads="1"/>
+          </p:cNvSpPr>
+          <p:nvPr/>
+        </p:nvSpPr>
+        <p:spPr bwMode="auto">
+          <a:xfrm>
+            <a:off x="444128" y="21902381"/>
+            <a:ext cx="21451485" cy="1279426"/>
+          </a:xfrm>
+          <a:prstGeom prst="rect">
+            <a:avLst/>
+          </a:prstGeom>
+          <a:noFill/>
+          <a:ln>
+            <a:noFill/>
+          </a:ln>
+          <a:extLst>
+            <a:ext uri="{909E8E84-426E-40DD-AFC4-6F175D3DCCD1}">
+              <a14:hiddenFill xmlns:a14="http://schemas.microsoft.com/office/drawing/2010/main">
+                <a:solidFill>
+                  <a:srgbClr val="FFFFFF"/>
+                </a:solidFill>
+              </a14:hiddenFill>
+            </a:ext>
+            <a:ext uri="{91240B29-F687-4F45-9708-019B960494DF}">
+              <a14:hiddenLine xmlns:a14="http://schemas.microsoft.com/office/drawing/2010/main" w="9525">
+                <a:solidFill>
+                  <a:srgbClr val="000000"/>
+                </a:solidFill>
+                <a:miter lim="800000"/>
+                <a:headEnd/>
+                <a:tailEnd/>
+              </a14:hiddenLine>
+            </a:ext>
+          </a:extLst>
+        </p:spPr>
+        <p:txBody>
+          <a:bodyPr wrap="square" lIns="352655" tIns="176326" rIns="352655" bIns="176326">
+            <a:spAutoFit/>
+          </a:bodyPr>
+          <a:lstStyle>
+            <a:lvl1pPr eaLnBrk="0" hangingPunct="0">
+              <a:defRPr>
+                <a:solidFill>
+                  <a:schemeClr val="tx1"/>
+                </a:solidFill>
+                <a:latin typeface="Arial" charset="0"/>
+              </a:defRPr>
+            </a:lvl1pPr>
+            <a:lvl2pPr marL="742950" indent="-285750" eaLnBrk="0" hangingPunct="0">
+              <a:defRPr>
+                <a:solidFill>
+                  <a:schemeClr val="tx1"/>
+                </a:solidFill>
+                <a:latin typeface="Arial" charset="0"/>
+              </a:defRPr>
+            </a:lvl2pPr>
+            <a:lvl3pPr marL="1143000" indent="-228600" eaLnBrk="0" hangingPunct="0">
+              <a:defRPr>
+                <a:solidFill>
+                  <a:schemeClr val="tx1"/>
+                </a:solidFill>
+                <a:latin typeface="Arial" charset="0"/>
+              </a:defRPr>
+            </a:lvl3pPr>
+            <a:lvl4pPr marL="1600200" indent="-228600" eaLnBrk="0" hangingPunct="0">
+              <a:defRPr>
+                <a:solidFill>
+                  <a:schemeClr val="tx1"/>
+                </a:solidFill>
+                <a:latin typeface="Arial" charset="0"/>
+              </a:defRPr>
+            </a:lvl4pPr>
+            <a:lvl5pPr marL="2057400" indent="-228600" eaLnBrk="0" hangingPunct="0">
+              <a:defRPr>
+                <a:solidFill>
+                  <a:schemeClr val="tx1"/>
+                </a:solidFill>
+                <a:latin typeface="Arial" charset="0"/>
+              </a:defRPr>
+            </a:lvl5pPr>
+            <a:lvl6pPr marL="2514600" indent="-228600" eaLnBrk="0" fontAlgn="base" hangingPunct="0">
+              <a:spcBef>
+                <a:spcPct val="0"/>
+              </a:spcBef>
+              <a:spcAft>
+                <a:spcPct val="0"/>
+              </a:spcAft>
+              <a:defRPr>
+                <a:solidFill>
+                  <a:schemeClr val="tx1"/>
+                </a:solidFill>
+                <a:latin typeface="Arial" charset="0"/>
+              </a:defRPr>
+            </a:lvl6pPr>
+            <a:lvl7pPr marL="2971800" indent="-228600" eaLnBrk="0" fontAlgn="base" hangingPunct="0">
+              <a:spcBef>
+                <a:spcPct val="0"/>
+              </a:spcBef>
+              <a:spcAft>
+                <a:spcPct val="0"/>
+              </a:spcAft>
+              <a:defRPr>
+                <a:solidFill>
+                  <a:schemeClr val="tx1"/>
+                </a:solidFill>
+                <a:latin typeface="Arial" charset="0"/>
+              </a:defRPr>
+            </a:lvl7pPr>
+            <a:lvl8pPr marL="3429000" indent="-228600" eaLnBrk="0" fontAlgn="base" hangingPunct="0">
+              <a:spcBef>
+                <a:spcPct val="0"/>
+              </a:spcBef>
+              <a:spcAft>
+                <a:spcPct val="0"/>
+              </a:spcAft>
+              <a:defRPr>
+                <a:solidFill>
+                  <a:schemeClr val="tx1"/>
+                </a:solidFill>
+                <a:latin typeface="Arial" charset="0"/>
+              </a:defRPr>
+            </a:lvl8pPr>
+            <a:lvl9pPr marL="3886200" indent="-228600" eaLnBrk="0" fontAlgn="base" hangingPunct="0">
+              <a:spcBef>
+                <a:spcPct val="0"/>
+              </a:spcBef>
+              <a:spcAft>
+                <a:spcPct val="0"/>
+              </a:spcAft>
+              <a:defRPr>
+                <a:solidFill>
+                  <a:schemeClr val="tx1"/>
+                </a:solidFill>
+                <a:latin typeface="Arial" charset="0"/>
+              </a:defRPr>
+            </a:lvl9pPr>
+          </a:lstStyle>
+          <a:p>
+            <a:pPr algn="ctr" eaLnBrk="1" hangingPunct="1"/>
+            <a:r>
+              <a:rPr lang="en-US" sz="6000" b="1" dirty="0">
+                <a:latin typeface="Gill Sans" panose="020B0502020104020203" pitchFamily="34" charset="-79"/>
+                <a:cs typeface="Gill Sans" panose="020B0502020104020203" pitchFamily="34" charset="-79"/>
+              </a:rPr>
+              <a:t>Solution</a:t>
+            </a:r>
+          </a:p>
+        </p:txBody>
+      </p:sp>
+      <p:sp>
+        <p:nvSpPr>
+          <p:cNvPr id="6" name="Text Box 24">
+            <a:extLst>
+              <a:ext uri="{FF2B5EF4-FFF2-40B4-BE49-F238E27FC236}">
+                <a16:creationId xmlns:a16="http://schemas.microsoft.com/office/drawing/2014/main" id="{144BA515-D42A-44C1-F4AF-52E7F689186D}"/>
+              </a:ext>
+            </a:extLst>
+          </p:cNvPr>
+          <p:cNvSpPr txBox="1">
+            <a:spLocks noChangeArrowheads="1"/>
+          </p:cNvSpPr>
+          <p:nvPr/>
+        </p:nvSpPr>
+        <p:spPr bwMode="auto">
+          <a:xfrm>
+            <a:off x="433501" y="22849753"/>
+            <a:ext cx="21451485" cy="3356956"/>
+          </a:xfrm>
+          <a:prstGeom prst="rect">
+            <a:avLst/>
+          </a:prstGeom>
+          <a:noFill/>
+          <a:ln>
+            <a:noFill/>
+          </a:ln>
+          <a:effectLst/>
+          <a:extLst>
+            <a:ext uri="{909E8E84-426E-40DD-AFC4-6F175D3DCCD1}">
+              <a14:hiddenFill xmlns:a14="http://schemas.microsoft.com/office/drawing/2010/main">
+                <a:solidFill>
+                  <a:schemeClr val="accent1"/>
+                </a:solidFill>
+              </a14:hiddenFill>
+            </a:ext>
+            <a:ext uri="{91240B29-F687-4F45-9708-019B960494DF}">
+              <a14:hiddenLine xmlns:a14="http://schemas.microsoft.com/office/drawing/2010/main" w="9525">
+                <a:solidFill>
+                  <a:schemeClr val="tx1"/>
+                </a:solidFill>
+                <a:miter lim="800000"/>
+                <a:headEnd/>
+                <a:tailEnd/>
+              </a14:hiddenLine>
+            </a:ext>
+            <a:ext uri="{AF507438-7753-43E0-B8FC-AC1667EBCBE1}">
+              <a14:hiddenEffects xmlns:a14="http://schemas.microsoft.com/office/drawing/2010/main">
+                <a:effectLst>
+                  <a:outerShdw dist="35921" dir="2700000" algn="ctr" rotWithShape="0">
+                    <a:schemeClr val="bg2"/>
+                  </a:outerShdw>
+                </a:effectLst>
+              </a14:hiddenEffects>
+            </a:ext>
+          </a:extLst>
+        </p:spPr>
+        <p:txBody>
+          <a:bodyPr wrap="square" lIns="352689" tIns="176345" rIns="352689" bIns="176345">
+            <a:spAutoFit/>
+          </a:bodyPr>
+          <a:lstStyle>
+            <a:lvl1pPr eaLnBrk="0" hangingPunct="0">
+              <a:defRPr>
+                <a:solidFill>
+                  <a:schemeClr val="tx1"/>
+                </a:solidFill>
+                <a:latin typeface="Arial" charset="0"/>
+              </a:defRPr>
+            </a:lvl1pPr>
+            <a:lvl2pPr marL="742950" indent="-285750" eaLnBrk="0" hangingPunct="0">
+              <a:defRPr>
+                <a:solidFill>
+                  <a:schemeClr val="tx1"/>
+                </a:solidFill>
+                <a:latin typeface="Arial" charset="0"/>
+              </a:defRPr>
+            </a:lvl2pPr>
+            <a:lvl3pPr marL="1143000" indent="-228600" eaLnBrk="0" hangingPunct="0">
+              <a:defRPr>
+                <a:solidFill>
+                  <a:schemeClr val="tx1"/>
+                </a:solidFill>
+                <a:latin typeface="Arial" charset="0"/>
+              </a:defRPr>
+            </a:lvl3pPr>
+            <a:lvl4pPr marL="1600200" indent="-228600" eaLnBrk="0" hangingPunct="0">
+              <a:defRPr>
+                <a:solidFill>
+                  <a:schemeClr val="tx1"/>
+                </a:solidFill>
+                <a:latin typeface="Arial" charset="0"/>
+              </a:defRPr>
+            </a:lvl4pPr>
+            <a:lvl5pPr marL="2057400" indent="-228600" eaLnBrk="0" hangingPunct="0">
+              <a:defRPr>
+                <a:solidFill>
+                  <a:schemeClr val="tx1"/>
+                </a:solidFill>
+                <a:latin typeface="Arial" charset="0"/>
+              </a:defRPr>
+            </a:lvl5pPr>
+            <a:lvl6pPr marL="2514600" indent="-228600" eaLnBrk="0" fontAlgn="base" hangingPunct="0">
+              <a:spcBef>
+                <a:spcPct val="0"/>
+              </a:spcBef>
+              <a:spcAft>
+                <a:spcPct val="0"/>
+              </a:spcAft>
+              <a:defRPr>
+                <a:solidFill>
+                  <a:schemeClr val="tx1"/>
+                </a:solidFill>
+                <a:latin typeface="Arial" charset="0"/>
+              </a:defRPr>
+            </a:lvl6pPr>
+            <a:lvl7pPr marL="2971800" indent="-228600" eaLnBrk="0" fontAlgn="base" hangingPunct="0">
+              <a:spcBef>
+                <a:spcPct val="0"/>
+              </a:spcBef>
+              <a:spcAft>
+                <a:spcPct val="0"/>
+              </a:spcAft>
+              <a:defRPr>
+                <a:solidFill>
+                  <a:schemeClr val="tx1"/>
+                </a:solidFill>
+                <a:latin typeface="Arial" charset="0"/>
+              </a:defRPr>
+            </a:lvl7pPr>
+            <a:lvl8pPr marL="3429000" indent="-228600" eaLnBrk="0" fontAlgn="base" hangingPunct="0">
+              <a:spcBef>
+                <a:spcPct val="0"/>
+              </a:spcBef>
+              <a:spcAft>
+                <a:spcPct val="0"/>
+              </a:spcAft>
+              <a:defRPr>
+                <a:solidFill>
+                  <a:schemeClr val="tx1"/>
+                </a:solidFill>
+                <a:latin typeface="Arial" charset="0"/>
+              </a:defRPr>
+            </a:lvl8pPr>
+            <a:lvl9pPr marL="3886200" indent="-228600" eaLnBrk="0" fontAlgn="base" hangingPunct="0">
+              <a:spcBef>
+                <a:spcPct val="0"/>
+              </a:spcBef>
+              <a:spcAft>
+                <a:spcPct val="0"/>
+              </a:spcAft>
+              <a:defRPr>
+                <a:solidFill>
+                  <a:schemeClr val="tx1"/>
+                </a:solidFill>
+                <a:latin typeface="Arial" charset="0"/>
+              </a:defRPr>
+            </a:lvl9pPr>
+          </a:lstStyle>
+          <a:p>
+            <a:pPr eaLnBrk="1" hangingPunct="1">
+              <a:spcBef>
+                <a:spcPct val="50000"/>
+              </a:spcBef>
+            </a:pPr>
+            <a:r>
+              <a:rPr lang="en-US" sz="3000" dirty="0">
+                <a:solidFill>
+                  <a:srgbClr val="000000"/>
+                </a:solidFill>
+                <a:latin typeface="Garamond" panose="02020404030301010803" pitchFamily="18" charset="0"/>
+                <a:cs typeface="Gill Sans" panose="020B0502020104020203" pitchFamily="34" charset="-79"/>
+              </a:rPr>
+              <a:t>A Software-Defined Mesh Network interconnected by LoRa nodes, each hosting a localized User Interface for seamless management and communication.</a:t>
+            </a:r>
+          </a:p>
+          <a:p>
+            <a:pPr eaLnBrk="1" hangingPunct="1">
+              <a:spcBef>
+                <a:spcPct val="50000"/>
+              </a:spcBef>
+            </a:pPr>
+            <a:endParaRPr lang="en-US" sz="3000" dirty="0">
+              <a:solidFill>
+                <a:srgbClr val="000000"/>
+              </a:solidFill>
+              <a:latin typeface="Garamond" panose="02020404030301010803" pitchFamily="18" charset="0"/>
+              <a:cs typeface="Gill Sans" panose="020B0502020104020203" pitchFamily="34" charset="-79"/>
+            </a:endParaRPr>
+          </a:p>
+          <a:p>
+            <a:pPr eaLnBrk="1" hangingPunct="1">
+              <a:spcBef>
+                <a:spcPct val="50000"/>
+              </a:spcBef>
+            </a:pPr>
+            <a:endParaRPr lang="en-US" sz="3000" dirty="0">
+              <a:solidFill>
+                <a:srgbClr val="000000"/>
+              </a:solidFill>
+              <a:latin typeface="Garamond" panose="02020404030301010803" pitchFamily="18" charset="0"/>
+              <a:cs typeface="Gill Sans" panose="020B0502020104020203" pitchFamily="34" charset="-79"/>
+            </a:endParaRPr>
+          </a:p>
+          <a:p>
+            <a:pPr eaLnBrk="1" hangingPunct="1">
+              <a:spcBef>
+                <a:spcPct val="50000"/>
+              </a:spcBef>
+            </a:pPr>
+            <a:endParaRPr lang="en-US" sz="3000" dirty="0">
+              <a:latin typeface="Garamond" panose="02020404030301010803" pitchFamily="18" charset="0"/>
+              <a:cs typeface="Gill Sans" panose="020B0502020104020203" pitchFamily="34" charset="-79"/>
+            </a:endParaRPr>
+          </a:p>
+        </p:txBody>
+      </p:sp>
+      <p:sp>
+        <p:nvSpPr>
+          <p:cNvPr id="43" name="Oval 42">
+            <a:extLst>
+              <a:ext uri="{FF2B5EF4-FFF2-40B4-BE49-F238E27FC236}">
+                <a16:creationId xmlns:a16="http://schemas.microsoft.com/office/drawing/2014/main" id="{32A10726-8B1A-67D6-EAE6-ECEBDAA7711D}"/>
+              </a:ext>
+            </a:extLst>
+          </p:cNvPr>
+          <p:cNvSpPr/>
+          <p:nvPr/>
+        </p:nvSpPr>
+        <p:spPr>
+          <a:xfrm>
+            <a:off x="731131" y="24447386"/>
+            <a:ext cx="1125395" cy="1134788"/>
+          </a:xfrm>
+          <a:prstGeom prst="ellipse">
+            <a:avLst/>
+          </a:prstGeom>
+          <a:solidFill>
+            <a:srgbClr val="002554"/>
+          </a:solidFill>
+          <a:ln>
+            <a:solidFill>
+              <a:srgbClr val="002454"/>
+            </a:solidFill>
+          </a:ln>
+        </p:spPr>
+        <p:style>
+          <a:lnRef idx="2">
+            <a:schemeClr val="accent1">
+              <a:shade val="15000"/>
+            </a:schemeClr>
+          </a:lnRef>
+          <a:fillRef idx="1">
+            <a:schemeClr val="accent1"/>
+          </a:fillRef>
+          <a:effectRef idx="0">
+            <a:schemeClr val="accent1"/>
+          </a:effectRef>
+          <a:fontRef idx="minor">
+            <a:schemeClr val="lt1"/>
+          </a:fontRef>
+        </p:style>
+        <p:txBody>
+          <a:bodyPr rtlCol="0" anchor="ctr"/>
+          <a:lstStyle/>
+          <a:p>
+            <a:pPr algn="ctr"/>
+            <a:endParaRPr lang="en-US"/>
+          </a:p>
+        </p:txBody>
+      </p:sp>
+      <p:sp>
+        <p:nvSpPr>
+          <p:cNvPr id="48" name="Oval 47">
+            <a:extLst>
+              <a:ext uri="{FF2B5EF4-FFF2-40B4-BE49-F238E27FC236}">
+                <a16:creationId xmlns:a16="http://schemas.microsoft.com/office/drawing/2014/main" id="{70794278-E7C3-AB85-C02C-BEDAD93F3F61}"/>
+              </a:ext>
+            </a:extLst>
+          </p:cNvPr>
+          <p:cNvSpPr/>
+          <p:nvPr/>
+        </p:nvSpPr>
+        <p:spPr>
+          <a:xfrm>
+            <a:off x="6275250" y="24470307"/>
+            <a:ext cx="1125395" cy="1134788"/>
+          </a:xfrm>
+          <a:prstGeom prst="ellipse">
+            <a:avLst/>
+          </a:prstGeom>
+          <a:solidFill>
+            <a:srgbClr val="002554"/>
+          </a:solidFill>
+          <a:ln>
+            <a:solidFill>
+              <a:srgbClr val="002454"/>
+            </a:solidFill>
+          </a:ln>
+        </p:spPr>
+        <p:style>
+          <a:lnRef idx="2">
+            <a:schemeClr val="accent1">
+              <a:shade val="15000"/>
+            </a:schemeClr>
+          </a:lnRef>
+          <a:fillRef idx="1">
+            <a:schemeClr val="accent1"/>
+          </a:fillRef>
+          <a:effectRef idx="0">
+            <a:schemeClr val="accent1"/>
+          </a:effectRef>
+          <a:fontRef idx="minor">
+            <a:schemeClr val="lt1"/>
+          </a:fontRef>
+        </p:style>
+        <p:txBody>
+          <a:bodyPr rtlCol="0" anchor="ctr"/>
+          <a:lstStyle/>
+          <a:p>
+            <a:pPr algn="ctr"/>
+            <a:endParaRPr lang="en-US"/>
+          </a:p>
+        </p:txBody>
+      </p:sp>
+      <p:pic>
+        <p:nvPicPr>
+          <p:cNvPr id="50" name="Picture 18">
+            <a:extLst>
+              <a:ext uri="{FF2B5EF4-FFF2-40B4-BE49-F238E27FC236}">
+                <a16:creationId xmlns:a16="http://schemas.microsoft.com/office/drawing/2014/main" id="{1C0305AD-BADA-2B55-9DE8-254DDAAA4D29}"/>
+              </a:ext>
+            </a:extLst>
+          </p:cNvPr>
+          <p:cNvPicPr>
+            <a:picLocks noChangeAspect="1" noChangeArrowheads="1"/>
+          </p:cNvPicPr>
+          <p:nvPr/>
+        </p:nvPicPr>
+        <p:blipFill>
+          <a:blip r:embed="rId12">
+            <a:extLst>
+              <a:ext uri="{28A0092B-C50C-407E-A947-70E740481C1C}">
+                <a14:useLocalDpi xmlns:a14="http://schemas.microsoft.com/office/drawing/2010/main" val="0"/>
+              </a:ext>
+            </a:extLst>
+          </a:blip>
+          <a:srcRect/>
+          <a:stretch>
+            <a:fillRect/>
+          </a:stretch>
+        </p:blipFill>
+        <p:spPr bwMode="auto">
+          <a:xfrm>
+            <a:off x="6503850" y="24623807"/>
+            <a:ext cx="804683" cy="891676"/>
+          </a:xfrm>
+          <a:prstGeom prst="rect">
+            <a:avLst/>
+          </a:prstGeom>
+          <a:noFill/>
+          <a:extLst>
+            <a:ext uri="{909E8E84-426E-40DD-AFC4-6F175D3DCCD1}">
+              <a14:hiddenFill xmlns:a14="http://schemas.microsoft.com/office/drawing/2010/main">
+                <a:solidFill>
+                  <a:srgbClr val="FFFFFF"/>
+                </a:solidFill>
+              </a14:hiddenFill>
+            </a:ext>
+          </a:extLst>
+        </p:spPr>
+      </p:pic>
+      <p:pic>
+        <p:nvPicPr>
+          <p:cNvPr id="57" name="Picture 20">
+            <a:extLst>
+              <a:ext uri="{FF2B5EF4-FFF2-40B4-BE49-F238E27FC236}">
+                <a16:creationId xmlns:a16="http://schemas.microsoft.com/office/drawing/2014/main" id="{E8A6A567-AB4B-0DAE-293B-69C5B964DF4A}"/>
+              </a:ext>
+            </a:extLst>
+          </p:cNvPr>
+          <p:cNvPicPr>
+            <a:picLocks noChangeAspect="1" noChangeArrowheads="1"/>
+          </p:cNvPicPr>
+          <p:nvPr/>
+        </p:nvPicPr>
+        <p:blipFill>
+          <a:blip r:embed="rId13">
+            <a:extLst>
+              <a:ext uri="{28A0092B-C50C-407E-A947-70E740481C1C}">
+                <a14:useLocalDpi xmlns:a14="http://schemas.microsoft.com/office/drawing/2010/main" val="0"/>
+              </a:ext>
+            </a:extLst>
+          </a:blip>
+          <a:srcRect/>
+          <a:stretch>
+            <a:fillRect/>
+          </a:stretch>
+        </p:blipFill>
+        <p:spPr bwMode="auto">
+          <a:xfrm>
+            <a:off x="959731" y="24682221"/>
+            <a:ext cx="694939" cy="694939"/>
+          </a:xfrm>
+          <a:prstGeom prst="rect">
+            <a:avLst/>
+          </a:prstGeom>
+          <a:noFill/>
+          <a:extLst>
+            <a:ext uri="{909E8E84-426E-40DD-AFC4-6F175D3DCCD1}">
+              <a14:hiddenFill xmlns:a14="http://schemas.microsoft.com/office/drawing/2010/main">
+                <a:solidFill>
+                  <a:srgbClr val="FFFFFF"/>
+                </a:solidFill>
+              </a14:hiddenFill>
+            </a:ext>
+          </a:extLst>
+        </p:spPr>
+      </p:pic>
+      <p:sp>
+        <p:nvSpPr>
+          <p:cNvPr id="58" name="Text Box 24">
+            <a:extLst>
+              <a:ext uri="{FF2B5EF4-FFF2-40B4-BE49-F238E27FC236}">
+                <a16:creationId xmlns:a16="http://schemas.microsoft.com/office/drawing/2014/main" id="{64891E42-F65F-A018-02B7-0CE1D3F46697}"/>
+              </a:ext>
+            </a:extLst>
+          </p:cNvPr>
+          <p:cNvSpPr txBox="1">
+            <a:spLocks noChangeArrowheads="1"/>
+          </p:cNvSpPr>
+          <p:nvPr/>
+        </p:nvSpPr>
+        <p:spPr bwMode="auto">
+          <a:xfrm>
+            <a:off x="7494452" y="24133684"/>
+            <a:ext cx="5325762" cy="1525685"/>
+          </a:xfrm>
+          <a:prstGeom prst="rect">
+            <a:avLst/>
+          </a:prstGeom>
+          <a:noFill/>
+          <a:ln>
+            <a:noFill/>
+          </a:ln>
+          <a:effectLst/>
+          <a:extLst>
+            <a:ext uri="{909E8E84-426E-40DD-AFC4-6F175D3DCCD1}">
+              <a14:hiddenFill xmlns:a14="http://schemas.microsoft.com/office/drawing/2010/main">
+                <a:solidFill>
+                  <a:schemeClr val="accent1"/>
+                </a:solidFill>
+              </a14:hiddenFill>
+            </a:ext>
+            <a:ext uri="{91240B29-F687-4F45-9708-019B960494DF}">
+              <a14:hiddenLine xmlns:a14="http://schemas.microsoft.com/office/drawing/2010/main" w="9525">
+                <a:solidFill>
+                  <a:schemeClr val="tx1"/>
+                </a:solidFill>
+                <a:miter lim="800000"/>
+                <a:headEnd/>
+                <a:tailEnd/>
+              </a14:hiddenLine>
+            </a:ext>
+            <a:ext uri="{AF507438-7753-43E0-B8FC-AC1667EBCBE1}">
+              <a14:hiddenEffects xmlns:a14="http://schemas.microsoft.com/office/drawing/2010/main">
+                <a:effectLst>
+                  <a:outerShdw dist="35921" dir="2700000" algn="ctr" rotWithShape="0">
+                    <a:schemeClr val="bg2"/>
+                  </a:outerShdw>
+                </a:effectLst>
+              </a14:hiddenEffects>
+            </a:ext>
+          </a:extLst>
+        </p:spPr>
+        <p:txBody>
+          <a:bodyPr wrap="square" lIns="352689" tIns="176345" rIns="352689" bIns="176345">
+            <a:spAutoFit/>
+          </a:bodyPr>
+          <a:lstStyle>
+            <a:lvl1pPr eaLnBrk="0" hangingPunct="0">
+              <a:defRPr>
+                <a:solidFill>
+                  <a:schemeClr val="tx1"/>
+                </a:solidFill>
+                <a:latin typeface="Arial" charset="0"/>
+              </a:defRPr>
+            </a:lvl1pPr>
+            <a:lvl2pPr marL="742950" indent="-285750" eaLnBrk="0" hangingPunct="0">
+              <a:defRPr>
+                <a:solidFill>
+                  <a:schemeClr val="tx1"/>
+                </a:solidFill>
+                <a:latin typeface="Arial" charset="0"/>
+              </a:defRPr>
+            </a:lvl2pPr>
+            <a:lvl3pPr marL="1143000" indent="-228600" eaLnBrk="0" hangingPunct="0">
+              <a:defRPr>
+                <a:solidFill>
+                  <a:schemeClr val="tx1"/>
+                </a:solidFill>
+                <a:latin typeface="Arial" charset="0"/>
+              </a:defRPr>
+            </a:lvl3pPr>
+            <a:lvl4pPr marL="1600200" indent="-228600" eaLnBrk="0" hangingPunct="0">
+              <a:defRPr>
+                <a:solidFill>
+                  <a:schemeClr val="tx1"/>
+                </a:solidFill>
+                <a:latin typeface="Arial" charset="0"/>
+              </a:defRPr>
+            </a:lvl4pPr>
+            <a:lvl5pPr marL="2057400" indent="-228600" eaLnBrk="0" hangingPunct="0">
+              <a:defRPr>
+                <a:solidFill>
+                  <a:schemeClr val="tx1"/>
+                </a:solidFill>
+                <a:latin typeface="Arial" charset="0"/>
+              </a:defRPr>
+            </a:lvl5pPr>
+            <a:lvl6pPr marL="2514600" indent="-228600" eaLnBrk="0" fontAlgn="base" hangingPunct="0">
+              <a:spcBef>
+                <a:spcPct val="0"/>
+              </a:spcBef>
+              <a:spcAft>
+                <a:spcPct val="0"/>
+              </a:spcAft>
+              <a:defRPr>
+                <a:solidFill>
+                  <a:schemeClr val="tx1"/>
+                </a:solidFill>
+                <a:latin typeface="Arial" charset="0"/>
+              </a:defRPr>
+            </a:lvl6pPr>
+            <a:lvl7pPr marL="2971800" indent="-228600" eaLnBrk="0" fontAlgn="base" hangingPunct="0">
+              <a:spcBef>
+                <a:spcPct val="0"/>
+              </a:spcBef>
+              <a:spcAft>
+                <a:spcPct val="0"/>
+              </a:spcAft>
+              <a:defRPr>
+                <a:solidFill>
+                  <a:schemeClr val="tx1"/>
+                </a:solidFill>
+                <a:latin typeface="Arial" charset="0"/>
+              </a:defRPr>
+            </a:lvl7pPr>
+            <a:lvl8pPr marL="3429000" indent="-228600" eaLnBrk="0" fontAlgn="base" hangingPunct="0">
+              <a:spcBef>
+                <a:spcPct val="0"/>
+              </a:spcBef>
+              <a:spcAft>
+                <a:spcPct val="0"/>
+              </a:spcAft>
+              <a:defRPr>
+                <a:solidFill>
+                  <a:schemeClr val="tx1"/>
+                </a:solidFill>
+                <a:latin typeface="Arial" charset="0"/>
+              </a:defRPr>
+            </a:lvl8pPr>
+            <a:lvl9pPr marL="3886200" indent="-228600" eaLnBrk="0" fontAlgn="base" hangingPunct="0">
+              <a:spcBef>
+                <a:spcPct val="0"/>
+              </a:spcBef>
+              <a:spcAft>
+                <a:spcPct val="0"/>
+              </a:spcAft>
+              <a:defRPr>
+                <a:solidFill>
+                  <a:schemeClr val="tx1"/>
+                </a:solidFill>
+                <a:latin typeface="Arial" charset="0"/>
+              </a:defRPr>
+            </a:lvl9pPr>
+          </a:lstStyle>
+          <a:p>
+            <a:pPr eaLnBrk="1" hangingPunct="1">
+              <a:spcBef>
+                <a:spcPct val="50000"/>
+              </a:spcBef>
+            </a:pPr>
+            <a:r>
+              <a:rPr lang="en-US" sz="2800" b="1" dirty="0">
+                <a:solidFill>
+                  <a:srgbClr val="000000"/>
+                </a:solidFill>
+                <a:latin typeface="Garamond" panose="02020404030301010803" pitchFamily="18" charset="0"/>
+                <a:cs typeface="Gill Sans" panose="020B0502020104020203" pitchFamily="34" charset="-79"/>
+              </a:rPr>
+              <a:t>Secure Communication</a:t>
+            </a:r>
+            <a:endParaRPr lang="en-US" sz="2200" b="1" dirty="0">
+              <a:solidFill>
+                <a:srgbClr val="000000"/>
+              </a:solidFill>
+              <a:latin typeface="Garamond" panose="02020404030301010803" pitchFamily="18" charset="0"/>
+              <a:cs typeface="Gill Sans" panose="020B0502020104020203" pitchFamily="34" charset="-79"/>
+            </a:endParaRPr>
+          </a:p>
+          <a:p>
+            <a:pPr eaLnBrk="1" hangingPunct="1">
+              <a:spcBef>
+                <a:spcPct val="50000"/>
+              </a:spcBef>
+            </a:pPr>
+            <a:endParaRPr lang="en-US" sz="3200" b="1" dirty="0">
+              <a:latin typeface="Garamond" panose="02020404030301010803" pitchFamily="18" charset="0"/>
+              <a:cs typeface="Gill Sans" panose="020B0502020104020203" pitchFamily="34" charset="-79"/>
+            </a:endParaRPr>
+          </a:p>
+        </p:txBody>
+      </p:sp>
+      <p:sp>
+        <p:nvSpPr>
+          <p:cNvPr id="63" name="Text Box 24">
+            <a:extLst>
+              <a:ext uri="{FF2B5EF4-FFF2-40B4-BE49-F238E27FC236}">
+                <a16:creationId xmlns:a16="http://schemas.microsoft.com/office/drawing/2014/main" id="{64FFEBBE-0A76-F875-4C45-CFC63B3342B1}"/>
+              </a:ext>
+            </a:extLst>
+          </p:cNvPr>
+          <p:cNvSpPr txBox="1">
+            <a:spLocks noChangeArrowheads="1"/>
+          </p:cNvSpPr>
+          <p:nvPr/>
+        </p:nvSpPr>
+        <p:spPr bwMode="auto">
+          <a:xfrm>
+            <a:off x="7494451" y="24642021"/>
+            <a:ext cx="4545149" cy="3126123"/>
+          </a:xfrm>
+          <a:prstGeom prst="rect">
+            <a:avLst/>
+          </a:prstGeom>
+          <a:noFill/>
+          <a:ln>
+            <a:noFill/>
+          </a:ln>
+          <a:effectLst/>
+          <a:extLst>
+            <a:ext uri="{909E8E84-426E-40DD-AFC4-6F175D3DCCD1}">
+              <a14:hiddenFill xmlns:a14="http://schemas.microsoft.com/office/drawing/2010/main">
+                <a:solidFill>
+                  <a:schemeClr val="accent1"/>
+                </a:solidFill>
+              </a14:hiddenFill>
+            </a:ext>
+            <a:ext uri="{91240B29-F687-4F45-9708-019B960494DF}">
+              <a14:hiddenLine xmlns:a14="http://schemas.microsoft.com/office/drawing/2010/main" w="9525">
+                <a:solidFill>
+                  <a:schemeClr val="tx1"/>
+                </a:solidFill>
+                <a:miter lim="800000"/>
+                <a:headEnd/>
+                <a:tailEnd/>
+              </a14:hiddenLine>
+            </a:ext>
+            <a:ext uri="{AF507438-7753-43E0-B8FC-AC1667EBCBE1}">
+              <a14:hiddenEffects xmlns:a14="http://schemas.microsoft.com/office/drawing/2010/main">
+                <a:effectLst>
+                  <a:outerShdw dist="35921" dir="2700000" algn="ctr" rotWithShape="0">
+                    <a:schemeClr val="bg2"/>
+                  </a:outerShdw>
+                </a:effectLst>
+              </a14:hiddenEffects>
+            </a:ext>
+          </a:extLst>
+        </p:spPr>
+        <p:txBody>
+          <a:bodyPr wrap="square" lIns="352689" tIns="176345" rIns="352689" bIns="176345">
+            <a:spAutoFit/>
+          </a:bodyPr>
+          <a:lstStyle>
+            <a:lvl1pPr eaLnBrk="0" hangingPunct="0">
+              <a:defRPr>
+                <a:solidFill>
+                  <a:schemeClr val="tx1"/>
+                </a:solidFill>
+                <a:latin typeface="Arial" charset="0"/>
+              </a:defRPr>
+            </a:lvl1pPr>
+            <a:lvl2pPr marL="742950" indent="-285750" eaLnBrk="0" hangingPunct="0">
+              <a:defRPr>
+                <a:solidFill>
+                  <a:schemeClr val="tx1"/>
+                </a:solidFill>
+                <a:latin typeface="Arial" charset="0"/>
+              </a:defRPr>
+            </a:lvl2pPr>
+            <a:lvl3pPr marL="1143000" indent="-228600" eaLnBrk="0" hangingPunct="0">
+              <a:defRPr>
+                <a:solidFill>
+                  <a:schemeClr val="tx1"/>
+                </a:solidFill>
+                <a:latin typeface="Arial" charset="0"/>
+              </a:defRPr>
+            </a:lvl3pPr>
+            <a:lvl4pPr marL="1600200" indent="-228600" eaLnBrk="0" hangingPunct="0">
+              <a:defRPr>
+                <a:solidFill>
+                  <a:schemeClr val="tx1"/>
+                </a:solidFill>
+                <a:latin typeface="Arial" charset="0"/>
+              </a:defRPr>
+            </a:lvl4pPr>
+            <a:lvl5pPr marL="2057400" indent="-228600" eaLnBrk="0" hangingPunct="0">
+              <a:defRPr>
+                <a:solidFill>
+                  <a:schemeClr val="tx1"/>
+                </a:solidFill>
+                <a:latin typeface="Arial" charset="0"/>
+              </a:defRPr>
+            </a:lvl5pPr>
+            <a:lvl6pPr marL="2514600" indent="-228600" eaLnBrk="0" fontAlgn="base" hangingPunct="0">
+              <a:spcBef>
+                <a:spcPct val="0"/>
+              </a:spcBef>
+              <a:spcAft>
+                <a:spcPct val="0"/>
+              </a:spcAft>
+              <a:defRPr>
+                <a:solidFill>
+                  <a:schemeClr val="tx1"/>
+                </a:solidFill>
+                <a:latin typeface="Arial" charset="0"/>
+              </a:defRPr>
+            </a:lvl6pPr>
+            <a:lvl7pPr marL="2971800" indent="-228600" eaLnBrk="0" fontAlgn="base" hangingPunct="0">
+              <a:spcBef>
+                <a:spcPct val="0"/>
+              </a:spcBef>
+              <a:spcAft>
+                <a:spcPct val="0"/>
+              </a:spcAft>
+              <a:defRPr>
+                <a:solidFill>
+                  <a:schemeClr val="tx1"/>
+                </a:solidFill>
+                <a:latin typeface="Arial" charset="0"/>
+              </a:defRPr>
+            </a:lvl7pPr>
+            <a:lvl8pPr marL="3429000" indent="-228600" eaLnBrk="0" fontAlgn="base" hangingPunct="0">
+              <a:spcBef>
+                <a:spcPct val="0"/>
+              </a:spcBef>
+              <a:spcAft>
+                <a:spcPct val="0"/>
+              </a:spcAft>
+              <a:defRPr>
+                <a:solidFill>
+                  <a:schemeClr val="tx1"/>
+                </a:solidFill>
+                <a:latin typeface="Arial" charset="0"/>
+              </a:defRPr>
+            </a:lvl8pPr>
+            <a:lvl9pPr marL="3886200" indent="-228600" eaLnBrk="0" fontAlgn="base" hangingPunct="0">
+              <a:spcBef>
+                <a:spcPct val="0"/>
+              </a:spcBef>
+              <a:spcAft>
+                <a:spcPct val="0"/>
+              </a:spcAft>
+              <a:defRPr>
+                <a:solidFill>
+                  <a:schemeClr val="tx1"/>
+                </a:solidFill>
+                <a:latin typeface="Arial" charset="0"/>
+              </a:defRPr>
+            </a:lvl9pPr>
+          </a:lstStyle>
+          <a:p>
+            <a:pPr eaLnBrk="1" hangingPunct="1">
+              <a:spcBef>
+                <a:spcPct val="50000"/>
+              </a:spcBef>
+            </a:pPr>
+            <a:r>
+              <a:rPr lang="en-US" sz="2200" dirty="0">
+                <a:solidFill>
+                  <a:srgbClr val="000000"/>
+                </a:solidFill>
+                <a:latin typeface="Garamond" panose="02020404030301010803" pitchFamily="18" charset="0"/>
+                <a:cs typeface="Gill Sans" panose="020B0502020104020203" pitchFamily="34" charset="-79"/>
+              </a:rPr>
+              <a:t>Secure the network communications using HTTPS, upgrading from the current HTTP-based interface to protect the sensitive information being transmitted.</a:t>
+            </a:r>
+          </a:p>
+          <a:p>
+            <a:pPr eaLnBrk="1" hangingPunct="1">
+              <a:spcBef>
+                <a:spcPct val="50000"/>
+              </a:spcBef>
+            </a:pPr>
+            <a:endParaRPr lang="en-US" sz="3200" dirty="0">
+              <a:latin typeface="Garamond" panose="02020404030301010803" pitchFamily="18" charset="0"/>
+              <a:cs typeface="Gill Sans" panose="020B0502020104020203" pitchFamily="34" charset="-79"/>
+            </a:endParaRPr>
+          </a:p>
+        </p:txBody>
+      </p:sp>
+      <p:sp>
+        <p:nvSpPr>
+          <p:cNvPr id="64" name="Text Box 24">
+            <a:extLst>
+              <a:ext uri="{FF2B5EF4-FFF2-40B4-BE49-F238E27FC236}">
+                <a16:creationId xmlns:a16="http://schemas.microsoft.com/office/drawing/2014/main" id="{85183CFA-4B49-7342-C70B-5DBCC46374E4}"/>
+              </a:ext>
+            </a:extLst>
+          </p:cNvPr>
+          <p:cNvSpPr txBox="1">
+            <a:spLocks noChangeArrowheads="1"/>
+          </p:cNvSpPr>
+          <p:nvPr/>
+        </p:nvSpPr>
+        <p:spPr bwMode="auto">
+          <a:xfrm>
+            <a:off x="1950331" y="24104063"/>
+            <a:ext cx="5325762" cy="1525685"/>
+          </a:xfrm>
+          <a:prstGeom prst="rect">
+            <a:avLst/>
+          </a:prstGeom>
+          <a:noFill/>
+          <a:ln>
+            <a:noFill/>
+          </a:ln>
+          <a:effectLst/>
+          <a:extLst>
+            <a:ext uri="{909E8E84-426E-40DD-AFC4-6F175D3DCCD1}">
+              <a14:hiddenFill xmlns:a14="http://schemas.microsoft.com/office/drawing/2010/main">
+                <a:solidFill>
+                  <a:schemeClr val="accent1"/>
+                </a:solidFill>
+              </a14:hiddenFill>
+            </a:ext>
+            <a:ext uri="{91240B29-F687-4F45-9708-019B960494DF}">
+              <a14:hiddenLine xmlns:a14="http://schemas.microsoft.com/office/drawing/2010/main" w="9525">
+                <a:solidFill>
+                  <a:schemeClr val="tx1"/>
+                </a:solidFill>
+                <a:miter lim="800000"/>
+                <a:headEnd/>
+                <a:tailEnd/>
+              </a14:hiddenLine>
+            </a:ext>
+            <a:ext uri="{AF507438-7753-43E0-B8FC-AC1667EBCBE1}">
+              <a14:hiddenEffects xmlns:a14="http://schemas.microsoft.com/office/drawing/2010/main">
+                <a:effectLst>
+                  <a:outerShdw dist="35921" dir="2700000" algn="ctr" rotWithShape="0">
+                    <a:schemeClr val="bg2"/>
+                  </a:outerShdw>
+                </a:effectLst>
+              </a14:hiddenEffects>
+            </a:ext>
+          </a:extLst>
+        </p:spPr>
+        <p:txBody>
+          <a:bodyPr wrap="square" lIns="352689" tIns="176345" rIns="352689" bIns="176345">
+            <a:spAutoFit/>
+          </a:bodyPr>
+          <a:lstStyle>
+            <a:lvl1pPr eaLnBrk="0" hangingPunct="0">
+              <a:defRPr>
+                <a:solidFill>
+                  <a:schemeClr val="tx1"/>
+                </a:solidFill>
+                <a:latin typeface="Arial" charset="0"/>
+              </a:defRPr>
+            </a:lvl1pPr>
+            <a:lvl2pPr marL="742950" indent="-285750" eaLnBrk="0" hangingPunct="0">
+              <a:defRPr>
+                <a:solidFill>
+                  <a:schemeClr val="tx1"/>
+                </a:solidFill>
+                <a:latin typeface="Arial" charset="0"/>
+              </a:defRPr>
+            </a:lvl2pPr>
+            <a:lvl3pPr marL="1143000" indent="-228600" eaLnBrk="0" hangingPunct="0">
+              <a:defRPr>
+                <a:solidFill>
+                  <a:schemeClr val="tx1"/>
+                </a:solidFill>
+                <a:latin typeface="Arial" charset="0"/>
+              </a:defRPr>
+            </a:lvl3pPr>
+            <a:lvl4pPr marL="1600200" indent="-228600" eaLnBrk="0" hangingPunct="0">
+              <a:defRPr>
+                <a:solidFill>
+                  <a:schemeClr val="tx1"/>
+                </a:solidFill>
+                <a:latin typeface="Arial" charset="0"/>
+              </a:defRPr>
+            </a:lvl4pPr>
+            <a:lvl5pPr marL="2057400" indent="-228600" eaLnBrk="0" hangingPunct="0">
+              <a:defRPr>
+                <a:solidFill>
+                  <a:schemeClr val="tx1"/>
+                </a:solidFill>
+                <a:latin typeface="Arial" charset="0"/>
+              </a:defRPr>
+            </a:lvl5pPr>
+            <a:lvl6pPr marL="2514600" indent="-228600" eaLnBrk="0" fontAlgn="base" hangingPunct="0">
+              <a:spcBef>
+                <a:spcPct val="0"/>
+              </a:spcBef>
+              <a:spcAft>
+                <a:spcPct val="0"/>
+              </a:spcAft>
+              <a:defRPr>
+                <a:solidFill>
+                  <a:schemeClr val="tx1"/>
+                </a:solidFill>
+                <a:latin typeface="Arial" charset="0"/>
+              </a:defRPr>
+            </a:lvl6pPr>
+            <a:lvl7pPr marL="2971800" indent="-228600" eaLnBrk="0" fontAlgn="base" hangingPunct="0">
+              <a:spcBef>
+                <a:spcPct val="0"/>
+              </a:spcBef>
+              <a:spcAft>
+                <a:spcPct val="0"/>
+              </a:spcAft>
+              <a:defRPr>
+                <a:solidFill>
+                  <a:schemeClr val="tx1"/>
+                </a:solidFill>
+                <a:latin typeface="Arial" charset="0"/>
+              </a:defRPr>
+            </a:lvl7pPr>
+            <a:lvl8pPr marL="3429000" indent="-228600" eaLnBrk="0" fontAlgn="base" hangingPunct="0">
+              <a:spcBef>
+                <a:spcPct val="0"/>
+              </a:spcBef>
+              <a:spcAft>
+                <a:spcPct val="0"/>
+              </a:spcAft>
+              <a:defRPr>
+                <a:solidFill>
+                  <a:schemeClr val="tx1"/>
+                </a:solidFill>
+                <a:latin typeface="Arial" charset="0"/>
+              </a:defRPr>
+            </a:lvl8pPr>
+            <a:lvl9pPr marL="3886200" indent="-228600" eaLnBrk="0" fontAlgn="base" hangingPunct="0">
+              <a:spcBef>
+                <a:spcPct val="0"/>
+              </a:spcBef>
+              <a:spcAft>
+                <a:spcPct val="0"/>
+              </a:spcAft>
+              <a:defRPr>
+                <a:solidFill>
+                  <a:schemeClr val="tx1"/>
+                </a:solidFill>
+                <a:latin typeface="Arial" charset="0"/>
+              </a:defRPr>
+            </a:lvl9pPr>
+          </a:lstStyle>
+          <a:p>
+            <a:pPr eaLnBrk="1" hangingPunct="1">
+              <a:spcBef>
+                <a:spcPct val="50000"/>
+              </a:spcBef>
+            </a:pPr>
+            <a:r>
+              <a:rPr lang="en-US" sz="2800" b="1" dirty="0">
+                <a:solidFill>
+                  <a:srgbClr val="000000"/>
+                </a:solidFill>
+                <a:latin typeface="Garamond" panose="02020404030301010803" pitchFamily="18" charset="0"/>
+                <a:cs typeface="Gill Sans" panose="020B0502020104020203" pitchFamily="34" charset="-79"/>
+              </a:rPr>
+              <a:t>Secure Communication</a:t>
+            </a:r>
+            <a:endParaRPr lang="en-US" sz="2200" b="1" dirty="0">
+              <a:solidFill>
+                <a:srgbClr val="000000"/>
+              </a:solidFill>
+              <a:latin typeface="Garamond" panose="02020404030301010803" pitchFamily="18" charset="0"/>
+              <a:cs typeface="Gill Sans" panose="020B0502020104020203" pitchFamily="34" charset="-79"/>
+            </a:endParaRPr>
+          </a:p>
+          <a:p>
+            <a:pPr eaLnBrk="1" hangingPunct="1">
+              <a:spcBef>
+                <a:spcPct val="50000"/>
+              </a:spcBef>
+            </a:pPr>
+            <a:endParaRPr lang="en-US" sz="3200" b="1" dirty="0">
+              <a:latin typeface="Garamond" panose="02020404030301010803" pitchFamily="18" charset="0"/>
+              <a:cs typeface="Gill Sans" panose="020B0502020104020203" pitchFamily="34" charset="-79"/>
+            </a:endParaRPr>
+          </a:p>
+        </p:txBody>
+      </p:sp>
+      <p:sp>
+        <p:nvSpPr>
+          <p:cNvPr id="65" name="Text Box 24">
+            <a:extLst>
+              <a:ext uri="{FF2B5EF4-FFF2-40B4-BE49-F238E27FC236}">
+                <a16:creationId xmlns:a16="http://schemas.microsoft.com/office/drawing/2014/main" id="{92CA782D-391A-9078-1859-08E4A02B3284}"/>
+              </a:ext>
+            </a:extLst>
+          </p:cNvPr>
+          <p:cNvSpPr txBox="1">
+            <a:spLocks noChangeArrowheads="1"/>
+          </p:cNvSpPr>
+          <p:nvPr/>
+        </p:nvSpPr>
+        <p:spPr bwMode="auto">
+          <a:xfrm>
+            <a:off x="1950331" y="24603512"/>
+            <a:ext cx="4298069" cy="2387460"/>
+          </a:xfrm>
+          <a:prstGeom prst="rect">
+            <a:avLst/>
+          </a:prstGeom>
+          <a:noFill/>
+          <a:ln>
+            <a:noFill/>
+          </a:ln>
+          <a:effectLst/>
+          <a:extLst>
+            <a:ext uri="{909E8E84-426E-40DD-AFC4-6F175D3DCCD1}">
+              <a14:hiddenFill xmlns:a14="http://schemas.microsoft.com/office/drawing/2010/main">
+                <a:solidFill>
+                  <a:schemeClr val="accent1"/>
+                </a:solidFill>
+              </a14:hiddenFill>
+            </a:ext>
+            <a:ext uri="{91240B29-F687-4F45-9708-019B960494DF}">
+              <a14:hiddenLine xmlns:a14="http://schemas.microsoft.com/office/drawing/2010/main" w="9525">
+                <a:solidFill>
+                  <a:schemeClr val="tx1"/>
+                </a:solidFill>
+                <a:miter lim="800000"/>
+                <a:headEnd/>
+                <a:tailEnd/>
+              </a14:hiddenLine>
+            </a:ext>
+            <a:ext uri="{AF507438-7753-43E0-B8FC-AC1667EBCBE1}">
+              <a14:hiddenEffects xmlns:a14="http://schemas.microsoft.com/office/drawing/2010/main">
+                <a:effectLst>
+                  <a:outerShdw dist="35921" dir="2700000" algn="ctr" rotWithShape="0">
+                    <a:schemeClr val="bg2"/>
+                  </a:outerShdw>
+                </a:effectLst>
+              </a14:hiddenEffects>
+            </a:ext>
+          </a:extLst>
+        </p:spPr>
+        <p:txBody>
+          <a:bodyPr wrap="square" lIns="352689" tIns="176345" rIns="352689" bIns="176345">
+            <a:spAutoFit/>
+          </a:bodyPr>
+          <a:lstStyle>
+            <a:lvl1pPr eaLnBrk="0" hangingPunct="0">
+              <a:defRPr>
+                <a:solidFill>
+                  <a:schemeClr val="tx1"/>
+                </a:solidFill>
+                <a:latin typeface="Arial" charset="0"/>
+              </a:defRPr>
+            </a:lvl1pPr>
+            <a:lvl2pPr marL="742950" indent="-285750" eaLnBrk="0" hangingPunct="0">
+              <a:defRPr>
+                <a:solidFill>
+                  <a:schemeClr val="tx1"/>
+                </a:solidFill>
+                <a:latin typeface="Arial" charset="0"/>
+              </a:defRPr>
+            </a:lvl2pPr>
+            <a:lvl3pPr marL="1143000" indent="-228600" eaLnBrk="0" hangingPunct="0">
+              <a:defRPr>
+                <a:solidFill>
+                  <a:schemeClr val="tx1"/>
+                </a:solidFill>
+                <a:latin typeface="Arial" charset="0"/>
+              </a:defRPr>
+            </a:lvl3pPr>
+            <a:lvl4pPr marL="1600200" indent="-228600" eaLnBrk="0" hangingPunct="0">
+              <a:defRPr>
+                <a:solidFill>
+                  <a:schemeClr val="tx1"/>
+                </a:solidFill>
+                <a:latin typeface="Arial" charset="0"/>
+              </a:defRPr>
+            </a:lvl4pPr>
+            <a:lvl5pPr marL="2057400" indent="-228600" eaLnBrk="0" hangingPunct="0">
+              <a:defRPr>
+                <a:solidFill>
+                  <a:schemeClr val="tx1"/>
+                </a:solidFill>
+                <a:latin typeface="Arial" charset="0"/>
+              </a:defRPr>
+            </a:lvl5pPr>
+            <a:lvl6pPr marL="2514600" indent="-228600" eaLnBrk="0" fontAlgn="base" hangingPunct="0">
+              <a:spcBef>
+                <a:spcPct val="0"/>
+              </a:spcBef>
+              <a:spcAft>
+                <a:spcPct val="0"/>
+              </a:spcAft>
+              <a:defRPr>
+                <a:solidFill>
+                  <a:schemeClr val="tx1"/>
+                </a:solidFill>
+                <a:latin typeface="Arial" charset="0"/>
+              </a:defRPr>
+            </a:lvl6pPr>
+            <a:lvl7pPr marL="2971800" indent="-228600" eaLnBrk="0" fontAlgn="base" hangingPunct="0">
+              <a:spcBef>
+                <a:spcPct val="0"/>
+              </a:spcBef>
+              <a:spcAft>
+                <a:spcPct val="0"/>
+              </a:spcAft>
+              <a:defRPr>
+                <a:solidFill>
+                  <a:schemeClr val="tx1"/>
+                </a:solidFill>
+                <a:latin typeface="Arial" charset="0"/>
+              </a:defRPr>
+            </a:lvl7pPr>
+            <a:lvl8pPr marL="3429000" indent="-228600" eaLnBrk="0" fontAlgn="base" hangingPunct="0">
+              <a:spcBef>
+                <a:spcPct val="0"/>
+              </a:spcBef>
+              <a:spcAft>
+                <a:spcPct val="0"/>
+              </a:spcAft>
+              <a:defRPr>
+                <a:solidFill>
+                  <a:schemeClr val="tx1"/>
+                </a:solidFill>
+                <a:latin typeface="Arial" charset="0"/>
+              </a:defRPr>
+            </a:lvl8pPr>
+            <a:lvl9pPr marL="3886200" indent="-228600" eaLnBrk="0" fontAlgn="base" hangingPunct="0">
+              <a:spcBef>
+                <a:spcPct val="0"/>
+              </a:spcBef>
+              <a:spcAft>
+                <a:spcPct val="0"/>
+              </a:spcAft>
+              <a:defRPr>
+                <a:solidFill>
+                  <a:schemeClr val="tx1"/>
+                </a:solidFill>
+                <a:latin typeface="Arial" charset="0"/>
+              </a:defRPr>
+            </a:lvl9pPr>
+          </a:lstStyle>
+          <a:p>
+            <a:pPr eaLnBrk="1" hangingPunct="1">
+              <a:spcBef>
+                <a:spcPct val="50000"/>
+              </a:spcBef>
+            </a:pPr>
+            <a:r>
+              <a:rPr lang="en-US" sz="2200" dirty="0">
+                <a:solidFill>
+                  <a:srgbClr val="000000"/>
+                </a:solidFill>
+                <a:latin typeface="Garamond" panose="02020404030301010803" pitchFamily="18" charset="0"/>
+                <a:cs typeface="Gill Sans" panose="020B0502020104020203" pitchFamily="34" charset="-79"/>
+              </a:rPr>
+              <a:t>Implement a barcode on the race bibs that can be scanned to automatically fill in the runner’s personal information in the medical forms, streamlining the data entry process.</a:t>
+            </a:r>
+          </a:p>
+        </p:txBody>
+      </p:sp>
+      <p:sp>
+        <p:nvSpPr>
+          <p:cNvPr id="69" name="Oval 68">
+            <a:extLst>
+              <a:ext uri="{FF2B5EF4-FFF2-40B4-BE49-F238E27FC236}">
+                <a16:creationId xmlns:a16="http://schemas.microsoft.com/office/drawing/2014/main" id="{23343273-DF61-6897-223B-FF227BC55378}"/>
+              </a:ext>
+            </a:extLst>
+          </p:cNvPr>
+          <p:cNvSpPr/>
+          <p:nvPr/>
+        </p:nvSpPr>
+        <p:spPr>
+          <a:xfrm>
+            <a:off x="11843066" y="24337834"/>
+            <a:ext cx="1125395" cy="1134788"/>
+          </a:xfrm>
+          <a:prstGeom prst="ellipse">
+            <a:avLst/>
+          </a:prstGeom>
+          <a:solidFill>
+            <a:srgbClr val="002554"/>
+          </a:solidFill>
+          <a:ln>
+            <a:solidFill>
+              <a:srgbClr val="002454"/>
+            </a:solidFill>
+          </a:ln>
+        </p:spPr>
+        <p:style>
+          <a:lnRef idx="2">
+            <a:schemeClr val="accent1">
+              <a:shade val="15000"/>
+            </a:schemeClr>
+          </a:lnRef>
+          <a:fillRef idx="1">
+            <a:schemeClr val="accent1"/>
+          </a:fillRef>
+          <a:effectRef idx="0">
+            <a:schemeClr val="accent1"/>
+          </a:effectRef>
+          <a:fontRef idx="minor">
+            <a:schemeClr val="lt1"/>
+          </a:fontRef>
+        </p:style>
+        <p:txBody>
+          <a:bodyPr rtlCol="0" anchor="ctr"/>
+          <a:lstStyle/>
+          <a:p>
+            <a:pPr algn="ctr"/>
+            <a:endParaRPr lang="en-US"/>
+          </a:p>
+        </p:txBody>
+      </p:sp>
+      <p:pic>
+        <p:nvPicPr>
+          <p:cNvPr id="73" name="Picture 22">
+            <a:extLst>
+              <a:ext uri="{FF2B5EF4-FFF2-40B4-BE49-F238E27FC236}">
+                <a16:creationId xmlns:a16="http://schemas.microsoft.com/office/drawing/2014/main" id="{4E39A904-780A-7E50-646B-C1B3A2EF81BD}"/>
+              </a:ext>
+            </a:extLst>
+          </p:cNvPr>
+          <p:cNvPicPr>
+            <a:picLocks noChangeAspect="1" noChangeArrowheads="1"/>
+          </p:cNvPicPr>
+          <p:nvPr/>
+        </p:nvPicPr>
+        <p:blipFill>
+          <a:blip r:embed="rId14">
+            <a:extLst>
+              <a:ext uri="{28A0092B-C50C-407E-A947-70E740481C1C}">
+                <a14:useLocalDpi xmlns:a14="http://schemas.microsoft.com/office/drawing/2010/main" val="0"/>
+              </a:ext>
+            </a:extLst>
+          </a:blip>
+          <a:srcRect/>
+          <a:stretch>
+            <a:fillRect/>
+          </a:stretch>
+        </p:blipFill>
+        <p:spPr bwMode="auto">
+          <a:xfrm>
+            <a:off x="12036138" y="24522694"/>
+            <a:ext cx="721328" cy="721328"/>
+          </a:xfrm>
+          <a:prstGeom prst="rect">
+            <a:avLst/>
+          </a:prstGeom>
+          <a:noFill/>
+          <a:extLst>
+            <a:ext uri="{909E8E84-426E-40DD-AFC4-6F175D3DCCD1}">
+              <a14:hiddenFill xmlns:a14="http://schemas.microsoft.com/office/drawing/2010/main">
+                <a:solidFill>
+                  <a:srgbClr val="FFFFFF"/>
+                </a:solidFill>
+              </a14:hiddenFill>
+            </a:ext>
+          </a:extLst>
+        </p:spPr>
+      </p:pic>
+      <p:sp>
+        <p:nvSpPr>
+          <p:cNvPr id="75" name="Text Box 24">
+            <a:extLst>
+              <a:ext uri="{FF2B5EF4-FFF2-40B4-BE49-F238E27FC236}">
+                <a16:creationId xmlns:a16="http://schemas.microsoft.com/office/drawing/2014/main" id="{6219B4E7-29C3-731F-3C7A-738E2EAFF2CB}"/>
+              </a:ext>
+            </a:extLst>
+          </p:cNvPr>
+          <p:cNvSpPr txBox="1">
+            <a:spLocks noChangeArrowheads="1"/>
+          </p:cNvSpPr>
+          <p:nvPr/>
+        </p:nvSpPr>
+        <p:spPr bwMode="auto">
+          <a:xfrm>
+            <a:off x="13051647" y="24101022"/>
+            <a:ext cx="5649419" cy="1525685"/>
+          </a:xfrm>
+          <a:prstGeom prst="rect">
+            <a:avLst/>
+          </a:prstGeom>
+          <a:noFill/>
+          <a:ln>
+            <a:noFill/>
+          </a:ln>
+          <a:effectLst/>
+          <a:extLst>
+            <a:ext uri="{909E8E84-426E-40DD-AFC4-6F175D3DCCD1}">
+              <a14:hiddenFill xmlns:a14="http://schemas.microsoft.com/office/drawing/2010/main">
+                <a:solidFill>
+                  <a:schemeClr val="accent1"/>
+                </a:solidFill>
+              </a14:hiddenFill>
+            </a:ext>
+            <a:ext uri="{91240B29-F687-4F45-9708-019B960494DF}">
+              <a14:hiddenLine xmlns:a14="http://schemas.microsoft.com/office/drawing/2010/main" w="9525">
+                <a:solidFill>
+                  <a:schemeClr val="tx1"/>
+                </a:solidFill>
+                <a:miter lim="800000"/>
+                <a:headEnd/>
+                <a:tailEnd/>
+              </a14:hiddenLine>
+            </a:ext>
+            <a:ext uri="{AF507438-7753-43E0-B8FC-AC1667EBCBE1}">
+              <a14:hiddenEffects xmlns:a14="http://schemas.microsoft.com/office/drawing/2010/main">
+                <a:effectLst>
+                  <a:outerShdw dist="35921" dir="2700000" algn="ctr" rotWithShape="0">
+                    <a:schemeClr val="bg2"/>
+                  </a:outerShdw>
+                </a:effectLst>
+              </a14:hiddenEffects>
+            </a:ext>
+          </a:extLst>
+        </p:spPr>
+        <p:txBody>
+          <a:bodyPr wrap="square" lIns="352689" tIns="176345" rIns="352689" bIns="176345">
+            <a:spAutoFit/>
+          </a:bodyPr>
+          <a:lstStyle>
+            <a:lvl1pPr eaLnBrk="0" hangingPunct="0">
+              <a:defRPr>
+                <a:solidFill>
+                  <a:schemeClr val="tx1"/>
+                </a:solidFill>
+                <a:latin typeface="Arial" charset="0"/>
+              </a:defRPr>
+            </a:lvl1pPr>
+            <a:lvl2pPr marL="742950" indent="-285750" eaLnBrk="0" hangingPunct="0">
+              <a:defRPr>
+                <a:solidFill>
+                  <a:schemeClr val="tx1"/>
+                </a:solidFill>
+                <a:latin typeface="Arial" charset="0"/>
+              </a:defRPr>
+            </a:lvl2pPr>
+            <a:lvl3pPr marL="1143000" indent="-228600" eaLnBrk="0" hangingPunct="0">
+              <a:defRPr>
+                <a:solidFill>
+                  <a:schemeClr val="tx1"/>
+                </a:solidFill>
+                <a:latin typeface="Arial" charset="0"/>
+              </a:defRPr>
+            </a:lvl3pPr>
+            <a:lvl4pPr marL="1600200" indent="-228600" eaLnBrk="0" hangingPunct="0">
+              <a:defRPr>
+                <a:solidFill>
+                  <a:schemeClr val="tx1"/>
+                </a:solidFill>
+                <a:latin typeface="Arial" charset="0"/>
+              </a:defRPr>
+            </a:lvl4pPr>
+            <a:lvl5pPr marL="2057400" indent="-228600" eaLnBrk="0" hangingPunct="0">
+              <a:defRPr>
+                <a:solidFill>
+                  <a:schemeClr val="tx1"/>
+                </a:solidFill>
+                <a:latin typeface="Arial" charset="0"/>
+              </a:defRPr>
+            </a:lvl5pPr>
+            <a:lvl6pPr marL="2514600" indent="-228600" eaLnBrk="0" fontAlgn="base" hangingPunct="0">
+              <a:spcBef>
+                <a:spcPct val="0"/>
+              </a:spcBef>
+              <a:spcAft>
+                <a:spcPct val="0"/>
+              </a:spcAft>
+              <a:defRPr>
+                <a:solidFill>
+                  <a:schemeClr val="tx1"/>
+                </a:solidFill>
+                <a:latin typeface="Arial" charset="0"/>
+              </a:defRPr>
+            </a:lvl6pPr>
+            <a:lvl7pPr marL="2971800" indent="-228600" eaLnBrk="0" fontAlgn="base" hangingPunct="0">
+              <a:spcBef>
+                <a:spcPct val="0"/>
+              </a:spcBef>
+              <a:spcAft>
+                <a:spcPct val="0"/>
+              </a:spcAft>
+              <a:defRPr>
+                <a:solidFill>
+                  <a:schemeClr val="tx1"/>
+                </a:solidFill>
+                <a:latin typeface="Arial" charset="0"/>
+              </a:defRPr>
+            </a:lvl7pPr>
+            <a:lvl8pPr marL="3429000" indent="-228600" eaLnBrk="0" fontAlgn="base" hangingPunct="0">
+              <a:spcBef>
+                <a:spcPct val="0"/>
+              </a:spcBef>
+              <a:spcAft>
+                <a:spcPct val="0"/>
+              </a:spcAft>
+              <a:defRPr>
+                <a:solidFill>
+                  <a:schemeClr val="tx1"/>
+                </a:solidFill>
+                <a:latin typeface="Arial" charset="0"/>
+              </a:defRPr>
+            </a:lvl8pPr>
+            <a:lvl9pPr marL="3886200" indent="-228600" eaLnBrk="0" fontAlgn="base" hangingPunct="0">
+              <a:spcBef>
+                <a:spcPct val="0"/>
+              </a:spcBef>
+              <a:spcAft>
+                <a:spcPct val="0"/>
+              </a:spcAft>
+              <a:defRPr>
+                <a:solidFill>
+                  <a:schemeClr val="tx1"/>
+                </a:solidFill>
+                <a:latin typeface="Arial" charset="0"/>
+              </a:defRPr>
+            </a:lvl9pPr>
+          </a:lstStyle>
+          <a:p>
+            <a:pPr eaLnBrk="1" hangingPunct="1">
+              <a:spcBef>
+                <a:spcPct val="50000"/>
+              </a:spcBef>
+            </a:pPr>
+            <a:r>
+              <a:rPr lang="en-US" sz="2800" b="1" dirty="0">
+                <a:solidFill>
+                  <a:srgbClr val="000000"/>
+                </a:solidFill>
+                <a:latin typeface="Garamond" panose="02020404030301010803" pitchFamily="18" charset="0"/>
+                <a:cs typeface="Gill Sans" panose="020B0502020104020203" pitchFamily="34" charset="-79"/>
+              </a:rPr>
+              <a:t>Mesh Network</a:t>
+            </a:r>
+            <a:endParaRPr lang="en-US" sz="2200" b="1" dirty="0">
+              <a:solidFill>
+                <a:srgbClr val="000000"/>
+              </a:solidFill>
+              <a:latin typeface="Garamond" panose="02020404030301010803" pitchFamily="18" charset="0"/>
+              <a:cs typeface="Gill Sans" panose="020B0502020104020203" pitchFamily="34" charset="-79"/>
+            </a:endParaRPr>
+          </a:p>
+          <a:p>
+            <a:pPr eaLnBrk="1" hangingPunct="1">
+              <a:spcBef>
+                <a:spcPct val="50000"/>
+              </a:spcBef>
+            </a:pPr>
+            <a:endParaRPr lang="en-US" sz="3200" b="1" dirty="0">
+              <a:latin typeface="Garamond" panose="02020404030301010803" pitchFamily="18" charset="0"/>
+              <a:cs typeface="Gill Sans" panose="020B0502020104020203" pitchFamily="34" charset="-79"/>
+            </a:endParaRPr>
+          </a:p>
+        </p:txBody>
+      </p:sp>
+      <p:sp>
+        <p:nvSpPr>
+          <p:cNvPr id="77" name="Text Box 24">
+            <a:extLst>
+              <a:ext uri="{FF2B5EF4-FFF2-40B4-BE49-F238E27FC236}">
+                <a16:creationId xmlns:a16="http://schemas.microsoft.com/office/drawing/2014/main" id="{F81B4409-7086-F793-51BB-0FC77E1B26F8}"/>
+              </a:ext>
+            </a:extLst>
+          </p:cNvPr>
+          <p:cNvSpPr txBox="1">
+            <a:spLocks noChangeArrowheads="1"/>
+          </p:cNvSpPr>
+          <p:nvPr/>
+        </p:nvSpPr>
+        <p:spPr bwMode="auto">
+          <a:xfrm>
+            <a:off x="13062266" y="24623807"/>
+            <a:ext cx="4106562" cy="3126123"/>
+          </a:xfrm>
+          <a:prstGeom prst="rect">
+            <a:avLst/>
+          </a:prstGeom>
+          <a:noFill/>
+          <a:ln>
+            <a:noFill/>
+          </a:ln>
+          <a:effectLst/>
+          <a:extLst>
+            <a:ext uri="{909E8E84-426E-40DD-AFC4-6F175D3DCCD1}">
+              <a14:hiddenFill xmlns:a14="http://schemas.microsoft.com/office/drawing/2010/main">
+                <a:solidFill>
+                  <a:schemeClr val="accent1"/>
+                </a:solidFill>
+              </a14:hiddenFill>
+            </a:ext>
+            <a:ext uri="{91240B29-F687-4F45-9708-019B960494DF}">
+              <a14:hiddenLine xmlns:a14="http://schemas.microsoft.com/office/drawing/2010/main" w="9525">
+                <a:solidFill>
+                  <a:schemeClr val="tx1"/>
+                </a:solidFill>
+                <a:miter lim="800000"/>
+                <a:headEnd/>
+                <a:tailEnd/>
+              </a14:hiddenLine>
+            </a:ext>
+            <a:ext uri="{AF507438-7753-43E0-B8FC-AC1667EBCBE1}">
+              <a14:hiddenEffects xmlns:a14="http://schemas.microsoft.com/office/drawing/2010/main">
+                <a:effectLst>
+                  <a:outerShdw dist="35921" dir="2700000" algn="ctr" rotWithShape="0">
+                    <a:schemeClr val="bg2"/>
+                  </a:outerShdw>
+                </a:effectLst>
+              </a14:hiddenEffects>
+            </a:ext>
+          </a:extLst>
+        </p:spPr>
+        <p:txBody>
+          <a:bodyPr wrap="square" lIns="352689" tIns="176345" rIns="352689" bIns="176345">
+            <a:spAutoFit/>
+          </a:bodyPr>
+          <a:lstStyle>
+            <a:lvl1pPr eaLnBrk="0" hangingPunct="0">
+              <a:defRPr>
+                <a:solidFill>
+                  <a:schemeClr val="tx1"/>
+                </a:solidFill>
+                <a:latin typeface="Arial" charset="0"/>
+              </a:defRPr>
+            </a:lvl1pPr>
+            <a:lvl2pPr marL="742950" indent="-285750" eaLnBrk="0" hangingPunct="0">
+              <a:defRPr>
+                <a:solidFill>
+                  <a:schemeClr val="tx1"/>
+                </a:solidFill>
+                <a:latin typeface="Arial" charset="0"/>
+              </a:defRPr>
+            </a:lvl2pPr>
+            <a:lvl3pPr marL="1143000" indent="-228600" eaLnBrk="0" hangingPunct="0">
+              <a:defRPr>
+                <a:solidFill>
+                  <a:schemeClr val="tx1"/>
+                </a:solidFill>
+                <a:latin typeface="Arial" charset="0"/>
+              </a:defRPr>
+            </a:lvl3pPr>
+            <a:lvl4pPr marL="1600200" indent="-228600" eaLnBrk="0" hangingPunct="0">
+              <a:defRPr>
+                <a:solidFill>
+                  <a:schemeClr val="tx1"/>
+                </a:solidFill>
+                <a:latin typeface="Arial" charset="0"/>
+              </a:defRPr>
+            </a:lvl4pPr>
+            <a:lvl5pPr marL="2057400" indent="-228600" eaLnBrk="0" hangingPunct="0">
+              <a:defRPr>
+                <a:solidFill>
+                  <a:schemeClr val="tx1"/>
+                </a:solidFill>
+                <a:latin typeface="Arial" charset="0"/>
+              </a:defRPr>
+            </a:lvl5pPr>
+            <a:lvl6pPr marL="2514600" indent="-228600" eaLnBrk="0" fontAlgn="base" hangingPunct="0">
+              <a:spcBef>
+                <a:spcPct val="0"/>
+              </a:spcBef>
+              <a:spcAft>
+                <a:spcPct val="0"/>
+              </a:spcAft>
+              <a:defRPr>
+                <a:solidFill>
+                  <a:schemeClr val="tx1"/>
+                </a:solidFill>
+                <a:latin typeface="Arial" charset="0"/>
+              </a:defRPr>
+            </a:lvl6pPr>
+            <a:lvl7pPr marL="2971800" indent="-228600" eaLnBrk="0" fontAlgn="base" hangingPunct="0">
+              <a:spcBef>
+                <a:spcPct val="0"/>
+              </a:spcBef>
+              <a:spcAft>
+                <a:spcPct val="0"/>
+              </a:spcAft>
+              <a:defRPr>
+                <a:solidFill>
+                  <a:schemeClr val="tx1"/>
+                </a:solidFill>
+                <a:latin typeface="Arial" charset="0"/>
+              </a:defRPr>
+            </a:lvl7pPr>
+            <a:lvl8pPr marL="3429000" indent="-228600" eaLnBrk="0" fontAlgn="base" hangingPunct="0">
+              <a:spcBef>
+                <a:spcPct val="0"/>
+              </a:spcBef>
+              <a:spcAft>
+                <a:spcPct val="0"/>
+              </a:spcAft>
+              <a:defRPr>
+                <a:solidFill>
+                  <a:schemeClr val="tx1"/>
+                </a:solidFill>
+                <a:latin typeface="Arial" charset="0"/>
+              </a:defRPr>
+            </a:lvl8pPr>
+            <a:lvl9pPr marL="3886200" indent="-228600" eaLnBrk="0" fontAlgn="base" hangingPunct="0">
+              <a:spcBef>
+                <a:spcPct val="0"/>
+              </a:spcBef>
+              <a:spcAft>
+                <a:spcPct val="0"/>
+              </a:spcAft>
+              <a:defRPr>
+                <a:solidFill>
+                  <a:schemeClr val="tx1"/>
+                </a:solidFill>
+                <a:latin typeface="Arial" charset="0"/>
+              </a:defRPr>
+            </a:lvl9pPr>
+          </a:lstStyle>
+          <a:p>
+            <a:pPr eaLnBrk="1" hangingPunct="1">
+              <a:spcBef>
+                <a:spcPct val="50000"/>
+              </a:spcBef>
+            </a:pPr>
+            <a:r>
+              <a:rPr lang="en-US" sz="2200" dirty="0">
+                <a:solidFill>
+                  <a:srgbClr val="000000"/>
+                </a:solidFill>
+                <a:latin typeface="Garamond" panose="02020404030301010803" pitchFamily="18" charset="0"/>
+                <a:cs typeface="Gill Sans" panose="020B0502020104020203" pitchFamily="34" charset="-79"/>
+              </a:rPr>
+              <a:t>Deploy a software-defined mesh network with nodes connected to laptops place in the aid tents to replace use of HAM Radio and provide real-time data updates.</a:t>
+            </a:r>
+          </a:p>
+          <a:p>
+            <a:pPr eaLnBrk="1" hangingPunct="1">
+              <a:spcBef>
+                <a:spcPct val="50000"/>
+              </a:spcBef>
+            </a:pPr>
+            <a:endParaRPr lang="en-US" sz="3200" dirty="0">
+              <a:latin typeface="Garamond" panose="02020404030301010803" pitchFamily="18" charset="0"/>
+              <a:cs typeface="Gill Sans" panose="020B0502020104020203" pitchFamily="34" charset="-79"/>
+            </a:endParaRPr>
+          </a:p>
+        </p:txBody>
+      </p:sp>
+      <p:sp>
+        <p:nvSpPr>
+          <p:cNvPr id="79" name="Oval 78">
+            <a:extLst>
+              <a:ext uri="{FF2B5EF4-FFF2-40B4-BE49-F238E27FC236}">
+                <a16:creationId xmlns:a16="http://schemas.microsoft.com/office/drawing/2014/main" id="{F74895D8-F1F4-0AF0-5D17-D9179F05D4D6}"/>
+              </a:ext>
+            </a:extLst>
+          </p:cNvPr>
+          <p:cNvSpPr/>
+          <p:nvPr/>
+        </p:nvSpPr>
+        <p:spPr>
+          <a:xfrm>
+            <a:off x="16731555" y="24317335"/>
+            <a:ext cx="1125395" cy="1134788"/>
+          </a:xfrm>
+          <a:prstGeom prst="ellipse">
+            <a:avLst/>
+          </a:prstGeom>
+          <a:solidFill>
+            <a:srgbClr val="002554"/>
+          </a:solidFill>
+          <a:ln>
+            <a:solidFill>
+              <a:srgbClr val="002454"/>
+            </a:solidFill>
+          </a:ln>
+        </p:spPr>
+        <p:style>
+          <a:lnRef idx="2">
+            <a:schemeClr val="accent1">
+              <a:shade val="15000"/>
+            </a:schemeClr>
+          </a:lnRef>
+          <a:fillRef idx="1">
+            <a:schemeClr val="accent1"/>
+          </a:fillRef>
+          <a:effectRef idx="0">
+            <a:schemeClr val="accent1"/>
+          </a:effectRef>
+          <a:fontRef idx="minor">
+            <a:schemeClr val="lt1"/>
+          </a:fontRef>
+        </p:style>
+        <p:txBody>
+          <a:bodyPr rtlCol="0" anchor="ctr"/>
+          <a:lstStyle/>
+          <a:p>
+            <a:pPr algn="ctr"/>
+            <a:endParaRPr lang="en-US"/>
+          </a:p>
+        </p:txBody>
+      </p:sp>
+      <p:pic>
+        <p:nvPicPr>
+          <p:cNvPr id="80" name="Picture 16">
+            <a:extLst>
+              <a:ext uri="{FF2B5EF4-FFF2-40B4-BE49-F238E27FC236}">
+                <a16:creationId xmlns:a16="http://schemas.microsoft.com/office/drawing/2014/main" id="{D51DDA06-2981-787F-57C5-A3C5C073B574}"/>
+              </a:ext>
+            </a:extLst>
+          </p:cNvPr>
+          <p:cNvPicPr>
+            <a:picLocks noChangeAspect="1" noChangeArrowheads="1"/>
+          </p:cNvPicPr>
+          <p:nvPr/>
+        </p:nvPicPr>
+        <p:blipFill>
+          <a:blip r:embed="rId11">
+            <a:extLst>
+              <a:ext uri="{28A0092B-C50C-407E-A947-70E740481C1C}">
+                <a14:useLocalDpi xmlns:a14="http://schemas.microsoft.com/office/drawing/2010/main" val="0"/>
+              </a:ext>
+            </a:extLst>
+          </a:blip>
+          <a:srcRect/>
+          <a:stretch>
+            <a:fillRect/>
+          </a:stretch>
+        </p:blipFill>
+        <p:spPr bwMode="auto">
+          <a:xfrm>
+            <a:off x="17036355" y="24506807"/>
+            <a:ext cx="531885" cy="749474"/>
+          </a:xfrm>
+          <a:prstGeom prst="rect">
+            <a:avLst/>
+          </a:prstGeom>
+          <a:noFill/>
+          <a:extLst>
+            <a:ext uri="{909E8E84-426E-40DD-AFC4-6F175D3DCCD1}">
+              <a14:hiddenFill xmlns:a14="http://schemas.microsoft.com/office/drawing/2010/main">
+                <a:solidFill>
+                  <a:srgbClr val="FFFFFF"/>
+                </a:solidFill>
+              </a14:hiddenFill>
+            </a:ext>
+          </a:extLst>
+        </p:spPr>
+      </p:pic>
+      <p:sp>
+        <p:nvSpPr>
+          <p:cNvPr id="81" name="Text Box 24">
+            <a:extLst>
+              <a:ext uri="{FF2B5EF4-FFF2-40B4-BE49-F238E27FC236}">
+                <a16:creationId xmlns:a16="http://schemas.microsoft.com/office/drawing/2014/main" id="{F8D6D4A2-674A-F620-CAA9-4FD53251E2C0}"/>
+              </a:ext>
+            </a:extLst>
+          </p:cNvPr>
+          <p:cNvSpPr txBox="1">
+            <a:spLocks noChangeArrowheads="1"/>
+          </p:cNvSpPr>
+          <p:nvPr/>
+        </p:nvSpPr>
+        <p:spPr bwMode="auto">
+          <a:xfrm>
+            <a:off x="17950755" y="24047922"/>
+            <a:ext cx="5325762" cy="1525685"/>
+          </a:xfrm>
+          <a:prstGeom prst="rect">
+            <a:avLst/>
+          </a:prstGeom>
+          <a:noFill/>
+          <a:ln>
+            <a:noFill/>
+          </a:ln>
+          <a:effectLst/>
+          <a:extLst>
+            <a:ext uri="{909E8E84-426E-40DD-AFC4-6F175D3DCCD1}">
+              <a14:hiddenFill xmlns:a14="http://schemas.microsoft.com/office/drawing/2010/main">
+                <a:solidFill>
+                  <a:schemeClr val="accent1"/>
+                </a:solidFill>
+              </a14:hiddenFill>
+            </a:ext>
+            <a:ext uri="{91240B29-F687-4F45-9708-019B960494DF}">
+              <a14:hiddenLine xmlns:a14="http://schemas.microsoft.com/office/drawing/2010/main" w="9525">
+                <a:solidFill>
+                  <a:schemeClr val="tx1"/>
+                </a:solidFill>
+                <a:miter lim="800000"/>
+                <a:headEnd/>
+                <a:tailEnd/>
+              </a14:hiddenLine>
+            </a:ext>
+            <a:ext uri="{AF507438-7753-43E0-B8FC-AC1667EBCBE1}">
+              <a14:hiddenEffects xmlns:a14="http://schemas.microsoft.com/office/drawing/2010/main">
+                <a:effectLst>
+                  <a:outerShdw dist="35921" dir="2700000" algn="ctr" rotWithShape="0">
+                    <a:schemeClr val="bg2"/>
+                  </a:outerShdw>
+                </a:effectLst>
+              </a14:hiddenEffects>
+            </a:ext>
+          </a:extLst>
+        </p:spPr>
+        <p:txBody>
+          <a:bodyPr wrap="square" lIns="352689" tIns="176345" rIns="352689" bIns="176345">
+            <a:spAutoFit/>
+          </a:bodyPr>
+          <a:lstStyle>
+            <a:lvl1pPr eaLnBrk="0" hangingPunct="0">
+              <a:defRPr>
+                <a:solidFill>
+                  <a:schemeClr val="tx1"/>
+                </a:solidFill>
+                <a:latin typeface="Arial" charset="0"/>
+              </a:defRPr>
+            </a:lvl1pPr>
+            <a:lvl2pPr marL="742950" indent="-285750" eaLnBrk="0" hangingPunct="0">
+              <a:defRPr>
+                <a:solidFill>
+                  <a:schemeClr val="tx1"/>
+                </a:solidFill>
+                <a:latin typeface="Arial" charset="0"/>
+              </a:defRPr>
+            </a:lvl2pPr>
+            <a:lvl3pPr marL="1143000" indent="-228600" eaLnBrk="0" hangingPunct="0">
+              <a:defRPr>
+                <a:solidFill>
+                  <a:schemeClr val="tx1"/>
+                </a:solidFill>
+                <a:latin typeface="Arial" charset="0"/>
+              </a:defRPr>
+            </a:lvl3pPr>
+            <a:lvl4pPr marL="1600200" indent="-228600" eaLnBrk="0" hangingPunct="0">
+              <a:defRPr>
+                <a:solidFill>
+                  <a:schemeClr val="tx1"/>
+                </a:solidFill>
+                <a:latin typeface="Arial" charset="0"/>
+              </a:defRPr>
+            </a:lvl4pPr>
+            <a:lvl5pPr marL="2057400" indent="-228600" eaLnBrk="0" hangingPunct="0">
+              <a:defRPr>
+                <a:solidFill>
+                  <a:schemeClr val="tx1"/>
+                </a:solidFill>
+                <a:latin typeface="Arial" charset="0"/>
+              </a:defRPr>
+            </a:lvl5pPr>
+            <a:lvl6pPr marL="2514600" indent="-228600" eaLnBrk="0" fontAlgn="base" hangingPunct="0">
+              <a:spcBef>
+                <a:spcPct val="0"/>
+              </a:spcBef>
+              <a:spcAft>
+                <a:spcPct val="0"/>
+              </a:spcAft>
+              <a:defRPr>
+                <a:solidFill>
+                  <a:schemeClr val="tx1"/>
+                </a:solidFill>
+                <a:latin typeface="Arial" charset="0"/>
+              </a:defRPr>
+            </a:lvl6pPr>
+            <a:lvl7pPr marL="2971800" indent="-228600" eaLnBrk="0" fontAlgn="base" hangingPunct="0">
+              <a:spcBef>
+                <a:spcPct val="0"/>
+              </a:spcBef>
+              <a:spcAft>
+                <a:spcPct val="0"/>
+              </a:spcAft>
+              <a:defRPr>
+                <a:solidFill>
+                  <a:schemeClr val="tx1"/>
+                </a:solidFill>
+                <a:latin typeface="Arial" charset="0"/>
+              </a:defRPr>
+            </a:lvl7pPr>
+            <a:lvl8pPr marL="3429000" indent="-228600" eaLnBrk="0" fontAlgn="base" hangingPunct="0">
+              <a:spcBef>
+                <a:spcPct val="0"/>
+              </a:spcBef>
+              <a:spcAft>
+                <a:spcPct val="0"/>
+              </a:spcAft>
+              <a:defRPr>
+                <a:solidFill>
+                  <a:schemeClr val="tx1"/>
+                </a:solidFill>
+                <a:latin typeface="Arial" charset="0"/>
+              </a:defRPr>
+            </a:lvl8pPr>
+            <a:lvl9pPr marL="3886200" indent="-228600" eaLnBrk="0" fontAlgn="base" hangingPunct="0">
+              <a:spcBef>
+                <a:spcPct val="0"/>
+              </a:spcBef>
+              <a:spcAft>
+                <a:spcPct val="0"/>
+              </a:spcAft>
+              <a:defRPr>
+                <a:solidFill>
+                  <a:schemeClr val="tx1"/>
+                </a:solidFill>
+                <a:latin typeface="Arial" charset="0"/>
+              </a:defRPr>
+            </a:lvl9pPr>
+          </a:lstStyle>
+          <a:p>
+            <a:pPr eaLnBrk="1" hangingPunct="1">
+              <a:spcBef>
+                <a:spcPct val="50000"/>
+              </a:spcBef>
+            </a:pPr>
+            <a:r>
+              <a:rPr lang="en-US" sz="2800" b="1" dirty="0">
+                <a:solidFill>
+                  <a:srgbClr val="000000"/>
+                </a:solidFill>
+                <a:latin typeface="Garamond" panose="02020404030301010803" pitchFamily="18" charset="0"/>
+                <a:cs typeface="Gill Sans" panose="020B0502020104020203" pitchFamily="34" charset="-79"/>
+              </a:rPr>
+              <a:t>Digital Medical Form</a:t>
+            </a:r>
+            <a:endParaRPr lang="en-US" sz="2200" b="1" dirty="0">
+              <a:solidFill>
+                <a:srgbClr val="000000"/>
+              </a:solidFill>
+              <a:latin typeface="Garamond" panose="02020404030301010803" pitchFamily="18" charset="0"/>
+              <a:cs typeface="Gill Sans" panose="020B0502020104020203" pitchFamily="34" charset="-79"/>
+            </a:endParaRPr>
+          </a:p>
+          <a:p>
+            <a:pPr eaLnBrk="1" hangingPunct="1">
+              <a:spcBef>
+                <a:spcPct val="50000"/>
+              </a:spcBef>
+            </a:pPr>
+            <a:endParaRPr lang="en-US" sz="3200" b="1" dirty="0">
+              <a:latin typeface="Garamond" panose="02020404030301010803" pitchFamily="18" charset="0"/>
+              <a:cs typeface="Gill Sans" panose="020B0502020104020203" pitchFamily="34" charset="-79"/>
+            </a:endParaRPr>
+          </a:p>
+        </p:txBody>
+      </p:sp>
+      <p:sp>
+        <p:nvSpPr>
+          <p:cNvPr id="82" name="Text Box 24">
+            <a:extLst>
+              <a:ext uri="{FF2B5EF4-FFF2-40B4-BE49-F238E27FC236}">
+                <a16:creationId xmlns:a16="http://schemas.microsoft.com/office/drawing/2014/main" id="{5EF47363-CBE1-68A5-C922-A08160A921BC}"/>
+              </a:ext>
+            </a:extLst>
+          </p:cNvPr>
+          <p:cNvSpPr txBox="1">
+            <a:spLocks noChangeArrowheads="1"/>
+          </p:cNvSpPr>
+          <p:nvPr/>
+        </p:nvSpPr>
+        <p:spPr bwMode="auto">
+          <a:xfrm>
+            <a:off x="17950755" y="24572392"/>
+            <a:ext cx="3690045" cy="3126123"/>
+          </a:xfrm>
+          <a:prstGeom prst="rect">
+            <a:avLst/>
+          </a:prstGeom>
+          <a:noFill/>
+          <a:ln>
+            <a:noFill/>
+          </a:ln>
+          <a:effectLst/>
+          <a:extLst>
+            <a:ext uri="{909E8E84-426E-40DD-AFC4-6F175D3DCCD1}">
+              <a14:hiddenFill xmlns:a14="http://schemas.microsoft.com/office/drawing/2010/main">
+                <a:solidFill>
+                  <a:schemeClr val="accent1"/>
+                </a:solidFill>
+              </a14:hiddenFill>
+            </a:ext>
+            <a:ext uri="{91240B29-F687-4F45-9708-019B960494DF}">
+              <a14:hiddenLine xmlns:a14="http://schemas.microsoft.com/office/drawing/2010/main" w="9525">
+                <a:solidFill>
+                  <a:schemeClr val="tx1"/>
+                </a:solidFill>
+                <a:miter lim="800000"/>
+                <a:headEnd/>
+                <a:tailEnd/>
+              </a14:hiddenLine>
+            </a:ext>
+            <a:ext uri="{AF507438-7753-43E0-B8FC-AC1667EBCBE1}">
+              <a14:hiddenEffects xmlns:a14="http://schemas.microsoft.com/office/drawing/2010/main">
+                <a:effectLst>
+                  <a:outerShdw dist="35921" dir="2700000" algn="ctr" rotWithShape="0">
+                    <a:schemeClr val="bg2"/>
+                  </a:outerShdw>
+                </a:effectLst>
+              </a14:hiddenEffects>
+            </a:ext>
+          </a:extLst>
+        </p:spPr>
+        <p:txBody>
+          <a:bodyPr wrap="square" lIns="352689" tIns="176345" rIns="352689" bIns="176345">
+            <a:spAutoFit/>
+          </a:bodyPr>
+          <a:lstStyle>
+            <a:lvl1pPr eaLnBrk="0" hangingPunct="0">
+              <a:defRPr>
+                <a:solidFill>
+                  <a:schemeClr val="tx1"/>
+                </a:solidFill>
+                <a:latin typeface="Arial" charset="0"/>
+              </a:defRPr>
+            </a:lvl1pPr>
+            <a:lvl2pPr marL="742950" indent="-285750" eaLnBrk="0" hangingPunct="0">
+              <a:defRPr>
+                <a:solidFill>
+                  <a:schemeClr val="tx1"/>
+                </a:solidFill>
+                <a:latin typeface="Arial" charset="0"/>
+              </a:defRPr>
+            </a:lvl2pPr>
+            <a:lvl3pPr marL="1143000" indent="-228600" eaLnBrk="0" hangingPunct="0">
+              <a:defRPr>
+                <a:solidFill>
+                  <a:schemeClr val="tx1"/>
+                </a:solidFill>
+                <a:latin typeface="Arial" charset="0"/>
+              </a:defRPr>
+            </a:lvl3pPr>
+            <a:lvl4pPr marL="1600200" indent="-228600" eaLnBrk="0" hangingPunct="0">
+              <a:defRPr>
+                <a:solidFill>
+                  <a:schemeClr val="tx1"/>
+                </a:solidFill>
+                <a:latin typeface="Arial" charset="0"/>
+              </a:defRPr>
+            </a:lvl4pPr>
+            <a:lvl5pPr marL="2057400" indent="-228600" eaLnBrk="0" hangingPunct="0">
+              <a:defRPr>
+                <a:solidFill>
+                  <a:schemeClr val="tx1"/>
+                </a:solidFill>
+                <a:latin typeface="Arial" charset="0"/>
+              </a:defRPr>
+            </a:lvl5pPr>
+            <a:lvl6pPr marL="2514600" indent="-228600" eaLnBrk="0" fontAlgn="base" hangingPunct="0">
+              <a:spcBef>
+                <a:spcPct val="0"/>
+              </a:spcBef>
+              <a:spcAft>
+                <a:spcPct val="0"/>
+              </a:spcAft>
+              <a:defRPr>
+                <a:solidFill>
+                  <a:schemeClr val="tx1"/>
+                </a:solidFill>
+                <a:latin typeface="Arial" charset="0"/>
+              </a:defRPr>
+            </a:lvl6pPr>
+            <a:lvl7pPr marL="2971800" indent="-228600" eaLnBrk="0" fontAlgn="base" hangingPunct="0">
+              <a:spcBef>
+                <a:spcPct val="0"/>
+              </a:spcBef>
+              <a:spcAft>
+                <a:spcPct val="0"/>
+              </a:spcAft>
+              <a:defRPr>
+                <a:solidFill>
+                  <a:schemeClr val="tx1"/>
+                </a:solidFill>
+                <a:latin typeface="Arial" charset="0"/>
+              </a:defRPr>
+            </a:lvl7pPr>
+            <a:lvl8pPr marL="3429000" indent="-228600" eaLnBrk="0" fontAlgn="base" hangingPunct="0">
+              <a:spcBef>
+                <a:spcPct val="0"/>
+              </a:spcBef>
+              <a:spcAft>
+                <a:spcPct val="0"/>
+              </a:spcAft>
+              <a:defRPr>
+                <a:solidFill>
+                  <a:schemeClr val="tx1"/>
+                </a:solidFill>
+                <a:latin typeface="Arial" charset="0"/>
+              </a:defRPr>
+            </a:lvl8pPr>
+            <a:lvl9pPr marL="3886200" indent="-228600" eaLnBrk="0" fontAlgn="base" hangingPunct="0">
+              <a:spcBef>
+                <a:spcPct val="0"/>
+              </a:spcBef>
+              <a:spcAft>
+                <a:spcPct val="0"/>
+              </a:spcAft>
+              <a:defRPr>
+                <a:solidFill>
+                  <a:schemeClr val="tx1"/>
+                </a:solidFill>
+                <a:latin typeface="Arial" charset="0"/>
+              </a:defRPr>
+            </a:lvl9pPr>
+          </a:lstStyle>
+          <a:p>
+            <a:pPr eaLnBrk="1" hangingPunct="1">
+              <a:spcBef>
+                <a:spcPct val="50000"/>
+              </a:spcBef>
+            </a:pPr>
+            <a:r>
+              <a:rPr lang="en-US" sz="2200" dirty="0">
+                <a:solidFill>
+                  <a:srgbClr val="000000"/>
+                </a:solidFill>
+                <a:latin typeface="Garamond" panose="02020404030301010803" pitchFamily="18" charset="0"/>
+                <a:cs typeface="Gill Sans" panose="020B0502020104020203" pitchFamily="34" charset="-79"/>
+              </a:rPr>
+              <a:t>Create a script that automatically sends the filled medical forms to the runner’s email, eliminating the need for paper-based forms.</a:t>
+            </a:r>
+          </a:p>
+          <a:p>
+            <a:pPr eaLnBrk="1" hangingPunct="1">
+              <a:spcBef>
+                <a:spcPct val="50000"/>
+              </a:spcBef>
+            </a:pPr>
+            <a:endParaRPr lang="en-US" sz="3200" dirty="0">
+              <a:latin typeface="Garamond" panose="02020404030301010803" pitchFamily="18" charset="0"/>
+              <a:cs typeface="Gill Sans" panose="020B0502020104020203" pitchFamily="34" charset="-79"/>
+            </a:endParaRPr>
+          </a:p>
+        </p:txBody>
+      </p:sp>
+      <p:sp>
+        <p:nvSpPr>
+          <p:cNvPr id="95" name="TextBox 28">
+            <a:extLst>
+              <a:ext uri="{FF2B5EF4-FFF2-40B4-BE49-F238E27FC236}">
+                <a16:creationId xmlns:a16="http://schemas.microsoft.com/office/drawing/2014/main" id="{9414F92B-43F7-7AA6-F151-5800A4C57707}"/>
+              </a:ext>
+            </a:extLst>
+          </p:cNvPr>
+          <p:cNvSpPr txBox="1">
+            <a:spLocks noChangeArrowheads="1"/>
+          </p:cNvSpPr>
+          <p:nvPr/>
+        </p:nvSpPr>
+        <p:spPr bwMode="auto">
+          <a:xfrm>
+            <a:off x="22382988" y="5112067"/>
+            <a:ext cx="13703649" cy="1202481"/>
+          </a:xfrm>
+          <a:prstGeom prst="rect">
+            <a:avLst/>
+          </a:prstGeom>
+          <a:noFill/>
+          <a:ln>
+            <a:noFill/>
+          </a:ln>
+          <a:extLst>
+            <a:ext uri="{909E8E84-426E-40DD-AFC4-6F175D3DCCD1}">
+              <a14:hiddenFill xmlns:a14="http://schemas.microsoft.com/office/drawing/2010/main">
+                <a:solidFill>
+                  <a:srgbClr val="FFFFFF"/>
+                </a:solidFill>
+              </a14:hiddenFill>
+            </a:ext>
+            <a:ext uri="{91240B29-F687-4F45-9708-019B960494DF}">
+              <a14:hiddenLine xmlns:a14="http://schemas.microsoft.com/office/drawing/2010/main" w="9525">
+                <a:solidFill>
+                  <a:srgbClr val="000000"/>
+                </a:solidFill>
+                <a:miter lim="800000"/>
+                <a:headEnd/>
+                <a:tailEnd/>
+              </a14:hiddenLine>
+            </a:ext>
+          </a:extLst>
+        </p:spPr>
+        <p:txBody>
+          <a:bodyPr wrap="square" lIns="352655" tIns="176326" rIns="352655" bIns="176326">
+            <a:spAutoFit/>
+          </a:bodyPr>
+          <a:lstStyle>
+            <a:lvl1pPr eaLnBrk="0" hangingPunct="0">
+              <a:defRPr>
+                <a:solidFill>
+                  <a:schemeClr val="tx1"/>
+                </a:solidFill>
+                <a:latin typeface="Arial" charset="0"/>
+              </a:defRPr>
+            </a:lvl1pPr>
+            <a:lvl2pPr marL="742950" indent="-285750" eaLnBrk="0" hangingPunct="0">
+              <a:defRPr>
+                <a:solidFill>
+                  <a:schemeClr val="tx1"/>
+                </a:solidFill>
+                <a:latin typeface="Arial" charset="0"/>
+              </a:defRPr>
+            </a:lvl2pPr>
+            <a:lvl3pPr marL="1143000" indent="-228600" eaLnBrk="0" hangingPunct="0">
+              <a:defRPr>
+                <a:solidFill>
+                  <a:schemeClr val="tx1"/>
+                </a:solidFill>
+                <a:latin typeface="Arial" charset="0"/>
+              </a:defRPr>
+            </a:lvl3pPr>
+            <a:lvl4pPr marL="1600200" indent="-228600" eaLnBrk="0" hangingPunct="0">
+              <a:defRPr>
+                <a:solidFill>
+                  <a:schemeClr val="tx1"/>
+                </a:solidFill>
+                <a:latin typeface="Arial" charset="0"/>
+              </a:defRPr>
+            </a:lvl4pPr>
+            <a:lvl5pPr marL="2057400" indent="-228600" eaLnBrk="0" hangingPunct="0">
+              <a:defRPr>
+                <a:solidFill>
+                  <a:schemeClr val="tx1"/>
+                </a:solidFill>
+                <a:latin typeface="Arial" charset="0"/>
+              </a:defRPr>
+            </a:lvl5pPr>
+            <a:lvl6pPr marL="2514600" indent="-228600" eaLnBrk="0" fontAlgn="base" hangingPunct="0">
+              <a:spcBef>
+                <a:spcPct val="0"/>
+              </a:spcBef>
+              <a:spcAft>
+                <a:spcPct val="0"/>
+              </a:spcAft>
+              <a:defRPr>
+                <a:solidFill>
+                  <a:schemeClr val="tx1"/>
+                </a:solidFill>
+                <a:latin typeface="Arial" charset="0"/>
+              </a:defRPr>
+            </a:lvl6pPr>
+            <a:lvl7pPr marL="2971800" indent="-228600" eaLnBrk="0" fontAlgn="base" hangingPunct="0">
+              <a:spcBef>
+                <a:spcPct val="0"/>
+              </a:spcBef>
+              <a:spcAft>
+                <a:spcPct val="0"/>
+              </a:spcAft>
+              <a:defRPr>
+                <a:solidFill>
+                  <a:schemeClr val="tx1"/>
+                </a:solidFill>
+                <a:latin typeface="Arial" charset="0"/>
+              </a:defRPr>
+            </a:lvl7pPr>
+            <a:lvl8pPr marL="3429000" indent="-228600" eaLnBrk="0" fontAlgn="base" hangingPunct="0">
+              <a:spcBef>
+                <a:spcPct val="0"/>
+              </a:spcBef>
+              <a:spcAft>
+                <a:spcPct val="0"/>
+              </a:spcAft>
+              <a:defRPr>
+                <a:solidFill>
+                  <a:schemeClr val="tx1"/>
+                </a:solidFill>
+                <a:latin typeface="Arial" charset="0"/>
+              </a:defRPr>
+            </a:lvl8pPr>
+            <a:lvl9pPr marL="3886200" indent="-228600" eaLnBrk="0" fontAlgn="base" hangingPunct="0">
+              <a:spcBef>
+                <a:spcPct val="0"/>
+              </a:spcBef>
+              <a:spcAft>
+                <a:spcPct val="0"/>
+              </a:spcAft>
+              <a:defRPr>
+                <a:solidFill>
+                  <a:schemeClr val="tx1"/>
+                </a:solidFill>
+                <a:latin typeface="Arial" charset="0"/>
+              </a:defRPr>
+            </a:lvl9pPr>
+          </a:lstStyle>
+          <a:p>
+            <a:pPr eaLnBrk="1" hangingPunct="1"/>
+            <a:r>
+              <a:rPr lang="en-US" sz="5500" b="1" dirty="0">
+                <a:latin typeface="Gill Sans" panose="020B0502020104020203" pitchFamily="34" charset="-79"/>
+                <a:cs typeface="Gill Sans" panose="020B0502020104020203" pitchFamily="34" charset="-79"/>
+              </a:rPr>
+              <a:t>Network Design</a:t>
+            </a:r>
+          </a:p>
+        </p:txBody>
+      </p:sp>
+      <p:pic>
+        <p:nvPicPr>
+          <p:cNvPr id="96" name="Picture 24" descr="Internet with solid fill">
+            <a:extLst>
+              <a:ext uri="{FF2B5EF4-FFF2-40B4-BE49-F238E27FC236}">
+                <a16:creationId xmlns:a16="http://schemas.microsoft.com/office/drawing/2014/main" id="{B708121C-6BA9-D42F-355F-B2A1655D52A9}"/>
+              </a:ext>
+            </a:extLst>
+          </p:cNvPr>
+          <p:cNvPicPr>
+            <a:picLocks noChangeAspect="1" noChangeArrowheads="1"/>
+          </p:cNvPicPr>
+          <p:nvPr/>
+        </p:nvPicPr>
+        <p:blipFill>
+          <a:blip r:embed="rId15">
+            <a:extLst>
+              <a:ext uri="{96DAC541-7B7A-43D3-8B79-37D633B846F1}">
+                <asvg:svgBlip xmlns:asvg="http://schemas.microsoft.com/office/drawing/2016/SVG/main" r:embed="rId16"/>
+              </a:ext>
+            </a:extLst>
+          </a:blip>
+          <a:srcRect/>
+          <a:stretch/>
+        </p:blipFill>
+        <p:spPr bwMode="auto">
+          <a:xfrm>
+            <a:off x="33260497" y="6060157"/>
+            <a:ext cx="1321191" cy="1321191"/>
+          </a:xfrm>
+          <a:prstGeom prst="rect">
+            <a:avLst/>
+          </a:prstGeom>
+          <a:noFill/>
+        </p:spPr>
+      </p:pic>
+      <p:pic>
+        <p:nvPicPr>
+          <p:cNvPr id="97" name="Picture 24" descr="Internet with solid fill">
+            <a:extLst>
+              <a:ext uri="{FF2B5EF4-FFF2-40B4-BE49-F238E27FC236}">
+                <a16:creationId xmlns:a16="http://schemas.microsoft.com/office/drawing/2014/main" id="{E97DC81B-D1C4-42D4-9AFA-860D1CA698EA}"/>
+              </a:ext>
+            </a:extLst>
+          </p:cNvPr>
+          <p:cNvPicPr>
+            <a:picLocks noChangeAspect="1" noChangeArrowheads="1"/>
+          </p:cNvPicPr>
+          <p:nvPr/>
+        </p:nvPicPr>
+        <p:blipFill>
+          <a:blip r:embed="rId15">
+            <a:extLst>
+              <a:ext uri="{96DAC541-7B7A-43D3-8B79-37D633B846F1}">
+                <asvg:svgBlip xmlns:asvg="http://schemas.microsoft.com/office/drawing/2016/SVG/main" r:embed="rId16"/>
+              </a:ext>
+            </a:extLst>
+          </a:blip>
+          <a:srcRect/>
+          <a:stretch/>
+        </p:blipFill>
+        <p:spPr bwMode="auto">
+          <a:xfrm>
+            <a:off x="26021497" y="6060157"/>
+            <a:ext cx="1321191" cy="1321191"/>
+          </a:xfrm>
+          <a:prstGeom prst="rect">
+            <a:avLst/>
+          </a:prstGeom>
+          <a:noFill/>
+        </p:spPr>
+      </p:pic>
+      <p:pic>
+        <p:nvPicPr>
+          <p:cNvPr id="98" name="Picture 24" descr="Internet with solid fill">
+            <a:extLst>
+              <a:ext uri="{FF2B5EF4-FFF2-40B4-BE49-F238E27FC236}">
+                <a16:creationId xmlns:a16="http://schemas.microsoft.com/office/drawing/2014/main" id="{095A923D-CA54-DA15-C734-2C723AD73797}"/>
+              </a:ext>
+            </a:extLst>
+          </p:cNvPr>
+          <p:cNvPicPr>
+            <a:picLocks noChangeAspect="1" noChangeArrowheads="1"/>
+          </p:cNvPicPr>
+          <p:nvPr/>
+        </p:nvPicPr>
+        <p:blipFill>
+          <a:blip r:embed="rId15">
+            <a:extLst>
+              <a:ext uri="{96DAC541-7B7A-43D3-8B79-37D633B846F1}">
+                <asvg:svgBlip xmlns:asvg="http://schemas.microsoft.com/office/drawing/2016/SVG/main" r:embed="rId16"/>
+              </a:ext>
+            </a:extLst>
+          </a:blip>
+          <a:srcRect/>
+          <a:stretch/>
+        </p:blipFill>
+        <p:spPr bwMode="auto">
+          <a:xfrm>
+            <a:off x="23612429" y="6060157"/>
+            <a:ext cx="1321191" cy="1321191"/>
+          </a:xfrm>
+          <a:prstGeom prst="rect">
+            <a:avLst/>
+          </a:prstGeom>
+          <a:noFill/>
+        </p:spPr>
+      </p:pic>
+      <p:pic>
+        <p:nvPicPr>
+          <p:cNvPr id="99" name="Picture 24" descr="Internet with solid fill">
+            <a:extLst>
+              <a:ext uri="{FF2B5EF4-FFF2-40B4-BE49-F238E27FC236}">
+                <a16:creationId xmlns:a16="http://schemas.microsoft.com/office/drawing/2014/main" id="{0A8565F8-F293-F2DE-5E28-19A23E9D9D32}"/>
+              </a:ext>
+            </a:extLst>
+          </p:cNvPr>
+          <p:cNvPicPr>
+            <a:picLocks noChangeAspect="1" noChangeArrowheads="1"/>
+          </p:cNvPicPr>
+          <p:nvPr/>
+        </p:nvPicPr>
+        <p:blipFill>
+          <a:blip r:embed="rId15">
+            <a:extLst>
+              <a:ext uri="{96DAC541-7B7A-43D3-8B79-37D633B846F1}">
+                <asvg:svgBlip xmlns:asvg="http://schemas.microsoft.com/office/drawing/2016/SVG/main" r:embed="rId16"/>
+              </a:ext>
+            </a:extLst>
+          </a:blip>
+          <a:srcRect/>
+          <a:stretch/>
+        </p:blipFill>
+        <p:spPr bwMode="auto">
+          <a:xfrm>
+            <a:off x="30745897" y="6060157"/>
+            <a:ext cx="1321191" cy="1321191"/>
+          </a:xfrm>
+          <a:prstGeom prst="rect">
+            <a:avLst/>
+          </a:prstGeom>
+          <a:noFill/>
+        </p:spPr>
+      </p:pic>
+      <p:pic>
+        <p:nvPicPr>
+          <p:cNvPr id="100" name="Picture 24" descr="Server with solid fill">
+            <a:extLst>
+              <a:ext uri="{FF2B5EF4-FFF2-40B4-BE49-F238E27FC236}">
+                <a16:creationId xmlns:a16="http://schemas.microsoft.com/office/drawing/2014/main" id="{11608CEE-305A-80BA-4B09-B64926B7DD07}"/>
+              </a:ext>
+            </a:extLst>
+          </p:cNvPr>
+          <p:cNvPicPr>
+            <a:picLocks noChangeAspect="1" noChangeArrowheads="1"/>
+          </p:cNvPicPr>
+          <p:nvPr/>
+        </p:nvPicPr>
+        <p:blipFill>
+          <a:blip r:embed="rId17">
+            <a:extLst>
+              <a:ext uri="{96DAC541-7B7A-43D3-8B79-37D633B846F1}">
+                <asvg:svgBlip xmlns:asvg="http://schemas.microsoft.com/office/drawing/2016/SVG/main" r:embed="rId18"/>
+              </a:ext>
+            </a:extLst>
+          </a:blip>
+          <a:srcRect/>
+          <a:stretch/>
+        </p:blipFill>
+        <p:spPr bwMode="auto">
+          <a:xfrm>
+            <a:off x="28358492" y="6060157"/>
+            <a:ext cx="1321191" cy="1321191"/>
+          </a:xfrm>
+          <a:prstGeom prst="rect">
+            <a:avLst/>
+          </a:prstGeom>
+          <a:noFill/>
+        </p:spPr>
+      </p:pic>
+      <p:cxnSp>
+        <p:nvCxnSpPr>
+          <p:cNvPr id="101" name="Straight Arrow Connector 100">
+            <a:extLst>
+              <a:ext uri="{FF2B5EF4-FFF2-40B4-BE49-F238E27FC236}">
+                <a16:creationId xmlns:a16="http://schemas.microsoft.com/office/drawing/2014/main" id="{DE976AD0-2A8E-963D-1457-C64CB2ADEB39}"/>
+              </a:ext>
+            </a:extLst>
+          </p:cNvPr>
+          <p:cNvCxnSpPr>
+            <a:cxnSpLocks/>
+          </p:cNvCxnSpPr>
+          <p:nvPr/>
+        </p:nvCxnSpPr>
+        <p:spPr>
+          <a:xfrm flipH="1">
+            <a:off x="24828088" y="6695548"/>
+            <a:ext cx="1257517" cy="0"/>
+          </a:xfrm>
+          <a:prstGeom prst="straightConnector1">
+            <a:avLst/>
+          </a:prstGeom>
+          <a:ln w="120650">
+            <a:solidFill>
+              <a:srgbClr val="002454"/>
+            </a:solidFill>
+            <a:headEnd type="triangle"/>
+            <a:tailEnd type="triangle"/>
+          </a:ln>
+        </p:spPr>
+        <p:style>
+          <a:lnRef idx="1">
+            <a:schemeClr val="accent1"/>
+          </a:lnRef>
+          <a:fillRef idx="0">
+            <a:schemeClr val="accent1"/>
+          </a:fillRef>
+          <a:effectRef idx="0">
+            <a:schemeClr val="accent1"/>
+          </a:effectRef>
+          <a:fontRef idx="minor">
+            <a:schemeClr val="tx1"/>
+          </a:fontRef>
+        </p:style>
+      </p:cxnSp>
+      <p:cxnSp>
+        <p:nvCxnSpPr>
+          <p:cNvPr id="102" name="Straight Arrow Connector 101">
+            <a:extLst>
+              <a:ext uri="{FF2B5EF4-FFF2-40B4-BE49-F238E27FC236}">
+                <a16:creationId xmlns:a16="http://schemas.microsoft.com/office/drawing/2014/main" id="{318505BF-E62E-E4FF-773E-A397348F2B1C}"/>
+              </a:ext>
+            </a:extLst>
+          </p:cNvPr>
+          <p:cNvCxnSpPr>
+            <a:cxnSpLocks/>
+          </p:cNvCxnSpPr>
+          <p:nvPr/>
+        </p:nvCxnSpPr>
+        <p:spPr>
+          <a:xfrm flipH="1">
+            <a:off x="27228171" y="6695548"/>
+            <a:ext cx="1257517" cy="0"/>
+          </a:xfrm>
+          <a:prstGeom prst="straightConnector1">
+            <a:avLst/>
+          </a:prstGeom>
+          <a:ln w="120650">
+            <a:solidFill>
+              <a:srgbClr val="002454"/>
+            </a:solidFill>
+            <a:headEnd type="triangle"/>
+            <a:tailEnd type="triangle"/>
+          </a:ln>
+        </p:spPr>
+        <p:style>
+          <a:lnRef idx="1">
+            <a:schemeClr val="accent1"/>
+          </a:lnRef>
+          <a:fillRef idx="0">
+            <a:schemeClr val="accent1"/>
+          </a:fillRef>
+          <a:effectRef idx="0">
+            <a:schemeClr val="accent1"/>
+          </a:effectRef>
+          <a:fontRef idx="minor">
+            <a:schemeClr val="tx1"/>
+          </a:fontRef>
+        </p:style>
+      </p:cxnSp>
+      <p:cxnSp>
+        <p:nvCxnSpPr>
+          <p:cNvPr id="103" name="Straight Arrow Connector 102">
+            <a:extLst>
+              <a:ext uri="{FF2B5EF4-FFF2-40B4-BE49-F238E27FC236}">
+                <a16:creationId xmlns:a16="http://schemas.microsoft.com/office/drawing/2014/main" id="{345107FA-0BB2-78D8-55C0-B7A60C241AF5}"/>
+              </a:ext>
+            </a:extLst>
+          </p:cNvPr>
+          <p:cNvCxnSpPr>
+            <a:cxnSpLocks/>
+          </p:cNvCxnSpPr>
+          <p:nvPr/>
+        </p:nvCxnSpPr>
+        <p:spPr>
+          <a:xfrm flipH="1">
+            <a:off x="29590371" y="6695548"/>
+            <a:ext cx="1257517" cy="0"/>
+          </a:xfrm>
+          <a:prstGeom prst="straightConnector1">
+            <a:avLst/>
+          </a:prstGeom>
+          <a:ln w="120650">
+            <a:solidFill>
+              <a:srgbClr val="002454"/>
+            </a:solidFill>
+            <a:headEnd type="triangle"/>
+            <a:tailEnd type="triangle"/>
+          </a:ln>
+        </p:spPr>
+        <p:style>
+          <a:lnRef idx="1">
+            <a:schemeClr val="accent1"/>
+          </a:lnRef>
+          <a:fillRef idx="0">
+            <a:schemeClr val="accent1"/>
+          </a:fillRef>
+          <a:effectRef idx="0">
+            <a:schemeClr val="accent1"/>
+          </a:effectRef>
+          <a:fontRef idx="minor">
+            <a:schemeClr val="tx1"/>
+          </a:fontRef>
+        </p:style>
+      </p:cxnSp>
+      <p:cxnSp>
+        <p:nvCxnSpPr>
+          <p:cNvPr id="104" name="Straight Arrow Connector 103">
+            <a:extLst>
+              <a:ext uri="{FF2B5EF4-FFF2-40B4-BE49-F238E27FC236}">
+                <a16:creationId xmlns:a16="http://schemas.microsoft.com/office/drawing/2014/main" id="{BB4F50FA-4DF1-E881-E514-EB0D31C117B9}"/>
+              </a:ext>
+            </a:extLst>
+          </p:cNvPr>
+          <p:cNvCxnSpPr>
+            <a:cxnSpLocks/>
+          </p:cNvCxnSpPr>
+          <p:nvPr/>
+        </p:nvCxnSpPr>
+        <p:spPr>
+          <a:xfrm flipH="1">
+            <a:off x="32028771" y="6695548"/>
+            <a:ext cx="1257517" cy="0"/>
+          </a:xfrm>
+          <a:prstGeom prst="straightConnector1">
+            <a:avLst/>
+          </a:prstGeom>
+          <a:ln w="120650">
+            <a:solidFill>
+              <a:srgbClr val="002454"/>
+            </a:solidFill>
+            <a:headEnd type="triangle"/>
+            <a:tailEnd type="triangle"/>
+          </a:ln>
+        </p:spPr>
+        <p:style>
+          <a:lnRef idx="1">
+            <a:schemeClr val="accent1"/>
+          </a:lnRef>
+          <a:fillRef idx="0">
+            <a:schemeClr val="accent1"/>
+          </a:fillRef>
+          <a:effectRef idx="0">
+            <a:schemeClr val="accent1"/>
+          </a:effectRef>
+          <a:fontRef idx="minor">
+            <a:schemeClr val="tx1"/>
+          </a:fontRef>
+        </p:style>
+      </p:cxnSp>
+      <p:sp>
+        <p:nvSpPr>
+          <p:cNvPr id="109" name="Text Box 25">
+            <a:extLst>
+              <a:ext uri="{FF2B5EF4-FFF2-40B4-BE49-F238E27FC236}">
+                <a16:creationId xmlns:a16="http://schemas.microsoft.com/office/drawing/2014/main" id="{959C2C42-7423-7DF2-3A07-6541E4DCE68A}"/>
+              </a:ext>
+            </a:extLst>
+          </p:cNvPr>
+          <p:cNvSpPr txBox="1">
+            <a:spLocks noChangeArrowheads="1"/>
+          </p:cNvSpPr>
+          <p:nvPr/>
+        </p:nvSpPr>
+        <p:spPr bwMode="auto">
+          <a:xfrm>
+            <a:off x="22959589" y="12048348"/>
+            <a:ext cx="4378721" cy="2279738"/>
+          </a:xfrm>
+          <a:prstGeom prst="rect">
+            <a:avLst/>
+          </a:prstGeom>
+          <a:solidFill>
+            <a:schemeClr val="bg1"/>
+          </a:solidFill>
+          <a:ln w="9525">
+            <a:noFill/>
+            <a:miter lim="800000"/>
+            <a:headEnd/>
+            <a:tailEnd/>
+          </a:ln>
+          <a:effectLst/>
+        </p:spPr>
+        <p:txBody>
+          <a:bodyPr wrap="square" lIns="352689" tIns="176345" rIns="352689" bIns="176345">
+            <a:spAutoFit/>
+          </a:bodyPr>
+          <a:lstStyle>
+            <a:lvl1pPr marL="171450" indent="-171450" eaLnBrk="0" hangingPunct="0">
+              <a:defRPr>
+                <a:solidFill>
+                  <a:schemeClr val="tx1"/>
+                </a:solidFill>
+                <a:latin typeface="Arial" charset="0"/>
+              </a:defRPr>
+            </a:lvl1pPr>
+            <a:lvl2pPr marL="742950" indent="-285750" eaLnBrk="0" hangingPunct="0">
+              <a:defRPr>
+                <a:solidFill>
+                  <a:schemeClr val="tx1"/>
+                </a:solidFill>
+                <a:latin typeface="Arial" charset="0"/>
+              </a:defRPr>
+            </a:lvl2pPr>
+            <a:lvl3pPr marL="1143000" indent="-228600" eaLnBrk="0" hangingPunct="0">
+              <a:defRPr>
+                <a:solidFill>
+                  <a:schemeClr val="tx1"/>
+                </a:solidFill>
+                <a:latin typeface="Arial" charset="0"/>
+              </a:defRPr>
+            </a:lvl3pPr>
+            <a:lvl4pPr marL="1600200" indent="-228600" eaLnBrk="0" hangingPunct="0">
+              <a:defRPr>
+                <a:solidFill>
+                  <a:schemeClr val="tx1"/>
+                </a:solidFill>
+                <a:latin typeface="Arial" charset="0"/>
+              </a:defRPr>
+            </a:lvl4pPr>
+            <a:lvl5pPr marL="2057400" indent="-228600" eaLnBrk="0" hangingPunct="0">
+              <a:defRPr>
+                <a:solidFill>
+                  <a:schemeClr val="tx1"/>
+                </a:solidFill>
+                <a:latin typeface="Arial" charset="0"/>
+              </a:defRPr>
+            </a:lvl5pPr>
+            <a:lvl6pPr marL="2514600" indent="-228600" eaLnBrk="0" fontAlgn="base" hangingPunct="0">
+              <a:spcBef>
+                <a:spcPct val="0"/>
+              </a:spcBef>
+              <a:spcAft>
+                <a:spcPct val="0"/>
+              </a:spcAft>
+              <a:defRPr>
+                <a:solidFill>
+                  <a:schemeClr val="tx1"/>
+                </a:solidFill>
+                <a:latin typeface="Arial" charset="0"/>
+              </a:defRPr>
+            </a:lvl6pPr>
+            <a:lvl7pPr marL="2971800" indent="-228600" eaLnBrk="0" fontAlgn="base" hangingPunct="0">
+              <a:spcBef>
+                <a:spcPct val="0"/>
+              </a:spcBef>
+              <a:spcAft>
+                <a:spcPct val="0"/>
+              </a:spcAft>
+              <a:defRPr>
+                <a:solidFill>
+                  <a:schemeClr val="tx1"/>
+                </a:solidFill>
+                <a:latin typeface="Arial" charset="0"/>
+              </a:defRPr>
+            </a:lvl7pPr>
+            <a:lvl8pPr marL="3429000" indent="-228600" eaLnBrk="0" fontAlgn="base" hangingPunct="0">
+              <a:spcBef>
+                <a:spcPct val="0"/>
+              </a:spcBef>
+              <a:spcAft>
+                <a:spcPct val="0"/>
+              </a:spcAft>
+              <a:defRPr>
+                <a:solidFill>
+                  <a:schemeClr val="tx1"/>
+                </a:solidFill>
+                <a:latin typeface="Arial" charset="0"/>
+              </a:defRPr>
+            </a:lvl8pPr>
+            <a:lvl9pPr marL="3886200" indent="-228600" eaLnBrk="0" fontAlgn="base" hangingPunct="0">
+              <a:spcBef>
+                <a:spcPct val="0"/>
+              </a:spcBef>
+              <a:spcAft>
+                <a:spcPct val="0"/>
+              </a:spcAft>
+              <a:defRPr>
+                <a:solidFill>
+                  <a:schemeClr val="tx1"/>
+                </a:solidFill>
+                <a:latin typeface="Arial" charset="0"/>
+              </a:defRPr>
+            </a:lvl9pPr>
+          </a:lstStyle>
+          <a:p>
+            <a:pPr marL="571500" indent="-571500" eaLnBrk="1" hangingPunct="1">
+              <a:spcBef>
+                <a:spcPct val="50000"/>
+              </a:spcBef>
+              <a:buFont typeface="Arial" panose="020B0604020202020204" pitchFamily="34" charset="0"/>
+              <a:buChar char="•"/>
+            </a:pPr>
+            <a:r>
+              <a:rPr lang="en-US" sz="2500" dirty="0">
+                <a:latin typeface="Garamond" panose="02020404030301010803" pitchFamily="18" charset="0"/>
+                <a:cs typeface="Gill Sans" panose="020B0502020104020203" pitchFamily="34" charset="-79"/>
+              </a:rPr>
+              <a:t>Secure Log In</a:t>
+            </a:r>
+          </a:p>
+          <a:p>
+            <a:pPr marL="571500" indent="-571500" eaLnBrk="1" hangingPunct="1">
+              <a:spcBef>
+                <a:spcPct val="50000"/>
+              </a:spcBef>
+              <a:buFont typeface="Arial" panose="020B0604020202020204" pitchFamily="34" charset="0"/>
+              <a:buChar char="•"/>
+            </a:pPr>
+            <a:r>
+              <a:rPr lang="en-US" sz="2500" dirty="0">
+                <a:latin typeface="Garamond" panose="02020404030301010803" pitchFamily="18" charset="0"/>
+                <a:cs typeface="Gill Sans" panose="020B0502020104020203" pitchFamily="34" charset="-79"/>
+              </a:rPr>
+              <a:t>Password Change</a:t>
+            </a:r>
+          </a:p>
+          <a:p>
+            <a:pPr marL="571500" indent="-571500" eaLnBrk="1" hangingPunct="1">
+              <a:spcBef>
+                <a:spcPct val="50000"/>
+              </a:spcBef>
+              <a:buFont typeface="Arial" panose="020B0604020202020204" pitchFamily="34" charset="0"/>
+              <a:buChar char="•"/>
+            </a:pPr>
+            <a:r>
+              <a:rPr lang="en-US" sz="2500" dirty="0">
+                <a:latin typeface="Garamond" panose="02020404030301010803" pitchFamily="18" charset="0"/>
+                <a:cs typeface="Gill Sans" panose="020B0502020104020203" pitchFamily="34" charset="-79"/>
+              </a:rPr>
+              <a:t>Automated Initial Login Email</a:t>
+            </a:r>
+          </a:p>
+        </p:txBody>
+      </p:sp>
+      <p:sp>
+        <p:nvSpPr>
+          <p:cNvPr id="110" name="Text Box 25">
+            <a:extLst>
+              <a:ext uri="{FF2B5EF4-FFF2-40B4-BE49-F238E27FC236}">
+                <a16:creationId xmlns:a16="http://schemas.microsoft.com/office/drawing/2014/main" id="{F28BFE8C-B8C7-5B1B-8865-AEA40F0C5478}"/>
+              </a:ext>
+            </a:extLst>
+          </p:cNvPr>
+          <p:cNvSpPr txBox="1">
+            <a:spLocks noChangeArrowheads="1"/>
+          </p:cNvSpPr>
+          <p:nvPr/>
+        </p:nvSpPr>
+        <p:spPr bwMode="auto">
+          <a:xfrm>
+            <a:off x="31072110" y="11471267"/>
+            <a:ext cx="4724400" cy="2856819"/>
+          </a:xfrm>
+          <a:prstGeom prst="rect">
+            <a:avLst/>
+          </a:prstGeom>
+          <a:solidFill>
+            <a:schemeClr val="bg1"/>
+          </a:solidFill>
+          <a:ln w="9525">
+            <a:noFill/>
+            <a:miter lim="800000"/>
+            <a:headEnd/>
+            <a:tailEnd/>
+          </a:ln>
+          <a:effectLst/>
+        </p:spPr>
+        <p:txBody>
+          <a:bodyPr wrap="square" lIns="352689" tIns="176345" rIns="352689" bIns="176345">
+            <a:spAutoFit/>
+          </a:bodyPr>
+          <a:lstStyle>
+            <a:lvl1pPr marL="171450" indent="-171450" eaLnBrk="0" hangingPunct="0">
+              <a:defRPr>
+                <a:solidFill>
+                  <a:schemeClr val="tx1"/>
+                </a:solidFill>
+                <a:latin typeface="Arial" charset="0"/>
+              </a:defRPr>
+            </a:lvl1pPr>
+            <a:lvl2pPr marL="742950" indent="-285750" eaLnBrk="0" hangingPunct="0">
+              <a:defRPr>
+                <a:solidFill>
+                  <a:schemeClr val="tx1"/>
+                </a:solidFill>
+                <a:latin typeface="Arial" charset="0"/>
+              </a:defRPr>
+            </a:lvl2pPr>
+            <a:lvl3pPr marL="1143000" indent="-228600" eaLnBrk="0" hangingPunct="0">
+              <a:defRPr>
+                <a:solidFill>
+                  <a:schemeClr val="tx1"/>
+                </a:solidFill>
+                <a:latin typeface="Arial" charset="0"/>
+              </a:defRPr>
+            </a:lvl3pPr>
+            <a:lvl4pPr marL="1600200" indent="-228600" eaLnBrk="0" hangingPunct="0">
+              <a:defRPr>
+                <a:solidFill>
+                  <a:schemeClr val="tx1"/>
+                </a:solidFill>
+                <a:latin typeface="Arial" charset="0"/>
+              </a:defRPr>
+            </a:lvl4pPr>
+            <a:lvl5pPr marL="2057400" indent="-228600" eaLnBrk="0" hangingPunct="0">
+              <a:defRPr>
+                <a:solidFill>
+                  <a:schemeClr val="tx1"/>
+                </a:solidFill>
+                <a:latin typeface="Arial" charset="0"/>
+              </a:defRPr>
+            </a:lvl5pPr>
+            <a:lvl6pPr marL="2514600" indent="-228600" eaLnBrk="0" fontAlgn="base" hangingPunct="0">
+              <a:spcBef>
+                <a:spcPct val="0"/>
+              </a:spcBef>
+              <a:spcAft>
+                <a:spcPct val="0"/>
+              </a:spcAft>
+              <a:defRPr>
+                <a:solidFill>
+                  <a:schemeClr val="tx1"/>
+                </a:solidFill>
+                <a:latin typeface="Arial" charset="0"/>
+              </a:defRPr>
+            </a:lvl6pPr>
+            <a:lvl7pPr marL="2971800" indent="-228600" eaLnBrk="0" fontAlgn="base" hangingPunct="0">
+              <a:spcBef>
+                <a:spcPct val="0"/>
+              </a:spcBef>
+              <a:spcAft>
+                <a:spcPct val="0"/>
+              </a:spcAft>
+              <a:defRPr>
+                <a:solidFill>
+                  <a:schemeClr val="tx1"/>
+                </a:solidFill>
+                <a:latin typeface="Arial" charset="0"/>
+              </a:defRPr>
+            </a:lvl7pPr>
+            <a:lvl8pPr marL="3429000" indent="-228600" eaLnBrk="0" fontAlgn="base" hangingPunct="0">
+              <a:spcBef>
+                <a:spcPct val="0"/>
+              </a:spcBef>
+              <a:spcAft>
+                <a:spcPct val="0"/>
+              </a:spcAft>
+              <a:defRPr>
+                <a:solidFill>
+                  <a:schemeClr val="tx1"/>
+                </a:solidFill>
+                <a:latin typeface="Arial" charset="0"/>
+              </a:defRPr>
+            </a:lvl8pPr>
+            <a:lvl9pPr marL="3886200" indent="-228600" eaLnBrk="0" fontAlgn="base" hangingPunct="0">
+              <a:spcBef>
+                <a:spcPct val="0"/>
+              </a:spcBef>
+              <a:spcAft>
+                <a:spcPct val="0"/>
+              </a:spcAft>
+              <a:defRPr>
+                <a:solidFill>
+                  <a:schemeClr val="tx1"/>
+                </a:solidFill>
+                <a:latin typeface="Arial" charset="0"/>
+              </a:defRPr>
+            </a:lvl9pPr>
+          </a:lstStyle>
+          <a:p>
+            <a:pPr marL="571500" indent="-571500" eaLnBrk="1" hangingPunct="1">
+              <a:spcBef>
+                <a:spcPct val="50000"/>
+              </a:spcBef>
+              <a:buFont typeface="Arial" panose="020B0604020202020204" pitchFamily="34" charset="0"/>
+              <a:buChar char="•"/>
+            </a:pPr>
+            <a:r>
+              <a:rPr lang="en-US" sz="2500" dirty="0">
+                <a:latin typeface="Garamond" panose="02020404030301010803" pitchFamily="18" charset="0"/>
+                <a:cs typeface="Gill Sans" panose="020B0502020104020203" pitchFamily="34" charset="-79"/>
+              </a:rPr>
+              <a:t>Virtual Medical Report</a:t>
+            </a:r>
+          </a:p>
+          <a:p>
+            <a:pPr marL="571500" indent="-571500" eaLnBrk="1" hangingPunct="1">
+              <a:spcBef>
+                <a:spcPct val="50000"/>
+              </a:spcBef>
+              <a:buFont typeface="Arial" panose="020B0604020202020204" pitchFamily="34" charset="0"/>
+              <a:buChar char="•"/>
+            </a:pPr>
+            <a:r>
+              <a:rPr lang="en-US" sz="2500" dirty="0">
+                <a:latin typeface="Garamond" panose="02020404030301010803" pitchFamily="18" charset="0"/>
+                <a:cs typeface="Gill Sans" panose="020B0502020104020203" pitchFamily="34" charset="-79"/>
+              </a:rPr>
+              <a:t>Search/Edit </a:t>
+            </a:r>
+          </a:p>
+          <a:p>
+            <a:pPr marL="571500" indent="-571500" eaLnBrk="1" hangingPunct="1">
+              <a:spcBef>
+                <a:spcPct val="50000"/>
+              </a:spcBef>
+              <a:buFont typeface="Arial" panose="020B0604020202020204" pitchFamily="34" charset="0"/>
+              <a:buChar char="•"/>
+            </a:pPr>
+            <a:r>
+              <a:rPr lang="en-US" sz="2500" dirty="0">
+                <a:latin typeface="Garamond" panose="02020404030301010803" pitchFamily="18" charset="0"/>
+                <a:cs typeface="Gill Sans" panose="020B0502020104020203" pitchFamily="34" charset="-79"/>
+              </a:rPr>
+              <a:t>Autofill based on scanning barcode</a:t>
+            </a:r>
+          </a:p>
+          <a:p>
+            <a:pPr marL="571500" indent="-571500" eaLnBrk="1" hangingPunct="1">
+              <a:spcBef>
+                <a:spcPct val="50000"/>
+              </a:spcBef>
+              <a:buFont typeface="Arial" panose="020B0604020202020204" pitchFamily="34" charset="0"/>
+              <a:buChar char="•"/>
+            </a:pPr>
+            <a:r>
+              <a:rPr lang="en-US" sz="2500" dirty="0">
+                <a:latin typeface="Garamond" panose="02020404030301010803" pitchFamily="18" charset="0"/>
+                <a:cs typeface="Gill Sans" panose="020B0502020104020203" pitchFamily="34" charset="-79"/>
+              </a:rPr>
+              <a:t>Automated Email to patient</a:t>
+            </a:r>
+          </a:p>
+        </p:txBody>
+      </p:sp>
+      <p:grpSp>
+        <p:nvGrpSpPr>
+          <p:cNvPr id="111" name="Group 110">
+            <a:extLst>
+              <a:ext uri="{FF2B5EF4-FFF2-40B4-BE49-F238E27FC236}">
+                <a16:creationId xmlns:a16="http://schemas.microsoft.com/office/drawing/2014/main" id="{1CA7806B-7DAA-F564-81CA-9E756B72BBD1}"/>
+              </a:ext>
+            </a:extLst>
+          </p:cNvPr>
+          <p:cNvGrpSpPr/>
+          <p:nvPr/>
+        </p:nvGrpSpPr>
+        <p:grpSpPr>
+          <a:xfrm>
+            <a:off x="24061710" y="11280086"/>
+            <a:ext cx="1723834" cy="1279426"/>
+            <a:chOff x="19441207" y="12470988"/>
+            <a:chExt cx="3080465" cy="1586379"/>
+          </a:xfrm>
+        </p:grpSpPr>
+        <p:sp>
+          <p:nvSpPr>
+            <p:cNvPr id="112" name="Rounded Rectangle 110">
+              <a:extLst>
+                <a:ext uri="{FF2B5EF4-FFF2-40B4-BE49-F238E27FC236}">
+                  <a16:creationId xmlns:a16="http://schemas.microsoft.com/office/drawing/2014/main" id="{6EE817BC-6F69-8F0C-4C46-517B67FC066F}"/>
+                </a:ext>
+              </a:extLst>
+            </p:cNvPr>
+            <p:cNvSpPr/>
+            <p:nvPr/>
+          </p:nvSpPr>
+          <p:spPr>
+            <a:xfrm>
+              <a:off x="19441207" y="12470988"/>
+              <a:ext cx="3080458" cy="882751"/>
+            </a:xfrm>
+            <a:prstGeom prst="roundRect">
+              <a:avLst/>
+            </a:prstGeom>
+            <a:solidFill>
+              <a:srgbClr val="002554"/>
+            </a:solidFill>
+            <a:ln>
+              <a:noFill/>
+            </a:ln>
+          </p:spPr>
+          <p:style>
+            <a:lnRef idx="2">
+              <a:schemeClr val="accent1">
+                <a:shade val="50000"/>
+              </a:schemeClr>
+            </a:lnRef>
+            <a:fillRef idx="1">
+              <a:schemeClr val="accent1"/>
+            </a:fillRef>
+            <a:effectRef idx="0">
+              <a:schemeClr val="accent1"/>
+            </a:effectRef>
+            <a:fontRef idx="minor">
+              <a:schemeClr val="lt1"/>
+            </a:fontRef>
+          </p:style>
+          <p:txBody>
+            <a:bodyPr rtlCol="0" anchor="ctr"/>
+            <a:lstStyle/>
+            <a:p>
+              <a:pPr algn="ctr"/>
+              <a:endParaRPr lang="en-US" b="1" dirty="0"/>
+            </a:p>
+          </p:txBody>
+        </p:sp>
+        <p:sp>
+          <p:nvSpPr>
+            <p:cNvPr id="113" name="TextBox 28">
+              <a:extLst>
+                <a:ext uri="{FF2B5EF4-FFF2-40B4-BE49-F238E27FC236}">
+                  <a16:creationId xmlns:a16="http://schemas.microsoft.com/office/drawing/2014/main" id="{63F7BAC7-5237-89FD-7AF4-3019D9FE328E}"/>
+                </a:ext>
+              </a:extLst>
+            </p:cNvPr>
+            <p:cNvSpPr txBox="1">
+              <a:spLocks noChangeArrowheads="1"/>
+            </p:cNvSpPr>
+            <p:nvPr/>
+          </p:nvSpPr>
+          <p:spPr bwMode="auto">
+            <a:xfrm>
+              <a:off x="19441774" y="12518873"/>
+              <a:ext cx="3079898" cy="1538494"/>
+            </a:xfrm>
+            <a:prstGeom prst="rect">
+              <a:avLst/>
+            </a:prstGeom>
+            <a:noFill/>
+            <a:ln>
+              <a:noFill/>
+            </a:ln>
+          </p:spPr>
+          <p:txBody>
+            <a:bodyPr wrap="square" lIns="352655" tIns="176326" rIns="352655" bIns="176326">
+              <a:spAutoFit/>
+            </a:bodyPr>
+            <a:lstStyle>
+              <a:lvl1pPr eaLnBrk="0" hangingPunct="0">
+                <a:defRPr>
+                  <a:solidFill>
+                    <a:schemeClr val="tx1"/>
+                  </a:solidFill>
+                  <a:latin typeface="Arial" charset="0"/>
+                </a:defRPr>
+              </a:lvl1pPr>
+              <a:lvl2pPr marL="742950" indent="-285750" eaLnBrk="0" hangingPunct="0">
+                <a:defRPr>
+                  <a:solidFill>
+                    <a:schemeClr val="tx1"/>
+                  </a:solidFill>
+                  <a:latin typeface="Arial" charset="0"/>
+                </a:defRPr>
+              </a:lvl2pPr>
+              <a:lvl3pPr marL="1143000" indent="-228600" eaLnBrk="0" hangingPunct="0">
+                <a:defRPr>
+                  <a:solidFill>
+                    <a:schemeClr val="tx1"/>
+                  </a:solidFill>
+                  <a:latin typeface="Arial" charset="0"/>
+                </a:defRPr>
+              </a:lvl3pPr>
+              <a:lvl4pPr marL="1600200" indent="-228600" eaLnBrk="0" hangingPunct="0">
+                <a:defRPr>
+                  <a:solidFill>
+                    <a:schemeClr val="tx1"/>
+                  </a:solidFill>
+                  <a:latin typeface="Arial" charset="0"/>
+                </a:defRPr>
+              </a:lvl4pPr>
+              <a:lvl5pPr marL="2057400" indent="-228600" eaLnBrk="0" hangingPunct="0">
+                <a:defRPr>
+                  <a:solidFill>
+                    <a:schemeClr val="tx1"/>
+                  </a:solidFill>
+                  <a:latin typeface="Arial" charset="0"/>
+                </a:defRPr>
+              </a:lvl5pPr>
+              <a:lvl6pPr marL="2514600" indent="-228600" eaLnBrk="0" fontAlgn="base" hangingPunct="0">
+                <a:spcBef>
+                  <a:spcPct val="0"/>
+                </a:spcBef>
+                <a:spcAft>
+                  <a:spcPct val="0"/>
+                </a:spcAft>
+                <a:defRPr>
+                  <a:solidFill>
+                    <a:schemeClr val="tx1"/>
+                  </a:solidFill>
+                  <a:latin typeface="Arial" charset="0"/>
+                </a:defRPr>
+              </a:lvl6pPr>
+              <a:lvl7pPr marL="2971800" indent="-228600" eaLnBrk="0" fontAlgn="base" hangingPunct="0">
+                <a:spcBef>
+                  <a:spcPct val="0"/>
+                </a:spcBef>
+                <a:spcAft>
+                  <a:spcPct val="0"/>
+                </a:spcAft>
+                <a:defRPr>
+                  <a:solidFill>
+                    <a:schemeClr val="tx1"/>
+                  </a:solidFill>
+                  <a:latin typeface="Arial" charset="0"/>
+                </a:defRPr>
+              </a:lvl7pPr>
+              <a:lvl8pPr marL="3429000" indent="-228600" eaLnBrk="0" fontAlgn="base" hangingPunct="0">
+                <a:spcBef>
+                  <a:spcPct val="0"/>
+                </a:spcBef>
+                <a:spcAft>
+                  <a:spcPct val="0"/>
+                </a:spcAft>
+                <a:defRPr>
+                  <a:solidFill>
+                    <a:schemeClr val="tx1"/>
+                  </a:solidFill>
+                  <a:latin typeface="Arial" charset="0"/>
+                </a:defRPr>
+              </a:lvl8pPr>
+              <a:lvl9pPr marL="3886200" indent="-228600" eaLnBrk="0" fontAlgn="base" hangingPunct="0">
+                <a:spcBef>
+                  <a:spcPct val="0"/>
+                </a:spcBef>
+                <a:spcAft>
+                  <a:spcPct val="0"/>
+                </a:spcAft>
+                <a:defRPr>
+                  <a:solidFill>
+                    <a:schemeClr val="tx1"/>
+                  </a:solidFill>
+                  <a:latin typeface="Arial" charset="0"/>
+                </a:defRPr>
+              </a:lvl9pPr>
+            </a:lstStyle>
+            <a:p>
+              <a:pPr algn="ctr" eaLnBrk="1" hangingPunct="1"/>
+              <a:r>
+                <a:rPr lang="en-US" sz="2400" b="1" dirty="0">
+                  <a:solidFill>
+                    <a:schemeClr val="bg1"/>
+                  </a:solidFill>
+                  <a:latin typeface="Gill Sans SemiBold" panose="020B0502020104020203" pitchFamily="34" charset="-79"/>
+                  <a:cs typeface="Gill Sans SemiBold" panose="020B0502020104020203" pitchFamily="34" charset="-79"/>
+                </a:rPr>
+                <a:t>Log In</a:t>
+              </a:r>
+            </a:p>
+            <a:p>
+              <a:pPr algn="ctr" eaLnBrk="1" hangingPunct="1"/>
+              <a:endParaRPr lang="en-US" sz="2400" b="1" dirty="0">
+                <a:solidFill>
+                  <a:schemeClr val="bg1"/>
+                </a:solidFill>
+                <a:latin typeface="Gill Sans SemiBold" panose="020B0502020104020203" pitchFamily="34" charset="-79"/>
+                <a:cs typeface="Gill Sans SemiBold" panose="020B0502020104020203" pitchFamily="34" charset="-79"/>
+              </a:endParaRPr>
+            </a:p>
+            <a:p>
+              <a:pPr algn="ctr" eaLnBrk="1" hangingPunct="1"/>
+              <a:endParaRPr lang="en-US" sz="2400" b="1" dirty="0">
+                <a:solidFill>
+                  <a:schemeClr val="bg1"/>
+                </a:solidFill>
+                <a:latin typeface="Gill Sans SemiBold" panose="020B0502020104020203" pitchFamily="34" charset="-79"/>
+                <a:cs typeface="Gill Sans SemiBold" panose="020B0502020104020203" pitchFamily="34" charset="-79"/>
+              </a:endParaRPr>
+            </a:p>
+          </p:txBody>
+        </p:sp>
+      </p:grpSp>
+      <p:grpSp>
+        <p:nvGrpSpPr>
+          <p:cNvPr id="114" name="Group 113">
+            <a:extLst>
+              <a:ext uri="{FF2B5EF4-FFF2-40B4-BE49-F238E27FC236}">
+                <a16:creationId xmlns:a16="http://schemas.microsoft.com/office/drawing/2014/main" id="{4CE6836D-258E-F8AE-C609-1DB1BC7AF67F}"/>
+              </a:ext>
+            </a:extLst>
+          </p:cNvPr>
+          <p:cNvGrpSpPr/>
+          <p:nvPr/>
+        </p:nvGrpSpPr>
+        <p:grpSpPr>
+          <a:xfrm>
+            <a:off x="28152793" y="12575486"/>
+            <a:ext cx="2919317" cy="1872042"/>
+            <a:chOff x="19441207" y="12470988"/>
+            <a:chExt cx="3080465" cy="2321172"/>
+          </a:xfrm>
+        </p:grpSpPr>
+        <p:sp>
+          <p:nvSpPr>
+            <p:cNvPr id="115" name="Rounded Rectangle 110">
+              <a:extLst>
+                <a:ext uri="{FF2B5EF4-FFF2-40B4-BE49-F238E27FC236}">
+                  <a16:creationId xmlns:a16="http://schemas.microsoft.com/office/drawing/2014/main" id="{6A3128FB-2B56-3BCB-B323-32CF2F6737AC}"/>
+                </a:ext>
+              </a:extLst>
+            </p:cNvPr>
+            <p:cNvSpPr/>
+            <p:nvPr/>
+          </p:nvSpPr>
+          <p:spPr>
+            <a:xfrm>
+              <a:off x="19441207" y="12470988"/>
+              <a:ext cx="3080458" cy="882751"/>
+            </a:xfrm>
+            <a:prstGeom prst="roundRect">
+              <a:avLst/>
+            </a:prstGeom>
+            <a:solidFill>
+              <a:srgbClr val="002554"/>
+            </a:solidFill>
+            <a:ln>
+              <a:noFill/>
+            </a:ln>
+          </p:spPr>
+          <p:style>
+            <a:lnRef idx="2">
+              <a:schemeClr val="accent1">
+                <a:shade val="50000"/>
+              </a:schemeClr>
+            </a:lnRef>
+            <a:fillRef idx="1">
+              <a:schemeClr val="accent1"/>
+            </a:fillRef>
+            <a:effectRef idx="0">
+              <a:schemeClr val="accent1"/>
+            </a:effectRef>
+            <a:fontRef idx="minor">
+              <a:schemeClr val="lt1"/>
+            </a:fontRef>
+          </p:style>
+          <p:txBody>
+            <a:bodyPr rtlCol="0" anchor="ctr"/>
+            <a:lstStyle/>
+            <a:p>
+              <a:pPr algn="ctr"/>
+              <a:endParaRPr lang="en-US" b="1" dirty="0"/>
+            </a:p>
+          </p:txBody>
+        </p:sp>
+        <p:sp>
+          <p:nvSpPr>
+            <p:cNvPr id="116" name="TextBox 28">
+              <a:extLst>
+                <a:ext uri="{FF2B5EF4-FFF2-40B4-BE49-F238E27FC236}">
+                  <a16:creationId xmlns:a16="http://schemas.microsoft.com/office/drawing/2014/main" id="{133F6581-9AB4-2D69-97BD-AF89B138F11A}"/>
+                </a:ext>
+              </a:extLst>
+            </p:cNvPr>
+            <p:cNvSpPr txBox="1">
+              <a:spLocks noChangeArrowheads="1"/>
+            </p:cNvSpPr>
+            <p:nvPr/>
+          </p:nvSpPr>
+          <p:spPr bwMode="auto">
+            <a:xfrm>
+              <a:off x="19441773" y="12518873"/>
+              <a:ext cx="3079899" cy="2273287"/>
+            </a:xfrm>
+            <a:prstGeom prst="rect">
+              <a:avLst/>
+            </a:prstGeom>
+            <a:noFill/>
+            <a:ln>
+              <a:noFill/>
+            </a:ln>
+          </p:spPr>
+          <p:txBody>
+            <a:bodyPr wrap="square" lIns="352655" tIns="176326" rIns="352655" bIns="176326">
+              <a:spAutoFit/>
+            </a:bodyPr>
+            <a:lstStyle>
+              <a:lvl1pPr eaLnBrk="0" hangingPunct="0">
+                <a:defRPr>
+                  <a:solidFill>
+                    <a:schemeClr val="tx1"/>
+                  </a:solidFill>
+                  <a:latin typeface="Arial" charset="0"/>
+                </a:defRPr>
+              </a:lvl1pPr>
+              <a:lvl2pPr marL="742950" indent="-285750" eaLnBrk="0" hangingPunct="0">
+                <a:defRPr>
+                  <a:solidFill>
+                    <a:schemeClr val="tx1"/>
+                  </a:solidFill>
+                  <a:latin typeface="Arial" charset="0"/>
+                </a:defRPr>
+              </a:lvl2pPr>
+              <a:lvl3pPr marL="1143000" indent="-228600" eaLnBrk="0" hangingPunct="0">
+                <a:defRPr>
+                  <a:solidFill>
+                    <a:schemeClr val="tx1"/>
+                  </a:solidFill>
+                  <a:latin typeface="Arial" charset="0"/>
+                </a:defRPr>
+              </a:lvl3pPr>
+              <a:lvl4pPr marL="1600200" indent="-228600" eaLnBrk="0" hangingPunct="0">
+                <a:defRPr>
+                  <a:solidFill>
+                    <a:schemeClr val="tx1"/>
+                  </a:solidFill>
+                  <a:latin typeface="Arial" charset="0"/>
+                </a:defRPr>
+              </a:lvl4pPr>
+              <a:lvl5pPr marL="2057400" indent="-228600" eaLnBrk="0" hangingPunct="0">
+                <a:defRPr>
+                  <a:solidFill>
+                    <a:schemeClr val="tx1"/>
+                  </a:solidFill>
+                  <a:latin typeface="Arial" charset="0"/>
+                </a:defRPr>
+              </a:lvl5pPr>
+              <a:lvl6pPr marL="2514600" indent="-228600" eaLnBrk="0" fontAlgn="base" hangingPunct="0">
+                <a:spcBef>
+                  <a:spcPct val="0"/>
+                </a:spcBef>
+                <a:spcAft>
+                  <a:spcPct val="0"/>
+                </a:spcAft>
+                <a:defRPr>
+                  <a:solidFill>
+                    <a:schemeClr val="tx1"/>
+                  </a:solidFill>
+                  <a:latin typeface="Arial" charset="0"/>
+                </a:defRPr>
+              </a:lvl6pPr>
+              <a:lvl7pPr marL="2971800" indent="-228600" eaLnBrk="0" fontAlgn="base" hangingPunct="0">
+                <a:spcBef>
+                  <a:spcPct val="0"/>
+                </a:spcBef>
+                <a:spcAft>
+                  <a:spcPct val="0"/>
+                </a:spcAft>
+                <a:defRPr>
+                  <a:solidFill>
+                    <a:schemeClr val="tx1"/>
+                  </a:solidFill>
+                  <a:latin typeface="Arial" charset="0"/>
+                </a:defRPr>
+              </a:lvl7pPr>
+              <a:lvl8pPr marL="3429000" indent="-228600" eaLnBrk="0" fontAlgn="base" hangingPunct="0">
+                <a:spcBef>
+                  <a:spcPct val="0"/>
+                </a:spcBef>
+                <a:spcAft>
+                  <a:spcPct val="0"/>
+                </a:spcAft>
+                <a:defRPr>
+                  <a:solidFill>
+                    <a:schemeClr val="tx1"/>
+                  </a:solidFill>
+                  <a:latin typeface="Arial" charset="0"/>
+                </a:defRPr>
+              </a:lvl8pPr>
+              <a:lvl9pPr marL="3886200" indent="-228600" eaLnBrk="0" fontAlgn="base" hangingPunct="0">
+                <a:spcBef>
+                  <a:spcPct val="0"/>
+                </a:spcBef>
+                <a:spcAft>
+                  <a:spcPct val="0"/>
+                </a:spcAft>
+                <a:defRPr>
+                  <a:solidFill>
+                    <a:schemeClr val="tx1"/>
+                  </a:solidFill>
+                  <a:latin typeface="Arial" charset="0"/>
+                </a:defRPr>
+              </a:lvl9pPr>
+            </a:lstStyle>
+            <a:p>
+              <a:pPr algn="ctr" eaLnBrk="1" hangingPunct="1"/>
+              <a:r>
+                <a:rPr lang="en-US" sz="2400" b="1" dirty="0">
+                  <a:solidFill>
+                    <a:schemeClr val="bg1"/>
+                  </a:solidFill>
+                  <a:latin typeface="Gill Sans SemiBold" panose="020B0502020104020203" pitchFamily="34" charset="-79"/>
+                  <a:cs typeface="Gill Sans SemiBold" panose="020B0502020104020203" pitchFamily="34" charset="-79"/>
+                </a:rPr>
+                <a:t>Volunteer</a:t>
+              </a:r>
+            </a:p>
+            <a:p>
+              <a:pPr algn="ctr" eaLnBrk="1" hangingPunct="1"/>
+              <a:endParaRPr lang="en-US" sz="2400" b="1" dirty="0">
+                <a:solidFill>
+                  <a:schemeClr val="bg1"/>
+                </a:solidFill>
+                <a:latin typeface="Gill Sans SemiBold" panose="020B0502020104020203" pitchFamily="34" charset="-79"/>
+                <a:cs typeface="Gill Sans SemiBold" panose="020B0502020104020203" pitchFamily="34" charset="-79"/>
+              </a:endParaRPr>
+            </a:p>
+            <a:p>
+              <a:pPr algn="ctr" eaLnBrk="1" hangingPunct="1"/>
+              <a:endParaRPr lang="en-US" sz="2400" b="1" dirty="0">
+                <a:solidFill>
+                  <a:schemeClr val="bg1"/>
+                </a:solidFill>
+                <a:latin typeface="Gill Sans SemiBold" panose="020B0502020104020203" pitchFamily="34" charset="-79"/>
+                <a:cs typeface="Gill Sans SemiBold" panose="020B0502020104020203" pitchFamily="34" charset="-79"/>
+              </a:endParaRPr>
+            </a:p>
+          </p:txBody>
+        </p:sp>
+      </p:grpSp>
+      <p:sp>
+        <p:nvSpPr>
+          <p:cNvPr id="117" name="Text Box 25">
+            <a:extLst>
+              <a:ext uri="{FF2B5EF4-FFF2-40B4-BE49-F238E27FC236}">
+                <a16:creationId xmlns:a16="http://schemas.microsoft.com/office/drawing/2014/main" id="{7AA74E13-9083-C4F7-AADC-F65F9A0FE00F}"/>
+              </a:ext>
+            </a:extLst>
+          </p:cNvPr>
+          <p:cNvSpPr txBox="1">
+            <a:spLocks noChangeArrowheads="1"/>
+          </p:cNvSpPr>
+          <p:nvPr/>
+        </p:nvSpPr>
+        <p:spPr bwMode="auto">
+          <a:xfrm>
+            <a:off x="31072110" y="8957902"/>
+            <a:ext cx="4075371" cy="2472098"/>
+          </a:xfrm>
+          <a:prstGeom prst="rect">
+            <a:avLst/>
+          </a:prstGeom>
+          <a:solidFill>
+            <a:schemeClr val="bg1"/>
+          </a:solidFill>
+          <a:ln w="9525">
+            <a:noFill/>
+            <a:miter lim="800000"/>
+            <a:headEnd/>
+            <a:tailEnd/>
+          </a:ln>
+          <a:effectLst/>
+        </p:spPr>
+        <p:txBody>
+          <a:bodyPr wrap="square" lIns="352689" tIns="176345" rIns="352689" bIns="176345">
+            <a:spAutoFit/>
+          </a:bodyPr>
+          <a:lstStyle>
+            <a:lvl1pPr marL="171450" indent="-171450" eaLnBrk="0" hangingPunct="0">
+              <a:defRPr>
+                <a:solidFill>
+                  <a:schemeClr val="tx1"/>
+                </a:solidFill>
+                <a:latin typeface="Arial" charset="0"/>
+              </a:defRPr>
+            </a:lvl1pPr>
+            <a:lvl2pPr marL="742950" indent="-285750" eaLnBrk="0" hangingPunct="0">
+              <a:defRPr>
+                <a:solidFill>
+                  <a:schemeClr val="tx1"/>
+                </a:solidFill>
+                <a:latin typeface="Arial" charset="0"/>
+              </a:defRPr>
+            </a:lvl2pPr>
+            <a:lvl3pPr marL="1143000" indent="-228600" eaLnBrk="0" hangingPunct="0">
+              <a:defRPr>
+                <a:solidFill>
+                  <a:schemeClr val="tx1"/>
+                </a:solidFill>
+                <a:latin typeface="Arial" charset="0"/>
+              </a:defRPr>
+            </a:lvl3pPr>
+            <a:lvl4pPr marL="1600200" indent="-228600" eaLnBrk="0" hangingPunct="0">
+              <a:defRPr>
+                <a:solidFill>
+                  <a:schemeClr val="tx1"/>
+                </a:solidFill>
+                <a:latin typeface="Arial" charset="0"/>
+              </a:defRPr>
+            </a:lvl4pPr>
+            <a:lvl5pPr marL="2057400" indent="-228600" eaLnBrk="0" hangingPunct="0">
+              <a:defRPr>
+                <a:solidFill>
+                  <a:schemeClr val="tx1"/>
+                </a:solidFill>
+                <a:latin typeface="Arial" charset="0"/>
+              </a:defRPr>
+            </a:lvl5pPr>
+            <a:lvl6pPr marL="2514600" indent="-228600" eaLnBrk="0" fontAlgn="base" hangingPunct="0">
+              <a:spcBef>
+                <a:spcPct val="0"/>
+              </a:spcBef>
+              <a:spcAft>
+                <a:spcPct val="0"/>
+              </a:spcAft>
+              <a:defRPr>
+                <a:solidFill>
+                  <a:schemeClr val="tx1"/>
+                </a:solidFill>
+                <a:latin typeface="Arial" charset="0"/>
+              </a:defRPr>
+            </a:lvl6pPr>
+            <a:lvl7pPr marL="2971800" indent="-228600" eaLnBrk="0" fontAlgn="base" hangingPunct="0">
+              <a:spcBef>
+                <a:spcPct val="0"/>
+              </a:spcBef>
+              <a:spcAft>
+                <a:spcPct val="0"/>
+              </a:spcAft>
+              <a:defRPr>
+                <a:solidFill>
+                  <a:schemeClr val="tx1"/>
+                </a:solidFill>
+                <a:latin typeface="Arial" charset="0"/>
+              </a:defRPr>
+            </a:lvl7pPr>
+            <a:lvl8pPr marL="3429000" indent="-228600" eaLnBrk="0" fontAlgn="base" hangingPunct="0">
+              <a:spcBef>
+                <a:spcPct val="0"/>
+              </a:spcBef>
+              <a:spcAft>
+                <a:spcPct val="0"/>
+              </a:spcAft>
+              <a:defRPr>
+                <a:solidFill>
+                  <a:schemeClr val="tx1"/>
+                </a:solidFill>
+                <a:latin typeface="Arial" charset="0"/>
+              </a:defRPr>
+            </a:lvl8pPr>
+            <a:lvl9pPr marL="3886200" indent="-228600" eaLnBrk="0" fontAlgn="base" hangingPunct="0">
+              <a:spcBef>
+                <a:spcPct val="0"/>
+              </a:spcBef>
+              <a:spcAft>
+                <a:spcPct val="0"/>
+              </a:spcAft>
+              <a:defRPr>
+                <a:solidFill>
+                  <a:schemeClr val="tx1"/>
+                </a:solidFill>
+                <a:latin typeface="Arial" charset="0"/>
+              </a:defRPr>
+            </a:lvl9pPr>
+          </a:lstStyle>
+          <a:p>
+            <a:pPr marL="571500" indent="-571500" eaLnBrk="1" hangingPunct="1">
+              <a:spcBef>
+                <a:spcPct val="50000"/>
+              </a:spcBef>
+              <a:buFont typeface="Arial" panose="020B0604020202020204" pitchFamily="34" charset="0"/>
+              <a:buChar char="•"/>
+            </a:pPr>
+            <a:r>
+              <a:rPr lang="en-US" sz="2500" dirty="0">
+                <a:latin typeface="Garamond" panose="02020404030301010803" pitchFamily="18" charset="0"/>
+                <a:cs typeface="Gill Sans" panose="020B0502020104020203" pitchFamily="34" charset="-79"/>
+              </a:rPr>
+              <a:t>Account Generation</a:t>
+            </a:r>
+          </a:p>
+          <a:p>
+            <a:pPr marL="571500" indent="-571500" eaLnBrk="1" hangingPunct="1">
+              <a:spcBef>
+                <a:spcPct val="50000"/>
+              </a:spcBef>
+              <a:buFont typeface="Arial" panose="020B0604020202020204" pitchFamily="34" charset="0"/>
+              <a:buChar char="•"/>
+            </a:pPr>
+            <a:r>
+              <a:rPr lang="en-US" sz="2500" dirty="0">
+                <a:latin typeface="Garamond" panose="02020404030301010803" pitchFamily="18" charset="0"/>
+                <a:cs typeface="Gill Sans" panose="020B0502020104020203" pitchFamily="34" charset="-79"/>
+              </a:rPr>
+              <a:t>Live Tracking</a:t>
+            </a:r>
+          </a:p>
+          <a:p>
+            <a:pPr marL="571500" indent="-571500" eaLnBrk="1" hangingPunct="1">
+              <a:spcBef>
+                <a:spcPct val="50000"/>
+              </a:spcBef>
+              <a:buFont typeface="Arial" panose="020B0604020202020204" pitchFamily="34" charset="0"/>
+              <a:buChar char="•"/>
+            </a:pPr>
+            <a:r>
+              <a:rPr lang="en-US" sz="2500" dirty="0">
+                <a:latin typeface="Garamond" panose="02020404030301010803" pitchFamily="18" charset="0"/>
+                <a:cs typeface="Gill Sans" panose="020B0502020104020203" pitchFamily="34" charset="-79"/>
+              </a:rPr>
+              <a:t>PDF Compiler</a:t>
+            </a:r>
+          </a:p>
+          <a:p>
+            <a:pPr marL="571500" indent="-571500" eaLnBrk="1" hangingPunct="1">
+              <a:spcBef>
+                <a:spcPct val="50000"/>
+              </a:spcBef>
+              <a:buFont typeface="Arial" panose="020B0604020202020204" pitchFamily="34" charset="0"/>
+              <a:buChar char="•"/>
+            </a:pPr>
+            <a:r>
+              <a:rPr lang="en-US" sz="2500" dirty="0">
+                <a:latin typeface="Garamond" panose="02020404030301010803" pitchFamily="18" charset="0"/>
+                <a:cs typeface="Gill Sans" panose="020B0502020104020203" pitchFamily="34" charset="-79"/>
+              </a:rPr>
+              <a:t>Barcode Generator</a:t>
+            </a:r>
+          </a:p>
+        </p:txBody>
+      </p:sp>
+      <p:grpSp>
+        <p:nvGrpSpPr>
+          <p:cNvPr id="118" name="Group 117">
+            <a:extLst>
+              <a:ext uri="{FF2B5EF4-FFF2-40B4-BE49-F238E27FC236}">
+                <a16:creationId xmlns:a16="http://schemas.microsoft.com/office/drawing/2014/main" id="{7AE06F73-52E6-FEF4-1CD0-D0439CA3532C}"/>
+              </a:ext>
+            </a:extLst>
+          </p:cNvPr>
+          <p:cNvGrpSpPr/>
+          <p:nvPr/>
+        </p:nvGrpSpPr>
+        <p:grpSpPr>
+          <a:xfrm>
+            <a:off x="28100310" y="9984686"/>
+            <a:ext cx="2945717" cy="1476421"/>
+            <a:chOff x="19413343" y="12470988"/>
+            <a:chExt cx="3108322" cy="1830636"/>
+          </a:xfrm>
+        </p:grpSpPr>
+        <p:sp>
+          <p:nvSpPr>
+            <p:cNvPr id="119" name="Rounded Rectangle 110">
+              <a:extLst>
+                <a:ext uri="{FF2B5EF4-FFF2-40B4-BE49-F238E27FC236}">
+                  <a16:creationId xmlns:a16="http://schemas.microsoft.com/office/drawing/2014/main" id="{19FE3FA1-1946-17CB-A5A9-406D0233DF67}"/>
+                </a:ext>
+              </a:extLst>
+            </p:cNvPr>
+            <p:cNvSpPr/>
+            <p:nvPr/>
+          </p:nvSpPr>
+          <p:spPr>
+            <a:xfrm>
+              <a:off x="19441207" y="12470988"/>
+              <a:ext cx="3080458" cy="882751"/>
+            </a:xfrm>
+            <a:prstGeom prst="roundRect">
+              <a:avLst/>
+            </a:prstGeom>
+            <a:solidFill>
+              <a:srgbClr val="002554"/>
+            </a:solidFill>
+            <a:ln>
+              <a:noFill/>
+            </a:ln>
+          </p:spPr>
+          <p:style>
+            <a:lnRef idx="2">
+              <a:schemeClr val="accent1">
+                <a:shade val="50000"/>
+              </a:schemeClr>
+            </a:lnRef>
+            <a:fillRef idx="1">
+              <a:schemeClr val="accent1"/>
+            </a:fillRef>
+            <a:effectRef idx="0">
+              <a:schemeClr val="accent1"/>
+            </a:effectRef>
+            <a:fontRef idx="minor">
+              <a:schemeClr val="lt1"/>
+            </a:fontRef>
+          </p:style>
+          <p:txBody>
+            <a:bodyPr rtlCol="0" anchor="ctr"/>
+            <a:lstStyle/>
+            <a:p>
+              <a:pPr algn="ctr"/>
+              <a:endParaRPr lang="en-US" b="1" dirty="0"/>
+            </a:p>
+          </p:txBody>
+        </p:sp>
+        <p:sp>
+          <p:nvSpPr>
+            <p:cNvPr id="120" name="TextBox 28">
+              <a:extLst>
+                <a:ext uri="{FF2B5EF4-FFF2-40B4-BE49-F238E27FC236}">
+                  <a16:creationId xmlns:a16="http://schemas.microsoft.com/office/drawing/2014/main" id="{68FD049A-9F09-FBCD-B7F7-18F09A29FCF8}"/>
+                </a:ext>
+              </a:extLst>
+            </p:cNvPr>
+            <p:cNvSpPr txBox="1">
+              <a:spLocks noChangeArrowheads="1"/>
+            </p:cNvSpPr>
+            <p:nvPr/>
+          </p:nvSpPr>
+          <p:spPr bwMode="auto">
+            <a:xfrm>
+              <a:off x="19413343" y="12486276"/>
+              <a:ext cx="3079899" cy="1815348"/>
+            </a:xfrm>
+            <a:prstGeom prst="rect">
+              <a:avLst/>
+            </a:prstGeom>
+            <a:noFill/>
+            <a:ln>
+              <a:noFill/>
+            </a:ln>
+          </p:spPr>
+          <p:txBody>
+            <a:bodyPr wrap="square" lIns="352655" tIns="176326" rIns="352655" bIns="176326">
+              <a:spAutoFit/>
+            </a:bodyPr>
+            <a:lstStyle>
+              <a:lvl1pPr eaLnBrk="0" hangingPunct="0">
+                <a:defRPr>
+                  <a:solidFill>
+                    <a:schemeClr val="tx1"/>
+                  </a:solidFill>
+                  <a:latin typeface="Arial" charset="0"/>
+                </a:defRPr>
+              </a:lvl1pPr>
+              <a:lvl2pPr marL="742950" indent="-285750" eaLnBrk="0" hangingPunct="0">
+                <a:defRPr>
+                  <a:solidFill>
+                    <a:schemeClr val="tx1"/>
+                  </a:solidFill>
+                  <a:latin typeface="Arial" charset="0"/>
+                </a:defRPr>
+              </a:lvl2pPr>
+              <a:lvl3pPr marL="1143000" indent="-228600" eaLnBrk="0" hangingPunct="0">
+                <a:defRPr>
+                  <a:solidFill>
+                    <a:schemeClr val="tx1"/>
+                  </a:solidFill>
+                  <a:latin typeface="Arial" charset="0"/>
+                </a:defRPr>
+              </a:lvl3pPr>
+              <a:lvl4pPr marL="1600200" indent="-228600" eaLnBrk="0" hangingPunct="0">
+                <a:defRPr>
+                  <a:solidFill>
+                    <a:schemeClr val="tx1"/>
+                  </a:solidFill>
+                  <a:latin typeface="Arial" charset="0"/>
+                </a:defRPr>
+              </a:lvl4pPr>
+              <a:lvl5pPr marL="2057400" indent="-228600" eaLnBrk="0" hangingPunct="0">
+                <a:defRPr>
+                  <a:solidFill>
+                    <a:schemeClr val="tx1"/>
+                  </a:solidFill>
+                  <a:latin typeface="Arial" charset="0"/>
+                </a:defRPr>
+              </a:lvl5pPr>
+              <a:lvl6pPr marL="2514600" indent="-228600" eaLnBrk="0" fontAlgn="base" hangingPunct="0">
+                <a:spcBef>
+                  <a:spcPct val="0"/>
+                </a:spcBef>
+                <a:spcAft>
+                  <a:spcPct val="0"/>
+                </a:spcAft>
+                <a:defRPr>
+                  <a:solidFill>
+                    <a:schemeClr val="tx1"/>
+                  </a:solidFill>
+                  <a:latin typeface="Arial" charset="0"/>
+                </a:defRPr>
+              </a:lvl6pPr>
+              <a:lvl7pPr marL="2971800" indent="-228600" eaLnBrk="0" fontAlgn="base" hangingPunct="0">
+                <a:spcBef>
+                  <a:spcPct val="0"/>
+                </a:spcBef>
+                <a:spcAft>
+                  <a:spcPct val="0"/>
+                </a:spcAft>
+                <a:defRPr>
+                  <a:solidFill>
+                    <a:schemeClr val="tx1"/>
+                  </a:solidFill>
+                  <a:latin typeface="Arial" charset="0"/>
+                </a:defRPr>
+              </a:lvl7pPr>
+              <a:lvl8pPr marL="3429000" indent="-228600" eaLnBrk="0" fontAlgn="base" hangingPunct="0">
+                <a:spcBef>
+                  <a:spcPct val="0"/>
+                </a:spcBef>
+                <a:spcAft>
+                  <a:spcPct val="0"/>
+                </a:spcAft>
+                <a:defRPr>
+                  <a:solidFill>
+                    <a:schemeClr val="tx1"/>
+                  </a:solidFill>
+                  <a:latin typeface="Arial" charset="0"/>
+                </a:defRPr>
+              </a:lvl8pPr>
+              <a:lvl9pPr marL="3886200" indent="-228600" eaLnBrk="0" fontAlgn="base" hangingPunct="0">
+                <a:spcBef>
+                  <a:spcPct val="0"/>
+                </a:spcBef>
+                <a:spcAft>
+                  <a:spcPct val="0"/>
+                </a:spcAft>
+                <a:defRPr>
+                  <a:solidFill>
+                    <a:schemeClr val="tx1"/>
+                  </a:solidFill>
+                  <a:latin typeface="Arial" charset="0"/>
+                </a:defRPr>
+              </a:lvl9pPr>
+            </a:lstStyle>
+            <a:p>
+              <a:pPr algn="ctr" eaLnBrk="1" hangingPunct="1"/>
+              <a:r>
+                <a:rPr lang="en-US" sz="2400" b="1" dirty="0">
+                  <a:solidFill>
+                    <a:schemeClr val="bg1"/>
+                  </a:solidFill>
+                  <a:latin typeface="Gill Sans SemiBold" panose="020B0502020104020203" pitchFamily="34" charset="-79"/>
+                  <a:cs typeface="Gill Sans SemiBold" panose="020B0502020104020203" pitchFamily="34" charset="-79"/>
+                </a:rPr>
+                <a:t>Administrator</a:t>
+              </a:r>
+            </a:p>
+            <a:p>
+              <a:pPr algn="ctr" eaLnBrk="1" hangingPunct="1"/>
+              <a:endParaRPr lang="en-US" sz="2400" b="1" dirty="0">
+                <a:solidFill>
+                  <a:schemeClr val="bg1"/>
+                </a:solidFill>
+                <a:latin typeface="Gill Sans SemiBold" panose="020B0502020104020203" pitchFamily="34" charset="-79"/>
+                <a:cs typeface="Gill Sans SemiBold" panose="020B0502020104020203" pitchFamily="34" charset="-79"/>
+              </a:endParaRPr>
+            </a:p>
+            <a:p>
+              <a:pPr algn="ctr" eaLnBrk="1" hangingPunct="1"/>
+              <a:endParaRPr lang="en-US" sz="2400" b="1" dirty="0">
+                <a:solidFill>
+                  <a:schemeClr val="bg1"/>
+                </a:solidFill>
+                <a:latin typeface="Gill Sans SemiBold" panose="020B0502020104020203" pitchFamily="34" charset="-79"/>
+                <a:cs typeface="Gill Sans SemiBold" panose="020B0502020104020203" pitchFamily="34" charset="-79"/>
+              </a:endParaRPr>
+            </a:p>
+          </p:txBody>
+        </p:sp>
+      </p:grpSp>
+      <p:sp>
+        <p:nvSpPr>
+          <p:cNvPr id="121" name="Right Arrow 154">
+            <a:extLst>
+              <a:ext uri="{FF2B5EF4-FFF2-40B4-BE49-F238E27FC236}">
+                <a16:creationId xmlns:a16="http://schemas.microsoft.com/office/drawing/2014/main" id="{1CF3A27E-91C4-B068-BCED-343B75B63E00}"/>
+              </a:ext>
+            </a:extLst>
+          </p:cNvPr>
+          <p:cNvSpPr/>
+          <p:nvPr/>
+        </p:nvSpPr>
+        <p:spPr>
+          <a:xfrm rot="1571135">
+            <a:off x="25938082" y="12230278"/>
+            <a:ext cx="2093702" cy="337263"/>
+          </a:xfrm>
+          <a:prstGeom prst="rightArrow">
+            <a:avLst/>
+          </a:prstGeom>
+          <a:solidFill>
+            <a:srgbClr val="002554"/>
+          </a:solidFill>
+          <a:ln>
+            <a:noFill/>
+          </a:ln>
+        </p:spPr>
+        <p:style>
+          <a:lnRef idx="2">
+            <a:schemeClr val="accent1">
+              <a:shade val="50000"/>
+            </a:schemeClr>
+          </a:lnRef>
+          <a:fillRef idx="1">
+            <a:schemeClr val="accent1"/>
+          </a:fillRef>
+          <a:effectRef idx="0">
+            <a:schemeClr val="accent1"/>
+          </a:effectRef>
+          <a:fontRef idx="minor">
+            <a:schemeClr val="lt1"/>
+          </a:fontRef>
+        </p:style>
+        <p:txBody>
+          <a:bodyPr rtlCol="0" anchor="ctr"/>
+          <a:lstStyle/>
+          <a:p>
+            <a:pPr algn="ctr"/>
+            <a:endParaRPr lang="en-US" dirty="0"/>
+          </a:p>
+        </p:txBody>
+      </p:sp>
+      <p:sp>
+        <p:nvSpPr>
+          <p:cNvPr id="122" name="TextBox 28">
+            <a:extLst>
+              <a:ext uri="{FF2B5EF4-FFF2-40B4-BE49-F238E27FC236}">
+                <a16:creationId xmlns:a16="http://schemas.microsoft.com/office/drawing/2014/main" id="{54D408AC-1D87-34DA-8AE2-2A158A957266}"/>
+              </a:ext>
+            </a:extLst>
+          </p:cNvPr>
+          <p:cNvSpPr txBox="1">
+            <a:spLocks noChangeArrowheads="1"/>
+          </p:cNvSpPr>
+          <p:nvPr/>
+        </p:nvSpPr>
+        <p:spPr bwMode="auto">
+          <a:xfrm>
+            <a:off x="22245260" y="8706005"/>
+            <a:ext cx="13703649" cy="1202481"/>
+          </a:xfrm>
+          <a:prstGeom prst="rect">
+            <a:avLst/>
+          </a:prstGeom>
+          <a:noFill/>
+          <a:ln>
+            <a:noFill/>
+          </a:ln>
+          <a:extLst>
+            <a:ext uri="{909E8E84-426E-40DD-AFC4-6F175D3DCCD1}">
+              <a14:hiddenFill xmlns:a14="http://schemas.microsoft.com/office/drawing/2010/main">
+                <a:solidFill>
+                  <a:srgbClr val="FFFFFF"/>
+                </a:solidFill>
+              </a14:hiddenFill>
+            </a:ext>
+            <a:ext uri="{91240B29-F687-4F45-9708-019B960494DF}">
+              <a14:hiddenLine xmlns:a14="http://schemas.microsoft.com/office/drawing/2010/main" w="9525">
+                <a:solidFill>
+                  <a:srgbClr val="000000"/>
+                </a:solidFill>
+                <a:miter lim="800000"/>
+                <a:headEnd/>
+                <a:tailEnd/>
+              </a14:hiddenLine>
+            </a:ext>
+          </a:extLst>
+        </p:spPr>
+        <p:txBody>
+          <a:bodyPr wrap="square" lIns="352655" tIns="176326" rIns="352655" bIns="176326">
+            <a:spAutoFit/>
+          </a:bodyPr>
+          <a:lstStyle>
+            <a:lvl1pPr eaLnBrk="0" hangingPunct="0">
+              <a:defRPr>
+                <a:solidFill>
+                  <a:schemeClr val="tx1"/>
+                </a:solidFill>
+                <a:latin typeface="Arial" charset="0"/>
+              </a:defRPr>
+            </a:lvl1pPr>
+            <a:lvl2pPr marL="742950" indent="-285750" eaLnBrk="0" hangingPunct="0">
+              <a:defRPr>
+                <a:solidFill>
+                  <a:schemeClr val="tx1"/>
+                </a:solidFill>
+                <a:latin typeface="Arial" charset="0"/>
+              </a:defRPr>
+            </a:lvl2pPr>
+            <a:lvl3pPr marL="1143000" indent="-228600" eaLnBrk="0" hangingPunct="0">
+              <a:defRPr>
+                <a:solidFill>
+                  <a:schemeClr val="tx1"/>
+                </a:solidFill>
+                <a:latin typeface="Arial" charset="0"/>
+              </a:defRPr>
+            </a:lvl3pPr>
+            <a:lvl4pPr marL="1600200" indent="-228600" eaLnBrk="0" hangingPunct="0">
+              <a:defRPr>
+                <a:solidFill>
+                  <a:schemeClr val="tx1"/>
+                </a:solidFill>
+                <a:latin typeface="Arial" charset="0"/>
+              </a:defRPr>
+            </a:lvl4pPr>
+            <a:lvl5pPr marL="2057400" indent="-228600" eaLnBrk="0" hangingPunct="0">
+              <a:defRPr>
+                <a:solidFill>
+                  <a:schemeClr val="tx1"/>
+                </a:solidFill>
+                <a:latin typeface="Arial" charset="0"/>
+              </a:defRPr>
+            </a:lvl5pPr>
+            <a:lvl6pPr marL="2514600" indent="-228600" eaLnBrk="0" fontAlgn="base" hangingPunct="0">
+              <a:spcBef>
+                <a:spcPct val="0"/>
+              </a:spcBef>
+              <a:spcAft>
+                <a:spcPct val="0"/>
+              </a:spcAft>
+              <a:defRPr>
+                <a:solidFill>
+                  <a:schemeClr val="tx1"/>
+                </a:solidFill>
+                <a:latin typeface="Arial" charset="0"/>
+              </a:defRPr>
+            </a:lvl6pPr>
+            <a:lvl7pPr marL="2971800" indent="-228600" eaLnBrk="0" fontAlgn="base" hangingPunct="0">
+              <a:spcBef>
+                <a:spcPct val="0"/>
+              </a:spcBef>
+              <a:spcAft>
+                <a:spcPct val="0"/>
+              </a:spcAft>
+              <a:defRPr>
+                <a:solidFill>
+                  <a:schemeClr val="tx1"/>
+                </a:solidFill>
+                <a:latin typeface="Arial" charset="0"/>
+              </a:defRPr>
+            </a:lvl7pPr>
+            <a:lvl8pPr marL="3429000" indent="-228600" eaLnBrk="0" fontAlgn="base" hangingPunct="0">
+              <a:spcBef>
+                <a:spcPct val="0"/>
+              </a:spcBef>
+              <a:spcAft>
+                <a:spcPct val="0"/>
+              </a:spcAft>
+              <a:defRPr>
+                <a:solidFill>
+                  <a:schemeClr val="tx1"/>
+                </a:solidFill>
+                <a:latin typeface="Arial" charset="0"/>
+              </a:defRPr>
+            </a:lvl8pPr>
+            <a:lvl9pPr marL="3886200" indent="-228600" eaLnBrk="0" fontAlgn="base" hangingPunct="0">
+              <a:spcBef>
+                <a:spcPct val="0"/>
+              </a:spcBef>
+              <a:spcAft>
+                <a:spcPct val="0"/>
+              </a:spcAft>
+              <a:defRPr>
+                <a:solidFill>
+                  <a:schemeClr val="tx1"/>
+                </a:solidFill>
+                <a:latin typeface="Arial" charset="0"/>
+              </a:defRPr>
+            </a:lvl9pPr>
+          </a:lstStyle>
+          <a:p>
+            <a:pPr eaLnBrk="1" hangingPunct="1"/>
+            <a:r>
+              <a:rPr lang="en-US" sz="5500" b="1" dirty="0">
+                <a:latin typeface="Gill Sans" panose="020B0502020104020203" pitchFamily="34" charset="-79"/>
+                <a:cs typeface="Gill Sans" panose="020B0502020104020203" pitchFamily="34" charset="-79"/>
+              </a:rPr>
+              <a:t>User Interface</a:t>
+            </a:r>
+          </a:p>
+        </p:txBody>
+      </p:sp>
+      <p:sp>
+        <p:nvSpPr>
+          <p:cNvPr id="123" name="Right Arrow 154">
+            <a:extLst>
+              <a:ext uri="{FF2B5EF4-FFF2-40B4-BE49-F238E27FC236}">
+                <a16:creationId xmlns:a16="http://schemas.microsoft.com/office/drawing/2014/main" id="{4438F704-DA82-208C-AE1B-FD6F37C0595D}"/>
+              </a:ext>
+            </a:extLst>
+          </p:cNvPr>
+          <p:cNvSpPr/>
+          <p:nvPr/>
+        </p:nvSpPr>
+        <p:spPr>
+          <a:xfrm rot="20088632">
+            <a:off x="25896652" y="10704381"/>
+            <a:ext cx="2093702" cy="337263"/>
+          </a:xfrm>
+          <a:prstGeom prst="rightArrow">
+            <a:avLst/>
+          </a:prstGeom>
+          <a:solidFill>
+            <a:srgbClr val="002554"/>
+          </a:solidFill>
+          <a:ln>
+            <a:noFill/>
+          </a:ln>
+        </p:spPr>
+        <p:style>
+          <a:lnRef idx="2">
+            <a:schemeClr val="accent1">
+              <a:shade val="50000"/>
+            </a:schemeClr>
+          </a:lnRef>
+          <a:fillRef idx="1">
+            <a:schemeClr val="accent1"/>
+          </a:fillRef>
+          <a:effectRef idx="0">
+            <a:schemeClr val="accent1"/>
+          </a:effectRef>
+          <a:fontRef idx="minor">
+            <a:schemeClr val="lt1"/>
+          </a:fontRef>
+        </p:style>
+        <p:txBody>
+          <a:bodyPr rtlCol="0" anchor="ctr"/>
+          <a:lstStyle/>
+          <a:p>
+            <a:pPr algn="ctr"/>
+            <a:endParaRPr lang="en-US" dirty="0"/>
+          </a:p>
+        </p:txBody>
+      </p:sp>
+      <p:sp>
+        <p:nvSpPr>
+          <p:cNvPr id="124" name="Rectangle 123">
+            <a:extLst>
+              <a:ext uri="{FF2B5EF4-FFF2-40B4-BE49-F238E27FC236}">
+                <a16:creationId xmlns:a16="http://schemas.microsoft.com/office/drawing/2014/main" id="{DCF706CB-8715-A06F-DC6B-A798E19AD9F6}"/>
+              </a:ext>
+            </a:extLst>
+          </p:cNvPr>
+          <p:cNvSpPr/>
+          <p:nvPr/>
+        </p:nvSpPr>
+        <p:spPr>
+          <a:xfrm>
+            <a:off x="22166504" y="14852456"/>
+            <a:ext cx="13990320" cy="8790119"/>
+          </a:xfrm>
+          <a:prstGeom prst="rect">
+            <a:avLst/>
+          </a:prstGeom>
+          <a:solidFill>
+            <a:schemeClr val="bg1"/>
+          </a:solidFill>
+          <a:ln w="146050">
+            <a:solidFill>
+              <a:srgbClr val="002454"/>
+            </a:solidFill>
+          </a:ln>
+        </p:spPr>
+        <p:style>
+          <a:lnRef idx="2">
+            <a:schemeClr val="accent1"/>
+          </a:lnRef>
+          <a:fillRef idx="1">
+            <a:schemeClr val="lt1"/>
+          </a:fillRef>
+          <a:effectRef idx="0">
+            <a:schemeClr val="accent1"/>
+          </a:effectRef>
+          <a:fontRef idx="minor">
+            <a:schemeClr val="dk1"/>
+          </a:fontRef>
+        </p:style>
+        <p:txBody>
+          <a:bodyPr rtlCol="0" anchor="ctr"/>
+          <a:lstStyle/>
+          <a:p>
+            <a:pPr algn="ctr"/>
+            <a:r>
+              <a:rPr lang="en-US" b="0" dirty="0">
+                <a:effectLst/>
+              </a:rPr>
+              <a:t> </a:t>
+            </a:r>
+            <a:endParaRPr lang="en-US" dirty="0"/>
+          </a:p>
+        </p:txBody>
+      </p:sp>
+      <p:sp>
+        <p:nvSpPr>
+          <p:cNvPr id="4096" name="Rectangle 4095">
+            <a:extLst>
+              <a:ext uri="{FF2B5EF4-FFF2-40B4-BE49-F238E27FC236}">
+                <a16:creationId xmlns:a16="http://schemas.microsoft.com/office/drawing/2014/main" id="{097D0964-14FD-D69D-B1D1-75D05CF923A3}"/>
+              </a:ext>
+            </a:extLst>
+          </p:cNvPr>
+          <p:cNvSpPr/>
+          <p:nvPr/>
+        </p:nvSpPr>
+        <p:spPr>
+          <a:xfrm>
+            <a:off x="22245378" y="23902748"/>
+            <a:ext cx="5881337" cy="3237215"/>
+          </a:xfrm>
+          <a:prstGeom prst="rect">
+            <a:avLst/>
+          </a:prstGeom>
+          <a:solidFill>
+            <a:schemeClr val="bg1"/>
+          </a:solidFill>
+          <a:ln w="146050">
+            <a:solidFill>
+              <a:srgbClr val="002454"/>
+            </a:solidFill>
+          </a:ln>
+        </p:spPr>
+        <p:style>
+          <a:lnRef idx="2">
+            <a:schemeClr val="accent1"/>
+          </a:lnRef>
+          <a:fillRef idx="1">
+            <a:schemeClr val="lt1"/>
+          </a:fillRef>
+          <a:effectRef idx="0">
+            <a:schemeClr val="accent1"/>
+          </a:effectRef>
+          <a:fontRef idx="minor">
+            <a:schemeClr val="dk1"/>
+          </a:fontRef>
+        </p:style>
+        <p:txBody>
+          <a:bodyPr rtlCol="0" anchor="ctr"/>
+          <a:lstStyle/>
+          <a:p>
+            <a:pPr algn="ctr"/>
+            <a:r>
+              <a:rPr lang="en-US" b="0" dirty="0">
+                <a:effectLst/>
+              </a:rPr>
+              <a:t> </a:t>
+            </a:r>
+            <a:endParaRPr lang="en-US" dirty="0"/>
+          </a:p>
+        </p:txBody>
+      </p:sp>
+      <p:sp>
+        <p:nvSpPr>
+          <p:cNvPr id="4102" name="TextBox 23">
+            <a:extLst>
+              <a:ext uri="{FF2B5EF4-FFF2-40B4-BE49-F238E27FC236}">
+                <a16:creationId xmlns:a16="http://schemas.microsoft.com/office/drawing/2014/main" id="{A1863968-E31D-4FED-50AC-16E1441F292F}"/>
+              </a:ext>
+            </a:extLst>
+          </p:cNvPr>
+          <p:cNvSpPr txBox="1">
+            <a:spLocks noChangeArrowheads="1"/>
+          </p:cNvSpPr>
+          <p:nvPr/>
+        </p:nvSpPr>
+        <p:spPr bwMode="auto">
+          <a:xfrm>
+            <a:off x="22246075" y="14935200"/>
+            <a:ext cx="13872726" cy="1279426"/>
+          </a:xfrm>
+          <a:prstGeom prst="rect">
+            <a:avLst/>
+          </a:prstGeom>
+          <a:noFill/>
+          <a:ln>
+            <a:noFill/>
+          </a:ln>
+          <a:extLst>
+            <a:ext uri="{909E8E84-426E-40DD-AFC4-6F175D3DCCD1}">
+              <a14:hiddenFill xmlns:a14="http://schemas.microsoft.com/office/drawing/2010/main">
+                <a:solidFill>
+                  <a:srgbClr val="FFFFFF"/>
+                </a:solidFill>
+              </a14:hiddenFill>
+            </a:ext>
+            <a:ext uri="{91240B29-F687-4F45-9708-019B960494DF}">
+              <a14:hiddenLine xmlns:a14="http://schemas.microsoft.com/office/drawing/2010/main" w="9525">
+                <a:solidFill>
+                  <a:srgbClr val="000000"/>
+                </a:solidFill>
+                <a:miter lim="800000"/>
+                <a:headEnd/>
+                <a:tailEnd/>
+              </a14:hiddenLine>
+            </a:ext>
+          </a:extLst>
+        </p:spPr>
+        <p:txBody>
+          <a:bodyPr wrap="square" lIns="352655" tIns="176326" rIns="352655" bIns="176326">
+            <a:spAutoFit/>
+          </a:bodyPr>
+          <a:lstStyle>
+            <a:lvl1pPr eaLnBrk="0" hangingPunct="0">
+              <a:defRPr>
+                <a:solidFill>
+                  <a:schemeClr val="tx1"/>
+                </a:solidFill>
+                <a:latin typeface="Arial" charset="0"/>
+              </a:defRPr>
+            </a:lvl1pPr>
+            <a:lvl2pPr marL="742950" indent="-285750" eaLnBrk="0" hangingPunct="0">
+              <a:defRPr>
+                <a:solidFill>
+                  <a:schemeClr val="tx1"/>
+                </a:solidFill>
+                <a:latin typeface="Arial" charset="0"/>
+              </a:defRPr>
+            </a:lvl2pPr>
+            <a:lvl3pPr marL="1143000" indent="-228600" eaLnBrk="0" hangingPunct="0">
+              <a:defRPr>
+                <a:solidFill>
+                  <a:schemeClr val="tx1"/>
+                </a:solidFill>
+                <a:latin typeface="Arial" charset="0"/>
+              </a:defRPr>
+            </a:lvl3pPr>
+            <a:lvl4pPr marL="1600200" indent="-228600" eaLnBrk="0" hangingPunct="0">
+              <a:defRPr>
+                <a:solidFill>
+                  <a:schemeClr val="tx1"/>
+                </a:solidFill>
+                <a:latin typeface="Arial" charset="0"/>
+              </a:defRPr>
+            </a:lvl4pPr>
+            <a:lvl5pPr marL="2057400" indent="-228600" eaLnBrk="0" hangingPunct="0">
+              <a:defRPr>
+                <a:solidFill>
+                  <a:schemeClr val="tx1"/>
+                </a:solidFill>
+                <a:latin typeface="Arial" charset="0"/>
+              </a:defRPr>
+            </a:lvl5pPr>
+            <a:lvl6pPr marL="2514600" indent="-228600" eaLnBrk="0" fontAlgn="base" hangingPunct="0">
+              <a:spcBef>
+                <a:spcPct val="0"/>
+              </a:spcBef>
+              <a:spcAft>
+                <a:spcPct val="0"/>
+              </a:spcAft>
+              <a:defRPr>
+                <a:solidFill>
+                  <a:schemeClr val="tx1"/>
+                </a:solidFill>
+                <a:latin typeface="Arial" charset="0"/>
+              </a:defRPr>
+            </a:lvl6pPr>
+            <a:lvl7pPr marL="2971800" indent="-228600" eaLnBrk="0" fontAlgn="base" hangingPunct="0">
+              <a:spcBef>
+                <a:spcPct val="0"/>
+              </a:spcBef>
+              <a:spcAft>
+                <a:spcPct val="0"/>
+              </a:spcAft>
+              <a:defRPr>
+                <a:solidFill>
+                  <a:schemeClr val="tx1"/>
+                </a:solidFill>
+                <a:latin typeface="Arial" charset="0"/>
+              </a:defRPr>
+            </a:lvl7pPr>
+            <a:lvl8pPr marL="3429000" indent="-228600" eaLnBrk="0" fontAlgn="base" hangingPunct="0">
+              <a:spcBef>
+                <a:spcPct val="0"/>
+              </a:spcBef>
+              <a:spcAft>
+                <a:spcPct val="0"/>
+              </a:spcAft>
+              <a:defRPr>
+                <a:solidFill>
+                  <a:schemeClr val="tx1"/>
+                </a:solidFill>
+                <a:latin typeface="Arial" charset="0"/>
+              </a:defRPr>
+            </a:lvl8pPr>
+            <a:lvl9pPr marL="3886200" indent="-228600" eaLnBrk="0" fontAlgn="base" hangingPunct="0">
+              <a:spcBef>
+                <a:spcPct val="0"/>
+              </a:spcBef>
+              <a:spcAft>
+                <a:spcPct val="0"/>
+              </a:spcAft>
+              <a:defRPr>
+                <a:solidFill>
+                  <a:schemeClr val="tx1"/>
+                </a:solidFill>
+                <a:latin typeface="Arial" charset="0"/>
+              </a:defRPr>
+            </a:lvl9pPr>
+          </a:lstStyle>
+          <a:p>
+            <a:pPr algn="ctr" eaLnBrk="1" hangingPunct="1"/>
+            <a:r>
+              <a:rPr lang="en-US" sz="6000" b="1" dirty="0">
+                <a:latin typeface="Gill Sans" panose="020B0502020104020203" pitchFamily="34" charset="-79"/>
+                <a:cs typeface="Gill Sans" panose="020B0502020104020203" pitchFamily="34" charset="-79"/>
+              </a:rPr>
+              <a:t>Results</a:t>
+            </a:r>
+          </a:p>
+        </p:txBody>
+      </p:sp>
+      <p:sp>
+        <p:nvSpPr>
+          <p:cNvPr id="4103" name="TextBox 23">
+            <a:extLst>
+              <a:ext uri="{FF2B5EF4-FFF2-40B4-BE49-F238E27FC236}">
+                <a16:creationId xmlns:a16="http://schemas.microsoft.com/office/drawing/2014/main" id="{6B73A2FF-6ACF-0AE6-1182-D77195936869}"/>
+              </a:ext>
+            </a:extLst>
+          </p:cNvPr>
+          <p:cNvSpPr txBox="1">
+            <a:spLocks noChangeArrowheads="1"/>
+          </p:cNvSpPr>
+          <p:nvPr/>
+        </p:nvSpPr>
+        <p:spPr bwMode="auto">
+          <a:xfrm>
+            <a:off x="23250477" y="24667707"/>
+            <a:ext cx="4054400" cy="1279426"/>
+          </a:xfrm>
+          <a:prstGeom prst="rect">
+            <a:avLst/>
+          </a:prstGeom>
+          <a:noFill/>
+          <a:ln>
+            <a:noFill/>
+          </a:ln>
+          <a:extLst>
+            <a:ext uri="{909E8E84-426E-40DD-AFC4-6F175D3DCCD1}">
+              <a14:hiddenFill xmlns:a14="http://schemas.microsoft.com/office/drawing/2010/main">
+                <a:solidFill>
+                  <a:srgbClr val="FFFFFF"/>
+                </a:solidFill>
+              </a14:hiddenFill>
+            </a:ext>
+            <a:ext uri="{91240B29-F687-4F45-9708-019B960494DF}">
+              <a14:hiddenLine xmlns:a14="http://schemas.microsoft.com/office/drawing/2010/main" w="9525">
+                <a:solidFill>
+                  <a:srgbClr val="000000"/>
+                </a:solidFill>
+                <a:miter lim="800000"/>
+                <a:headEnd/>
+                <a:tailEnd/>
+              </a14:hiddenLine>
+            </a:ext>
+          </a:extLst>
+        </p:spPr>
+        <p:txBody>
+          <a:bodyPr wrap="square" lIns="352655" tIns="176326" rIns="352655" bIns="176326">
+            <a:spAutoFit/>
+          </a:bodyPr>
+          <a:lstStyle>
+            <a:lvl1pPr eaLnBrk="0" hangingPunct="0">
+              <a:defRPr>
+                <a:solidFill>
+                  <a:schemeClr val="tx1"/>
+                </a:solidFill>
+                <a:latin typeface="Arial" charset="0"/>
+              </a:defRPr>
+            </a:lvl1pPr>
+            <a:lvl2pPr marL="742950" indent="-285750" eaLnBrk="0" hangingPunct="0">
+              <a:defRPr>
+                <a:solidFill>
+                  <a:schemeClr val="tx1"/>
+                </a:solidFill>
+                <a:latin typeface="Arial" charset="0"/>
+              </a:defRPr>
+            </a:lvl2pPr>
+            <a:lvl3pPr marL="1143000" indent="-228600" eaLnBrk="0" hangingPunct="0">
+              <a:defRPr>
+                <a:solidFill>
+                  <a:schemeClr val="tx1"/>
+                </a:solidFill>
+                <a:latin typeface="Arial" charset="0"/>
+              </a:defRPr>
+            </a:lvl3pPr>
+            <a:lvl4pPr marL="1600200" indent="-228600" eaLnBrk="0" hangingPunct="0">
+              <a:defRPr>
+                <a:solidFill>
+                  <a:schemeClr val="tx1"/>
+                </a:solidFill>
+                <a:latin typeface="Arial" charset="0"/>
+              </a:defRPr>
+            </a:lvl4pPr>
+            <a:lvl5pPr marL="2057400" indent="-228600" eaLnBrk="0" hangingPunct="0">
+              <a:defRPr>
+                <a:solidFill>
+                  <a:schemeClr val="tx1"/>
+                </a:solidFill>
+                <a:latin typeface="Arial" charset="0"/>
+              </a:defRPr>
+            </a:lvl5pPr>
+            <a:lvl6pPr marL="2514600" indent="-228600" eaLnBrk="0" fontAlgn="base" hangingPunct="0">
+              <a:spcBef>
+                <a:spcPct val="0"/>
+              </a:spcBef>
+              <a:spcAft>
+                <a:spcPct val="0"/>
+              </a:spcAft>
+              <a:defRPr>
+                <a:solidFill>
+                  <a:schemeClr val="tx1"/>
+                </a:solidFill>
+                <a:latin typeface="Arial" charset="0"/>
+              </a:defRPr>
+            </a:lvl6pPr>
+            <a:lvl7pPr marL="2971800" indent="-228600" eaLnBrk="0" fontAlgn="base" hangingPunct="0">
+              <a:spcBef>
+                <a:spcPct val="0"/>
+              </a:spcBef>
+              <a:spcAft>
+                <a:spcPct val="0"/>
+              </a:spcAft>
+              <a:defRPr>
+                <a:solidFill>
+                  <a:schemeClr val="tx1"/>
+                </a:solidFill>
+                <a:latin typeface="Arial" charset="0"/>
+              </a:defRPr>
+            </a:lvl7pPr>
+            <a:lvl8pPr marL="3429000" indent="-228600" eaLnBrk="0" fontAlgn="base" hangingPunct="0">
+              <a:spcBef>
+                <a:spcPct val="0"/>
+              </a:spcBef>
+              <a:spcAft>
+                <a:spcPct val="0"/>
+              </a:spcAft>
+              <a:defRPr>
+                <a:solidFill>
+                  <a:schemeClr val="tx1"/>
+                </a:solidFill>
+                <a:latin typeface="Arial" charset="0"/>
+              </a:defRPr>
+            </a:lvl8pPr>
+            <a:lvl9pPr marL="3886200" indent="-228600" eaLnBrk="0" fontAlgn="base" hangingPunct="0">
+              <a:spcBef>
+                <a:spcPct val="0"/>
+              </a:spcBef>
+              <a:spcAft>
+                <a:spcPct val="0"/>
+              </a:spcAft>
+              <a:defRPr>
+                <a:solidFill>
+                  <a:schemeClr val="tx1"/>
+                </a:solidFill>
+                <a:latin typeface="Arial" charset="0"/>
+              </a:defRPr>
+            </a:lvl9pPr>
+          </a:lstStyle>
+          <a:p>
+            <a:pPr algn="ctr" eaLnBrk="1" hangingPunct="1"/>
+            <a:r>
+              <a:rPr lang="en-US" sz="6000" b="1" dirty="0">
+                <a:latin typeface="Gill Sans" panose="020B0502020104020203" pitchFamily="34" charset="-79"/>
+                <a:cs typeface="Gill Sans" panose="020B0502020104020203" pitchFamily="34" charset="-79"/>
+              </a:rPr>
+              <a:t>Figure</a:t>
+            </a:r>
+          </a:p>
+        </p:txBody>
+      </p:sp>
+    </p:spTree>
+    <p:extLst>
+      <p:ext uri="{BB962C8B-B14F-4D97-AF65-F5344CB8AC3E}">
+        <p14:creationId xmlns:p14="http://schemas.microsoft.com/office/powerpoint/2010/main" val="3495847338"/>
+      </p:ext>
+    </p:extLst>
+  </p:cSld>
+  <p:clrMapOvr>
+    <a:masterClrMapping/>
+  </p:clrMapOvr>
+</p:sld>
+</file>
+
 <file path=ppt/theme/theme1.xml><?xml version="1.0" encoding="utf-8"?>
 <a:theme xmlns:a="http://schemas.openxmlformats.org/drawingml/2006/main" name="Office Theme">
   <a:themeElements>

--- a/Poster/Capstone_Poster.pptx
+++ b/Poster/Capstone_Poster.pptx
@@ -19584,7 +19584,7 @@
         <p:spPr>
           <a:xfrm>
             <a:off x="457200" y="14554200"/>
-            <a:ext cx="21425272" cy="6755993"/>
+            <a:ext cx="19429038" cy="6755993"/>
           </a:xfrm>
           <a:prstGeom prst="rect">
             <a:avLst/>
@@ -19636,7 +19636,7 @@
         <p:spPr>
           <a:xfrm>
             <a:off x="444128" y="9982200"/>
-            <a:ext cx="21425272" cy="4049818"/>
+            <a:ext cx="19358180" cy="4049818"/>
           </a:xfrm>
           <a:prstGeom prst="rect">
             <a:avLst/>
@@ -19687,8 +19687,8 @@
         </p:nvSpPr>
         <p:spPr>
           <a:xfrm>
-            <a:off x="444128" y="5036562"/>
-            <a:ext cx="21425272" cy="4404579"/>
+            <a:off x="444129" y="5036562"/>
+            <a:ext cx="19358180" cy="4404579"/>
           </a:xfrm>
           <a:prstGeom prst="rect">
             <a:avLst/>
@@ -19739,8 +19739,8 @@
         </p:nvSpPr>
         <p:spPr>
           <a:xfrm>
-            <a:off x="22120244" y="5089222"/>
-            <a:ext cx="13990320" cy="12053465"/>
+            <a:off x="20122185" y="5089222"/>
+            <a:ext cx="15988379" cy="12053465"/>
           </a:xfrm>
           <a:prstGeom prst="rect">
             <a:avLst/>
@@ -20987,8 +20987,8 @@
         </p:nvSpPr>
         <p:spPr bwMode="auto">
           <a:xfrm>
-            <a:off x="830513" y="6019800"/>
-            <a:ext cx="20612167" cy="5603725"/>
+            <a:off x="830514" y="6019800"/>
+            <a:ext cx="18799158" cy="6126945"/>
           </a:xfrm>
           <a:prstGeom prst="rect">
             <a:avLst/>
@@ -21204,7 +21204,7 @@
         <p:spPr bwMode="auto">
           <a:xfrm>
             <a:off x="465436" y="15140168"/>
-            <a:ext cx="21411314" cy="9096989"/>
+            <a:ext cx="19270364" cy="9096989"/>
           </a:xfrm>
           <a:prstGeom prst="rect">
             <a:avLst/>
@@ -21913,7 +21913,7 @@
         <p:spPr>
           <a:xfrm>
             <a:off x="444128" y="21832375"/>
-            <a:ext cx="21443248" cy="5307589"/>
+            <a:ext cx="19358180" cy="5307589"/>
           </a:xfrm>
           <a:prstGeom prst="rect">
             <a:avLst/>
@@ -22369,60 +22369,6 @@
               <a:latin typeface="Garamond" panose="02020404030301010803" pitchFamily="18" charset="0"/>
               <a:cs typeface="Gill Sans" panose="020B0502020104020203" pitchFamily="34" charset="-79"/>
             </a:endParaRPr>
-          </a:p>
-        </p:txBody>
-      </p:sp>
-      <p:sp>
-        <p:nvSpPr>
-          <p:cNvPr id="43" name="Oval 42">
-            <a:extLst>
-              <a:ext uri="{FF2B5EF4-FFF2-40B4-BE49-F238E27FC236}">
-                <a16:creationId xmlns:a16="http://schemas.microsoft.com/office/drawing/2014/main" id="{B3911B4A-D3F5-9644-17EE-055A274C33F3}"/>
-              </a:ext>
-            </a:extLst>
-          </p:cNvPr>
-          <p:cNvSpPr/>
-          <p:nvPr/>
-        </p:nvSpPr>
-        <p:spPr>
-          <a:xfrm>
-            <a:off x="731131" y="24447386"/>
-            <a:ext cx="1125395" cy="1134788"/>
-          </a:xfrm>
-          <a:prstGeom prst="ellipse">
-            <a:avLst/>
-          </a:prstGeom>
-          <a:solidFill>
-            <a:srgbClr val="002554"/>
-          </a:solidFill>
-          <a:ln>
-            <a:solidFill>
-              <a:srgbClr val="002454"/>
-            </a:solidFill>
-          </a:ln>
-        </p:spPr>
-        <p:style>
-          <a:lnRef idx="2">
-            <a:schemeClr val="accent1">
-              <a:shade val="15000"/>
-            </a:schemeClr>
-          </a:lnRef>
-          <a:fillRef idx="1">
-            <a:schemeClr val="accent1"/>
-          </a:fillRef>
-          <a:effectRef idx="0">
-            <a:schemeClr val="accent1"/>
-          </a:effectRef>
-          <a:fontRef idx="minor">
-            <a:schemeClr val="lt1"/>
-          </a:fontRef>
-        </p:style>
-        <p:txBody>
-          <a:bodyPr rtlCol="0" anchor="ctr"/>
-          <a:lstStyle/>
-          <a:p>
-            <a:pPr algn="ctr"/>
-            <a:endParaRPr lang="en-US"/>
           </a:p>
         </p:txBody>
       </p:sp>
@@ -22527,53 +22473,6 @@
           </a:extLst>
         </p:spPr>
       </p:pic>
-      <p:pic>
-        <p:nvPicPr>
-          <p:cNvPr id="57" name="Picture 20">
-            <a:extLst>
-              <a:ext uri="{FF2B5EF4-FFF2-40B4-BE49-F238E27FC236}">
-                <a16:creationId xmlns:a16="http://schemas.microsoft.com/office/drawing/2014/main" id="{EC058DC5-9E36-1DA0-20D1-9F919ABFAD82}"/>
-              </a:ext>
-            </a:extLst>
-          </p:cNvPr>
-          <p:cNvPicPr>
-            <a:picLocks noChangeAspect="1" noChangeArrowheads="1"/>
-          </p:cNvPicPr>
-          <p:nvPr/>
-        </p:nvPicPr>
-        <p:blipFill>
-          <a:blip r:embed="rId13">
-            <a:extLst>
-              <a:ext uri="{28A0092B-C50C-407E-A947-70E740481C1C}">
-                <a14:useLocalDpi xmlns:a14="http://schemas.microsoft.com/office/drawing/2010/main" val="0"/>
-              </a:ext>
-            </a:extLst>
-          </a:blip>
-          <a:srcRect/>
-          <a:stretch>
-            <a:fillRect/>
-          </a:stretch>
-        </p:blipFill>
-        <p:spPr bwMode="auto">
-          <a:xfrm>
-            <a:off x="959731" y="24682221"/>
-            <a:ext cx="694939" cy="694939"/>
-          </a:xfrm>
-          <a:prstGeom prst="rect">
-            <a:avLst/>
-          </a:prstGeom>
-          <a:noFill/>
-          <a:extLst>
-            <a:ext uri="{909E8E84-426E-40DD-AFC4-6F175D3DCCD1}">
-              <a14:hiddenFill xmlns:a14="http://schemas.microsoft.com/office/drawing/2010/main">
-                <a:solidFill>
-                  <a:srgbClr val="FFFFFF"/>
-                </a:solidFill>
-              </a14:hiddenFill>
-            </a:ext>
-          </a:extLst>
-        </p:spPr>
-      </p:pic>
       <p:sp>
         <p:nvSpPr>
           <p:cNvPr id="58" name="Text Box 24">
@@ -22954,378 +22853,6 @@
               <a:latin typeface="Garamond" panose="02020404030301010803" pitchFamily="18" charset="0"/>
               <a:cs typeface="Gill Sans" panose="020B0502020104020203" pitchFamily="34" charset="-79"/>
             </a:endParaRPr>
-          </a:p>
-        </p:txBody>
-      </p:sp>
-      <p:sp>
-        <p:nvSpPr>
-          <p:cNvPr id="64" name="Text Box 24">
-            <a:extLst>
-              <a:ext uri="{FF2B5EF4-FFF2-40B4-BE49-F238E27FC236}">
-                <a16:creationId xmlns:a16="http://schemas.microsoft.com/office/drawing/2014/main" id="{1898775E-D4B5-2570-2236-E175B396D16D}"/>
-              </a:ext>
-            </a:extLst>
-          </p:cNvPr>
-          <p:cNvSpPr txBox="1">
-            <a:spLocks noChangeArrowheads="1"/>
-          </p:cNvSpPr>
-          <p:nvPr/>
-        </p:nvSpPr>
-        <p:spPr bwMode="auto">
-          <a:xfrm>
-            <a:off x="1950331" y="24104063"/>
-            <a:ext cx="5325762" cy="1525685"/>
-          </a:xfrm>
-          <a:prstGeom prst="rect">
-            <a:avLst/>
-          </a:prstGeom>
-          <a:noFill/>
-          <a:ln>
-            <a:noFill/>
-          </a:ln>
-          <a:effectLst/>
-          <a:extLst>
-            <a:ext uri="{909E8E84-426E-40DD-AFC4-6F175D3DCCD1}">
-              <a14:hiddenFill xmlns:a14="http://schemas.microsoft.com/office/drawing/2010/main">
-                <a:solidFill>
-                  <a:schemeClr val="accent1"/>
-                </a:solidFill>
-              </a14:hiddenFill>
-            </a:ext>
-            <a:ext uri="{91240B29-F687-4F45-9708-019B960494DF}">
-              <a14:hiddenLine xmlns:a14="http://schemas.microsoft.com/office/drawing/2010/main" w="9525">
-                <a:solidFill>
-                  <a:schemeClr val="tx1"/>
-                </a:solidFill>
-                <a:miter lim="800000"/>
-                <a:headEnd/>
-                <a:tailEnd/>
-              </a14:hiddenLine>
-            </a:ext>
-            <a:ext uri="{AF507438-7753-43E0-B8FC-AC1667EBCBE1}">
-              <a14:hiddenEffects xmlns:a14="http://schemas.microsoft.com/office/drawing/2010/main">
-                <a:effectLst>
-                  <a:outerShdw dist="35921" dir="2700000" algn="ctr" rotWithShape="0">
-                    <a:schemeClr val="bg2"/>
-                  </a:outerShdw>
-                </a:effectLst>
-              </a14:hiddenEffects>
-            </a:ext>
-          </a:extLst>
-        </p:spPr>
-        <p:txBody>
-          <a:bodyPr wrap="square" lIns="352689" tIns="176345" rIns="352689" bIns="176345">
-            <a:spAutoFit/>
-          </a:bodyPr>
-          <a:lstStyle>
-            <a:lvl1pPr eaLnBrk="0" hangingPunct="0">
-              <a:defRPr>
-                <a:solidFill>
-                  <a:schemeClr val="tx1"/>
-                </a:solidFill>
-                <a:latin typeface="Arial" charset="0"/>
-              </a:defRPr>
-            </a:lvl1pPr>
-            <a:lvl2pPr marL="742950" indent="-285750" eaLnBrk="0" hangingPunct="0">
-              <a:defRPr>
-                <a:solidFill>
-                  <a:schemeClr val="tx1"/>
-                </a:solidFill>
-                <a:latin typeface="Arial" charset="0"/>
-              </a:defRPr>
-            </a:lvl2pPr>
-            <a:lvl3pPr marL="1143000" indent="-228600" eaLnBrk="0" hangingPunct="0">
-              <a:defRPr>
-                <a:solidFill>
-                  <a:schemeClr val="tx1"/>
-                </a:solidFill>
-                <a:latin typeface="Arial" charset="0"/>
-              </a:defRPr>
-            </a:lvl3pPr>
-            <a:lvl4pPr marL="1600200" indent="-228600" eaLnBrk="0" hangingPunct="0">
-              <a:defRPr>
-                <a:solidFill>
-                  <a:schemeClr val="tx1"/>
-                </a:solidFill>
-                <a:latin typeface="Arial" charset="0"/>
-              </a:defRPr>
-            </a:lvl4pPr>
-            <a:lvl5pPr marL="2057400" indent="-228600" eaLnBrk="0" hangingPunct="0">
-              <a:defRPr>
-                <a:solidFill>
-                  <a:schemeClr val="tx1"/>
-                </a:solidFill>
-                <a:latin typeface="Arial" charset="0"/>
-              </a:defRPr>
-            </a:lvl5pPr>
-            <a:lvl6pPr marL="2514600" indent="-228600" eaLnBrk="0" fontAlgn="base" hangingPunct="0">
-              <a:spcBef>
-                <a:spcPct val="0"/>
-              </a:spcBef>
-              <a:spcAft>
-                <a:spcPct val="0"/>
-              </a:spcAft>
-              <a:defRPr>
-                <a:solidFill>
-                  <a:schemeClr val="tx1"/>
-                </a:solidFill>
-                <a:latin typeface="Arial" charset="0"/>
-              </a:defRPr>
-            </a:lvl6pPr>
-            <a:lvl7pPr marL="2971800" indent="-228600" eaLnBrk="0" fontAlgn="base" hangingPunct="0">
-              <a:spcBef>
-                <a:spcPct val="0"/>
-              </a:spcBef>
-              <a:spcAft>
-                <a:spcPct val="0"/>
-              </a:spcAft>
-              <a:defRPr>
-                <a:solidFill>
-                  <a:schemeClr val="tx1"/>
-                </a:solidFill>
-                <a:latin typeface="Arial" charset="0"/>
-              </a:defRPr>
-            </a:lvl7pPr>
-            <a:lvl8pPr marL="3429000" indent="-228600" eaLnBrk="0" fontAlgn="base" hangingPunct="0">
-              <a:spcBef>
-                <a:spcPct val="0"/>
-              </a:spcBef>
-              <a:spcAft>
-                <a:spcPct val="0"/>
-              </a:spcAft>
-              <a:defRPr>
-                <a:solidFill>
-                  <a:schemeClr val="tx1"/>
-                </a:solidFill>
-                <a:latin typeface="Arial" charset="0"/>
-              </a:defRPr>
-            </a:lvl8pPr>
-            <a:lvl9pPr marL="3886200" indent="-228600" eaLnBrk="0" fontAlgn="base" hangingPunct="0">
-              <a:spcBef>
-                <a:spcPct val="0"/>
-              </a:spcBef>
-              <a:spcAft>
-                <a:spcPct val="0"/>
-              </a:spcAft>
-              <a:defRPr>
-                <a:solidFill>
-                  <a:schemeClr val="tx1"/>
-                </a:solidFill>
-                <a:latin typeface="Arial" charset="0"/>
-              </a:defRPr>
-            </a:lvl9pPr>
-          </a:lstStyle>
-          <a:p>
-            <a:pPr eaLnBrk="1" hangingPunct="1">
-              <a:spcBef>
-                <a:spcPct val="50000"/>
-              </a:spcBef>
-            </a:pPr>
-            <a:r>
-              <a:rPr lang="en-US" sz="2800" b="1" dirty="0">
-                <a:solidFill>
-                  <a:srgbClr val="000000"/>
-                </a:solidFill>
-                <a:latin typeface="Garamond" panose="02020404030301010803" pitchFamily="18" charset="0"/>
-                <a:cs typeface="Gill Sans" panose="020B0502020104020203" pitchFamily="34" charset="-79"/>
-              </a:rPr>
-              <a:t>Secure Communication</a:t>
-            </a:r>
-            <a:endParaRPr lang="en-US" sz="2200" b="1" dirty="0">
-              <a:solidFill>
-                <a:srgbClr val="000000"/>
-              </a:solidFill>
-              <a:latin typeface="Garamond" panose="02020404030301010803" pitchFamily="18" charset="0"/>
-              <a:cs typeface="Gill Sans" panose="020B0502020104020203" pitchFamily="34" charset="-79"/>
-            </a:endParaRPr>
-          </a:p>
-          <a:p>
-            <a:pPr eaLnBrk="1" hangingPunct="1">
-              <a:spcBef>
-                <a:spcPct val="50000"/>
-              </a:spcBef>
-            </a:pPr>
-            <a:endParaRPr lang="en-US" sz="3200" b="1" dirty="0">
-              <a:latin typeface="Garamond" panose="02020404030301010803" pitchFamily="18" charset="0"/>
-              <a:cs typeface="Gill Sans" panose="020B0502020104020203" pitchFamily="34" charset="-79"/>
-            </a:endParaRPr>
-          </a:p>
-        </p:txBody>
-      </p:sp>
-      <p:sp>
-        <p:nvSpPr>
-          <p:cNvPr id="65" name="Text Box 24">
-            <a:extLst>
-              <a:ext uri="{FF2B5EF4-FFF2-40B4-BE49-F238E27FC236}">
-                <a16:creationId xmlns:a16="http://schemas.microsoft.com/office/drawing/2014/main" id="{3A920EA8-E863-2238-78F1-8586E8B1FAF6}"/>
-              </a:ext>
-            </a:extLst>
-          </p:cNvPr>
-          <p:cNvSpPr txBox="1">
-            <a:spLocks noChangeArrowheads="1"/>
-          </p:cNvSpPr>
-          <p:nvPr/>
-        </p:nvSpPr>
-        <p:spPr bwMode="auto">
-          <a:xfrm>
-            <a:off x="1950331" y="24603512"/>
-            <a:ext cx="4298069" cy="2387460"/>
-          </a:xfrm>
-          <a:prstGeom prst="rect">
-            <a:avLst/>
-          </a:prstGeom>
-          <a:noFill/>
-          <a:ln>
-            <a:noFill/>
-          </a:ln>
-          <a:effectLst/>
-          <a:extLst>
-            <a:ext uri="{909E8E84-426E-40DD-AFC4-6F175D3DCCD1}">
-              <a14:hiddenFill xmlns:a14="http://schemas.microsoft.com/office/drawing/2010/main">
-                <a:solidFill>
-                  <a:schemeClr val="accent1"/>
-                </a:solidFill>
-              </a14:hiddenFill>
-            </a:ext>
-            <a:ext uri="{91240B29-F687-4F45-9708-019B960494DF}">
-              <a14:hiddenLine xmlns:a14="http://schemas.microsoft.com/office/drawing/2010/main" w="9525">
-                <a:solidFill>
-                  <a:schemeClr val="tx1"/>
-                </a:solidFill>
-                <a:miter lim="800000"/>
-                <a:headEnd/>
-                <a:tailEnd/>
-              </a14:hiddenLine>
-            </a:ext>
-            <a:ext uri="{AF507438-7753-43E0-B8FC-AC1667EBCBE1}">
-              <a14:hiddenEffects xmlns:a14="http://schemas.microsoft.com/office/drawing/2010/main">
-                <a:effectLst>
-                  <a:outerShdw dist="35921" dir="2700000" algn="ctr" rotWithShape="0">
-                    <a:schemeClr val="bg2"/>
-                  </a:outerShdw>
-                </a:effectLst>
-              </a14:hiddenEffects>
-            </a:ext>
-          </a:extLst>
-        </p:spPr>
-        <p:txBody>
-          <a:bodyPr wrap="square" lIns="352689" tIns="176345" rIns="352689" bIns="176345">
-            <a:spAutoFit/>
-          </a:bodyPr>
-          <a:lstStyle>
-            <a:lvl1pPr eaLnBrk="0" hangingPunct="0">
-              <a:defRPr>
-                <a:solidFill>
-                  <a:schemeClr val="tx1"/>
-                </a:solidFill>
-                <a:latin typeface="Arial" charset="0"/>
-              </a:defRPr>
-            </a:lvl1pPr>
-            <a:lvl2pPr marL="742950" indent="-285750" eaLnBrk="0" hangingPunct="0">
-              <a:defRPr>
-                <a:solidFill>
-                  <a:schemeClr val="tx1"/>
-                </a:solidFill>
-                <a:latin typeface="Arial" charset="0"/>
-              </a:defRPr>
-            </a:lvl2pPr>
-            <a:lvl3pPr marL="1143000" indent="-228600" eaLnBrk="0" hangingPunct="0">
-              <a:defRPr>
-                <a:solidFill>
-                  <a:schemeClr val="tx1"/>
-                </a:solidFill>
-                <a:latin typeface="Arial" charset="0"/>
-              </a:defRPr>
-            </a:lvl3pPr>
-            <a:lvl4pPr marL="1600200" indent="-228600" eaLnBrk="0" hangingPunct="0">
-              <a:defRPr>
-                <a:solidFill>
-                  <a:schemeClr val="tx1"/>
-                </a:solidFill>
-                <a:latin typeface="Arial" charset="0"/>
-              </a:defRPr>
-            </a:lvl4pPr>
-            <a:lvl5pPr marL="2057400" indent="-228600" eaLnBrk="0" hangingPunct="0">
-              <a:defRPr>
-                <a:solidFill>
-                  <a:schemeClr val="tx1"/>
-                </a:solidFill>
-                <a:latin typeface="Arial" charset="0"/>
-              </a:defRPr>
-            </a:lvl5pPr>
-            <a:lvl6pPr marL="2514600" indent="-228600" eaLnBrk="0" fontAlgn="base" hangingPunct="0">
-              <a:spcBef>
-                <a:spcPct val="0"/>
-              </a:spcBef>
-              <a:spcAft>
-                <a:spcPct val="0"/>
-              </a:spcAft>
-              <a:defRPr>
-                <a:solidFill>
-                  <a:schemeClr val="tx1"/>
-                </a:solidFill>
-                <a:latin typeface="Arial" charset="0"/>
-              </a:defRPr>
-            </a:lvl6pPr>
-            <a:lvl7pPr marL="2971800" indent="-228600" eaLnBrk="0" fontAlgn="base" hangingPunct="0">
-              <a:spcBef>
-                <a:spcPct val="0"/>
-              </a:spcBef>
-              <a:spcAft>
-                <a:spcPct val="0"/>
-              </a:spcAft>
-              <a:defRPr>
-                <a:solidFill>
-                  <a:schemeClr val="tx1"/>
-                </a:solidFill>
-                <a:latin typeface="Arial" charset="0"/>
-              </a:defRPr>
-            </a:lvl7pPr>
-            <a:lvl8pPr marL="3429000" indent="-228600" eaLnBrk="0" fontAlgn="base" hangingPunct="0">
-              <a:spcBef>
-                <a:spcPct val="0"/>
-              </a:spcBef>
-              <a:spcAft>
-                <a:spcPct val="0"/>
-              </a:spcAft>
-              <a:defRPr>
-                <a:solidFill>
-                  <a:schemeClr val="tx1"/>
-                </a:solidFill>
-                <a:latin typeface="Arial" charset="0"/>
-              </a:defRPr>
-            </a:lvl8pPr>
-            <a:lvl9pPr marL="3886200" indent="-228600" eaLnBrk="0" fontAlgn="base" hangingPunct="0">
-              <a:spcBef>
-                <a:spcPct val="0"/>
-              </a:spcBef>
-              <a:spcAft>
-                <a:spcPct val="0"/>
-              </a:spcAft>
-              <a:defRPr>
-                <a:solidFill>
-                  <a:schemeClr val="tx1"/>
-                </a:solidFill>
-                <a:latin typeface="Arial" charset="0"/>
-              </a:defRPr>
-            </a:lvl9pPr>
-          </a:lstStyle>
-          <a:p>
-            <a:pPr eaLnBrk="1" hangingPunct="1">
-              <a:spcBef>
-                <a:spcPct val="50000"/>
-              </a:spcBef>
-            </a:pPr>
-            <a:r>
-              <a:rPr lang="en-US" sz="2200" dirty="0">
-                <a:solidFill>
-                  <a:srgbClr val="000000"/>
-                </a:solidFill>
-                <a:latin typeface="Garamond" panose="02020404030301010803" pitchFamily="18" charset="0"/>
-                <a:cs typeface="Gill Sans" panose="020B0502020104020203" pitchFamily="34" charset="-79"/>
-              </a:rPr>
-              <a:t>Implement a barcode on the race bibs that can be scanned to automatically fill in the runner’s personal information in the medical forms, streamlining the data entry process.</a:t>
-            </a:r>
           </a:p>
         </p:txBody>
       </p:sp>
@@ -23398,7 +22925,7 @@
           <p:nvPr/>
         </p:nvPicPr>
         <p:blipFill>
-          <a:blip r:embed="rId14">
+          <a:blip r:embed="rId13">
             <a:extLst>
               <a:ext uri="{28A0092B-C50C-407E-A947-70E740481C1C}">
                 <a14:useLocalDpi xmlns:a14="http://schemas.microsoft.com/office/drawing/2010/main" val="0"/>
@@ -26033,8 +25560,8 @@
         </p:nvSpPr>
         <p:spPr>
           <a:xfrm>
-            <a:off x="22166504" y="17367777"/>
-            <a:ext cx="13990320" cy="6274798"/>
+            <a:off x="20122185" y="17367777"/>
+            <a:ext cx="16034639" cy="6274798"/>
           </a:xfrm>
           <a:prstGeom prst="rect">
             <a:avLst/>
@@ -26091,8 +25618,8 @@
         </p:nvSpPr>
         <p:spPr>
           <a:xfrm>
-            <a:off x="22245378" y="23902748"/>
-            <a:ext cx="5881337" cy="3237215"/>
+            <a:off x="20183308" y="23902748"/>
+            <a:ext cx="7943407" cy="3237215"/>
           </a:xfrm>
           <a:prstGeom prst="rect">
             <a:avLst/>
@@ -26470,10 +25997,10 @@
           <p:nvPr/>
         </p:nvPicPr>
         <p:blipFill>
-          <a:blip r:embed="rId15">
+          <a:blip r:embed="rId14">
             <a:extLst>
               <a:ext uri="{96DAC541-7B7A-43D3-8B79-37D633B846F1}">
-                <asvg:svgBlip xmlns:asvg="http://schemas.microsoft.com/office/drawing/2016/SVG/main" r:embed="rId16"/>
+                <asvg:svgBlip xmlns:asvg="http://schemas.microsoft.com/office/drawing/2016/SVG/main" r:embed="rId15"/>
               </a:ext>
             </a:extLst>
           </a:blip>
@@ -26506,10 +26033,10 @@
           <p:nvPr/>
         </p:nvPicPr>
         <p:blipFill>
-          <a:blip r:embed="rId17">
+          <a:blip r:embed="rId16">
             <a:extLst>
               <a:ext uri="{96DAC541-7B7A-43D3-8B79-37D633B846F1}">
-                <asvg:svgBlip xmlns:asvg="http://schemas.microsoft.com/office/drawing/2016/SVG/main" r:embed="rId18"/>
+                <asvg:svgBlip xmlns:asvg="http://schemas.microsoft.com/office/drawing/2016/SVG/main" r:embed="rId17"/>
               </a:ext>
             </a:extLst>
           </a:blip>
@@ -26562,10 +26089,10 @@
             <p:nvPr/>
           </p:nvPicPr>
           <p:blipFill>
-            <a:blip r:embed="rId19">
+            <a:blip r:embed="rId18">
               <a:extLst>
                 <a:ext uri="{96DAC541-7B7A-43D3-8B79-37D633B846F1}">
-                  <asvg:svgBlip xmlns:asvg="http://schemas.microsoft.com/office/drawing/2016/SVG/main" r:embed="rId20"/>
+                  <asvg:svgBlip xmlns:asvg="http://schemas.microsoft.com/office/drawing/2016/SVG/main" r:embed="rId19"/>
                 </a:ext>
               </a:extLst>
             </a:blip>
@@ -26598,10 +26125,10 @@
             <p:nvPr/>
           </p:nvPicPr>
           <p:blipFill>
-            <a:blip r:embed="rId21">
+            <a:blip r:embed="rId20">
               <a:extLst>
                 <a:ext uri="{96DAC541-7B7A-43D3-8B79-37D633B846F1}">
-                  <asvg:svgBlip xmlns:asvg="http://schemas.microsoft.com/office/drawing/2016/SVG/main" r:embed="rId22"/>
+                  <asvg:svgBlip xmlns:asvg="http://schemas.microsoft.com/office/drawing/2016/SVG/main" r:embed="rId21"/>
                 </a:ext>
               </a:extLst>
             </a:blip>
@@ -26634,10 +26161,10 @@
             <p:nvPr/>
           </p:nvPicPr>
           <p:blipFill>
-            <a:blip r:embed="rId23">
+            <a:blip r:embed="rId22">
               <a:extLst>
                 <a:ext uri="{96DAC541-7B7A-43D3-8B79-37D633B846F1}">
-                  <asvg:svgBlip xmlns:asvg="http://schemas.microsoft.com/office/drawing/2016/SVG/main" r:embed="rId24"/>
+                  <asvg:svgBlip xmlns:asvg="http://schemas.microsoft.com/office/drawing/2016/SVG/main" r:embed="rId23"/>
                 </a:ext>
               </a:extLst>
             </a:blip>
@@ -27041,10 +26568,10 @@
             <p:nvPr/>
           </p:nvPicPr>
           <p:blipFill>
-            <a:blip r:embed="rId19">
+            <a:blip r:embed="rId18">
               <a:extLst>
                 <a:ext uri="{96DAC541-7B7A-43D3-8B79-37D633B846F1}">
-                  <asvg:svgBlip xmlns:asvg="http://schemas.microsoft.com/office/drawing/2016/SVG/main" r:embed="rId20"/>
+                  <asvg:svgBlip xmlns:asvg="http://schemas.microsoft.com/office/drawing/2016/SVG/main" r:embed="rId19"/>
                 </a:ext>
               </a:extLst>
             </a:blip>
@@ -27077,10 +26604,10 @@
             <p:nvPr/>
           </p:nvPicPr>
           <p:blipFill>
-            <a:blip r:embed="rId21">
+            <a:blip r:embed="rId20">
               <a:extLst>
                 <a:ext uri="{96DAC541-7B7A-43D3-8B79-37D633B846F1}">
-                  <asvg:svgBlip xmlns:asvg="http://schemas.microsoft.com/office/drawing/2016/SVG/main" r:embed="rId22"/>
+                  <asvg:svgBlip xmlns:asvg="http://schemas.microsoft.com/office/drawing/2016/SVG/main" r:embed="rId21"/>
                 </a:ext>
               </a:extLst>
             </a:blip>
@@ -27113,10 +26640,10 @@
             <p:nvPr/>
           </p:nvPicPr>
           <p:blipFill>
-            <a:blip r:embed="rId23">
+            <a:blip r:embed="rId22">
               <a:extLst>
                 <a:ext uri="{96DAC541-7B7A-43D3-8B79-37D633B846F1}">
-                  <asvg:svgBlip xmlns:asvg="http://schemas.microsoft.com/office/drawing/2016/SVG/main" r:embed="rId24"/>
+                  <asvg:svgBlip xmlns:asvg="http://schemas.microsoft.com/office/drawing/2016/SVG/main" r:embed="rId23"/>
                 </a:ext>
               </a:extLst>
             </a:blip>
@@ -27562,10 +27089,10 @@
             <p:nvPr/>
           </p:nvPicPr>
           <p:blipFill>
-            <a:blip r:embed="rId19">
+            <a:blip r:embed="rId18">
               <a:extLst>
                 <a:ext uri="{96DAC541-7B7A-43D3-8B79-37D633B846F1}">
-                  <asvg:svgBlip xmlns:asvg="http://schemas.microsoft.com/office/drawing/2016/SVG/main" r:embed="rId20"/>
+                  <asvg:svgBlip xmlns:asvg="http://schemas.microsoft.com/office/drawing/2016/SVG/main" r:embed="rId19"/>
                 </a:ext>
               </a:extLst>
             </a:blip>
@@ -27598,10 +27125,10 @@
             <p:nvPr/>
           </p:nvPicPr>
           <p:blipFill>
-            <a:blip r:embed="rId21">
+            <a:blip r:embed="rId20">
               <a:extLst>
                 <a:ext uri="{96DAC541-7B7A-43D3-8B79-37D633B846F1}">
-                  <asvg:svgBlip xmlns:asvg="http://schemas.microsoft.com/office/drawing/2016/SVG/main" r:embed="rId22"/>
+                  <asvg:svgBlip xmlns:asvg="http://schemas.microsoft.com/office/drawing/2016/SVG/main" r:embed="rId21"/>
                 </a:ext>
               </a:extLst>
             </a:blip>
@@ -27634,10 +27161,10 @@
             <p:nvPr/>
           </p:nvPicPr>
           <p:blipFill>
-            <a:blip r:embed="rId23">
+            <a:blip r:embed="rId22">
               <a:extLst>
                 <a:ext uri="{96DAC541-7B7A-43D3-8B79-37D633B846F1}">
-                  <asvg:svgBlip xmlns:asvg="http://schemas.microsoft.com/office/drawing/2016/SVG/main" r:embed="rId24"/>
+                  <asvg:svgBlip xmlns:asvg="http://schemas.microsoft.com/office/drawing/2016/SVG/main" r:embed="rId23"/>
                 </a:ext>
               </a:extLst>
             </a:blip>
@@ -28974,10 +28501,10 @@
             <p:nvPr/>
           </p:nvPicPr>
           <p:blipFill>
-            <a:blip r:embed="rId19">
+            <a:blip r:embed="rId18">
               <a:extLst>
                 <a:ext uri="{96DAC541-7B7A-43D3-8B79-37D633B846F1}">
-                  <asvg:svgBlip xmlns:asvg="http://schemas.microsoft.com/office/drawing/2016/SVG/main" r:embed="rId20"/>
+                  <asvg:svgBlip xmlns:asvg="http://schemas.microsoft.com/office/drawing/2016/SVG/main" r:embed="rId19"/>
                 </a:ext>
               </a:extLst>
             </a:blip>
@@ -29010,10 +28537,10 @@
             <p:nvPr/>
           </p:nvPicPr>
           <p:blipFill>
-            <a:blip r:embed="rId23">
+            <a:blip r:embed="rId22">
               <a:extLst>
                 <a:ext uri="{96DAC541-7B7A-43D3-8B79-37D633B846F1}">
-                  <asvg:svgBlip xmlns:asvg="http://schemas.microsoft.com/office/drawing/2016/SVG/main" r:embed="rId24"/>
+                  <asvg:svgBlip xmlns:asvg="http://schemas.microsoft.com/office/drawing/2016/SVG/main" r:embed="rId23"/>
                 </a:ext>
               </a:extLst>
             </a:blip>
@@ -29046,10 +28573,10 @@
             <p:nvPr/>
           </p:nvPicPr>
           <p:blipFill>
-            <a:blip r:embed="rId17">
+            <a:blip r:embed="rId16">
               <a:extLst>
                 <a:ext uri="{96DAC541-7B7A-43D3-8B79-37D633B846F1}">
-                  <asvg:svgBlip xmlns:asvg="http://schemas.microsoft.com/office/drawing/2016/SVG/main" r:embed="rId18"/>
+                  <asvg:svgBlip xmlns:asvg="http://schemas.microsoft.com/office/drawing/2016/SVG/main" r:embed="rId17"/>
                 </a:ext>
               </a:extLst>
             </a:blip>
@@ -29155,10 +28682,10 @@
             <p:nvPr/>
           </p:nvPicPr>
           <p:blipFill>
-            <a:blip r:embed="rId19">
+            <a:blip r:embed="rId18">
               <a:extLst>
                 <a:ext uri="{96DAC541-7B7A-43D3-8B79-37D633B846F1}">
-                  <asvg:svgBlip xmlns:asvg="http://schemas.microsoft.com/office/drawing/2016/SVG/main" r:embed="rId20"/>
+                  <asvg:svgBlip xmlns:asvg="http://schemas.microsoft.com/office/drawing/2016/SVG/main" r:embed="rId19"/>
                 </a:ext>
               </a:extLst>
             </a:blip>
@@ -29191,10 +28718,10 @@
             <p:nvPr/>
           </p:nvPicPr>
           <p:blipFill>
-            <a:blip r:embed="rId21">
+            <a:blip r:embed="rId20">
               <a:extLst>
                 <a:ext uri="{96DAC541-7B7A-43D3-8B79-37D633B846F1}">
-                  <asvg:svgBlip xmlns:asvg="http://schemas.microsoft.com/office/drawing/2016/SVG/main" r:embed="rId22"/>
+                  <asvg:svgBlip xmlns:asvg="http://schemas.microsoft.com/office/drawing/2016/SVG/main" r:embed="rId21"/>
                 </a:ext>
               </a:extLst>
             </a:blip>
@@ -29227,10 +28754,10 @@
             <p:nvPr/>
           </p:nvPicPr>
           <p:blipFill>
-            <a:blip r:embed="rId23">
+            <a:blip r:embed="rId22">
               <a:extLst>
                 <a:ext uri="{96DAC541-7B7A-43D3-8B79-37D633B846F1}">
-                  <asvg:svgBlip xmlns:asvg="http://schemas.microsoft.com/office/drawing/2016/SVG/main" r:embed="rId24"/>
+                  <asvg:svgBlip xmlns:asvg="http://schemas.microsoft.com/office/drawing/2016/SVG/main" r:embed="rId23"/>
                 </a:ext>
               </a:extLst>
             </a:blip>
